--- a/Data_Structure/Huffman.pptx
+++ b/Data_Structure/Huffman.pptx
@@ -12,29 +12,30 @@
     <p:sldId id="260" r:id="rId6"/>
     <p:sldId id="261" r:id="rId7"/>
     <p:sldId id="262" r:id="rId8"/>
-    <p:sldId id="263" r:id="rId9"/>
-    <p:sldId id="264" r:id="rId10"/>
-    <p:sldId id="265" r:id="rId11"/>
-    <p:sldId id="266" r:id="rId12"/>
-    <p:sldId id="267" r:id="rId13"/>
-    <p:sldId id="268" r:id="rId14"/>
-    <p:sldId id="269" r:id="rId15"/>
-    <p:sldId id="270" r:id="rId16"/>
-    <p:sldId id="271" r:id="rId17"/>
-    <p:sldId id="272" r:id="rId18"/>
-    <p:sldId id="274" r:id="rId19"/>
-    <p:sldId id="273" r:id="rId20"/>
-    <p:sldId id="275" r:id="rId21"/>
-    <p:sldId id="276" r:id="rId22"/>
-    <p:sldId id="278" r:id="rId23"/>
-    <p:sldId id="277" r:id="rId24"/>
-    <p:sldId id="279" r:id="rId25"/>
-    <p:sldId id="280" r:id="rId26"/>
-    <p:sldId id="281" r:id="rId27"/>
-    <p:sldId id="282" r:id="rId28"/>
-    <p:sldId id="283" r:id="rId29"/>
-    <p:sldId id="284" r:id="rId30"/>
-    <p:sldId id="285" r:id="rId31"/>
+    <p:sldId id="264" r:id="rId9"/>
+    <p:sldId id="265" r:id="rId10"/>
+    <p:sldId id="266" r:id="rId11"/>
+    <p:sldId id="267" r:id="rId12"/>
+    <p:sldId id="268" r:id="rId13"/>
+    <p:sldId id="269" r:id="rId14"/>
+    <p:sldId id="270" r:id="rId15"/>
+    <p:sldId id="271" r:id="rId16"/>
+    <p:sldId id="272" r:id="rId17"/>
+    <p:sldId id="274" r:id="rId18"/>
+    <p:sldId id="273" r:id="rId19"/>
+    <p:sldId id="286" r:id="rId20"/>
+    <p:sldId id="287" r:id="rId21"/>
+    <p:sldId id="275" r:id="rId22"/>
+    <p:sldId id="276" r:id="rId23"/>
+    <p:sldId id="278" r:id="rId24"/>
+    <p:sldId id="277" r:id="rId25"/>
+    <p:sldId id="279" r:id="rId26"/>
+    <p:sldId id="280" r:id="rId27"/>
+    <p:sldId id="281" r:id="rId28"/>
+    <p:sldId id="282" r:id="rId29"/>
+    <p:sldId id="283" r:id="rId30"/>
+    <p:sldId id="284" r:id="rId31"/>
+    <p:sldId id="285" r:id="rId32"/>
   </p:sldIdLst>
   <p:sldSz cx="12192000" cy="6858000"/>
   <p:notesSz cx="6858000" cy="9144000"/>
@@ -133,6 +134,11 @@
       </a:defRPr>
     </a:lvl9pPr>
   </p:defaultTextStyle>
+  <p:extLst>
+    <p:ext uri="{EFAFB233-063F-42B5-8137-9DF3F51BA10A}">
+      <p15:sldGuideLst xmlns:p15="http://schemas.microsoft.com/office/powerpoint/2012/main"/>
+    </p:ext>
+  </p:extLst>
 </p:presentation>
 </file>
 
@@ -283,7 +289,7 @@
           <a:p>
             <a:fld id="{2612EBDD-0B93-4263-9467-DCD8453AAD26}" type="datetimeFigureOut">
               <a:rPr lang="zh-CN" altLang="en-US" smtClean="0"/>
-              <a:t>2025/1/1</a:t>
+              <a:t>2025/1/3</a:t>
             </a:fld>
             <a:endParaRPr lang="zh-CN" altLang="en-US"/>
           </a:p>
@@ -481,7 +487,7 @@
           <a:p>
             <a:fld id="{2612EBDD-0B93-4263-9467-DCD8453AAD26}" type="datetimeFigureOut">
               <a:rPr lang="zh-CN" altLang="en-US" smtClean="0"/>
-              <a:t>2025/1/1</a:t>
+              <a:t>2025/1/3</a:t>
             </a:fld>
             <a:endParaRPr lang="zh-CN" altLang="en-US"/>
           </a:p>
@@ -689,7 +695,7 @@
           <a:p>
             <a:fld id="{2612EBDD-0B93-4263-9467-DCD8453AAD26}" type="datetimeFigureOut">
               <a:rPr lang="zh-CN" altLang="en-US" smtClean="0"/>
-              <a:t>2025/1/1</a:t>
+              <a:t>2025/1/3</a:t>
             </a:fld>
             <a:endParaRPr lang="zh-CN" altLang="en-US"/>
           </a:p>
@@ -887,7 +893,7 @@
           <a:p>
             <a:fld id="{2612EBDD-0B93-4263-9467-DCD8453AAD26}" type="datetimeFigureOut">
               <a:rPr lang="zh-CN" altLang="en-US" smtClean="0"/>
-              <a:t>2025/1/1</a:t>
+              <a:t>2025/1/3</a:t>
             </a:fld>
             <a:endParaRPr lang="zh-CN" altLang="en-US"/>
           </a:p>
@@ -1162,7 +1168,7 @@
           <a:p>
             <a:fld id="{2612EBDD-0B93-4263-9467-DCD8453AAD26}" type="datetimeFigureOut">
               <a:rPr lang="zh-CN" altLang="en-US" smtClean="0"/>
-              <a:t>2025/1/1</a:t>
+              <a:t>2025/1/3</a:t>
             </a:fld>
             <a:endParaRPr lang="zh-CN" altLang="en-US"/>
           </a:p>
@@ -1427,7 +1433,7 @@
           <a:p>
             <a:fld id="{2612EBDD-0B93-4263-9467-DCD8453AAD26}" type="datetimeFigureOut">
               <a:rPr lang="zh-CN" altLang="en-US" smtClean="0"/>
-              <a:t>2025/1/1</a:t>
+              <a:t>2025/1/3</a:t>
             </a:fld>
             <a:endParaRPr lang="zh-CN" altLang="en-US"/>
           </a:p>
@@ -1839,7 +1845,7 @@
           <a:p>
             <a:fld id="{2612EBDD-0B93-4263-9467-DCD8453AAD26}" type="datetimeFigureOut">
               <a:rPr lang="zh-CN" altLang="en-US" smtClean="0"/>
-              <a:t>2025/1/1</a:t>
+              <a:t>2025/1/3</a:t>
             </a:fld>
             <a:endParaRPr lang="zh-CN" altLang="en-US"/>
           </a:p>
@@ -1980,7 +1986,7 @@
           <a:p>
             <a:fld id="{2612EBDD-0B93-4263-9467-DCD8453AAD26}" type="datetimeFigureOut">
               <a:rPr lang="zh-CN" altLang="en-US" smtClean="0"/>
-              <a:t>2025/1/1</a:t>
+              <a:t>2025/1/3</a:t>
             </a:fld>
             <a:endParaRPr lang="zh-CN" altLang="en-US"/>
           </a:p>
@@ -2093,7 +2099,7 @@
           <a:p>
             <a:fld id="{2612EBDD-0B93-4263-9467-DCD8453AAD26}" type="datetimeFigureOut">
               <a:rPr lang="zh-CN" altLang="en-US" smtClean="0"/>
-              <a:t>2025/1/1</a:t>
+              <a:t>2025/1/3</a:t>
             </a:fld>
             <a:endParaRPr lang="zh-CN" altLang="en-US"/>
           </a:p>
@@ -2404,7 +2410,7 @@
           <a:p>
             <a:fld id="{2612EBDD-0B93-4263-9467-DCD8453AAD26}" type="datetimeFigureOut">
               <a:rPr lang="zh-CN" altLang="en-US" smtClean="0"/>
-              <a:t>2025/1/1</a:t>
+              <a:t>2025/1/3</a:t>
             </a:fld>
             <a:endParaRPr lang="zh-CN" altLang="en-US"/>
           </a:p>
@@ -2692,7 +2698,7 @@
           <a:p>
             <a:fld id="{2612EBDD-0B93-4263-9467-DCD8453AAD26}" type="datetimeFigureOut">
               <a:rPr lang="zh-CN" altLang="en-US" smtClean="0"/>
-              <a:t>2025/1/1</a:t>
+              <a:t>2025/1/3</a:t>
             </a:fld>
             <a:endParaRPr lang="zh-CN" altLang="en-US"/>
           </a:p>
@@ -2933,7 +2939,7 @@
           <a:p>
             <a:fld id="{2612EBDD-0B93-4263-9467-DCD8453AAD26}" type="datetimeFigureOut">
               <a:rPr lang="zh-CN" altLang="en-US" smtClean="0"/>
-              <a:t>2025/1/1</a:t>
+              <a:t>2025/1/3</a:t>
             </a:fld>
             <a:endParaRPr lang="zh-CN" altLang="en-US"/>
           </a:p>
@@ -3441,7 +3447,7 @@
           <p:cNvPr id="2" name="标题 1">
             <a:extLst>
               <a:ext uri="{FF2B5EF4-FFF2-40B4-BE49-F238E27FC236}">
-                <a16:creationId xmlns:a16="http://schemas.microsoft.com/office/drawing/2014/main" id="{92BDAB13-A660-88D4-3D78-F44E334477D6}"/>
+                <a16:creationId xmlns:a16="http://schemas.microsoft.com/office/drawing/2014/main" id="{CACE1CFF-47FF-6BC4-72C1-42B3B9698E50}"/>
               </a:ext>
             </a:extLst>
           </p:cNvPr>
@@ -3459,7 +3465,7 @@
           <a:p>
             <a:r>
               <a:rPr lang="en-US" altLang="zh-CN" dirty="0"/>
-              <a:t>Read-2</a:t>
+              <a:t>Read-3</a:t>
             </a:r>
             <a:endParaRPr lang="zh-CN" altLang="en-US" dirty="0"/>
           </a:p>
@@ -3470,7 +3476,7 @@
           <p:cNvPr id="3" name="内容占位符 2">
             <a:extLst>
               <a:ext uri="{FF2B5EF4-FFF2-40B4-BE49-F238E27FC236}">
-                <a16:creationId xmlns:a16="http://schemas.microsoft.com/office/drawing/2014/main" id="{EEB51096-CF5D-A5C8-44C4-7E17E5860120}"/>
+                <a16:creationId xmlns:a16="http://schemas.microsoft.com/office/drawing/2014/main" id="{CABDF257-FAEE-683E-D2B9-37DB955B9D50}"/>
               </a:ext>
             </a:extLst>
           </p:cNvPr>
@@ -3488,35 +3494,21 @@
           <a:p>
             <a:r>
               <a:rPr lang="en-US" altLang="zh-CN" dirty="0"/>
-              <a:t>content = </a:t>
-            </a:r>
-            <a:r>
-              <a:rPr lang="en-US" altLang="zh-CN" dirty="0" err="1"/>
-              <a:t>input_entry.get</a:t>
-            </a:r>
-            <a:r>
-              <a:rPr lang="en-US" altLang="zh-CN" dirty="0"/>
-              <a:t>()</a:t>
-            </a:r>
-          </a:p>
-          <a:p>
-            <a:r>
-              <a:rPr lang="en-US" altLang="zh-CN" dirty="0"/>
-              <a:t>out = list(map(int, </a:t>
-            </a:r>
-            <a:r>
-              <a:rPr lang="en-US" altLang="zh-CN" dirty="0" err="1"/>
-              <a:t>content.split</a:t>
-            </a:r>
-            <a:r>
-              <a:rPr lang="en-US" altLang="zh-CN" dirty="0"/>
-              <a:t>()))</a:t>
-            </a:r>
-          </a:p>
-          <a:p>
-            <a:r>
-              <a:rPr lang="en-US" altLang="zh-CN" dirty="0"/>
-              <a:t>assert </a:t>
+              <a:t>with open("data.in", 'w') as FILE:</a:t>
+            </a:r>
+          </a:p>
+          <a:p>
+            <a:r>
+              <a:rPr lang="en-US" altLang="zh-CN" dirty="0"/>
+              <a:t>    </a:t>
+            </a:r>
+            <a:r>
+              <a:rPr lang="en-US" altLang="zh-CN" dirty="0" err="1"/>
+              <a:t>FILE.write</a:t>
+            </a:r>
+            <a:r>
+              <a:rPr lang="en-US" altLang="zh-CN" dirty="0"/>
+              <a:t>('1\n' + str(</a:t>
             </a:r>
             <a:r>
               <a:rPr lang="en-US" altLang="zh-CN" dirty="0" err="1"/>
@@ -3524,7 +3516,57 @@
             </a:r>
             <a:r>
               <a:rPr lang="en-US" altLang="zh-CN" dirty="0"/>
-              <a:t>(out) != 0, "empty input"</a:t>
+              <a:t>(out)) + '\n')</a:t>
+            </a:r>
+          </a:p>
+          <a:p>
+            <a:r>
+              <a:rPr lang="en-US" altLang="zh-CN" dirty="0"/>
+              <a:t>    for </a:t>
+            </a:r>
+            <a:r>
+              <a:rPr lang="en-US" altLang="zh-CN" dirty="0" err="1"/>
+              <a:t>elem</a:t>
+            </a:r>
+            <a:r>
+              <a:rPr lang="en-US" altLang="zh-CN" dirty="0"/>
+              <a:t> in out:</a:t>
+            </a:r>
+          </a:p>
+          <a:p>
+            <a:r>
+              <a:rPr lang="en-US" altLang="zh-CN" dirty="0"/>
+              <a:t>        </a:t>
+            </a:r>
+            <a:r>
+              <a:rPr lang="en-US" altLang="zh-CN" dirty="0" err="1"/>
+              <a:t>FILE.write</a:t>
+            </a:r>
+            <a:r>
+              <a:rPr lang="en-US" altLang="zh-CN" dirty="0"/>
+              <a:t>(str(</a:t>
+            </a:r>
+            <a:r>
+              <a:rPr lang="en-US" altLang="zh-CN" dirty="0" err="1"/>
+              <a:t>elem</a:t>
+            </a:r>
+            <a:r>
+              <a:rPr lang="en-US" altLang="zh-CN" dirty="0"/>
+              <a:t>) + ' ')</a:t>
+            </a:r>
+          </a:p>
+          <a:p>
+            <a:r>
+              <a:rPr lang="en-US" altLang="zh-CN" dirty="0"/>
+              <a:t>    </a:t>
+            </a:r>
+            <a:r>
+              <a:rPr lang="en-US" altLang="zh-CN" dirty="0" err="1"/>
+              <a:t>FILE.write</a:t>
+            </a:r>
+            <a:r>
+              <a:rPr lang="en-US" altLang="zh-CN" dirty="0"/>
+              <a:t>('\n')</a:t>
             </a:r>
           </a:p>
           <a:p>
@@ -3533,15 +3575,55 @@
             </a:pPr>
             <a:r>
               <a:rPr lang="zh-CN" altLang="en-US" dirty="0"/>
-              <a:t>用户输入</a:t>
-            </a:r>
-            <a:r>
-              <a:rPr lang="en-US" altLang="zh-CN" dirty="0"/>
-              <a:t> &amp;&amp; </a:t>
+              <a:t>该部分代码将节点的权重数据写入文件 </a:t>
+            </a:r>
+            <a:r>
+              <a:rPr lang="en-US" altLang="zh-CN" dirty="0"/>
+              <a:t>data.in</a:t>
             </a:r>
             <a:r>
               <a:rPr lang="zh-CN" altLang="en-US" dirty="0"/>
-              <a:t>数据处理和验证</a:t>
+              <a:t>。</a:t>
+            </a:r>
+            <a:r>
+              <a:rPr lang="en-US" altLang="zh-CN" dirty="0"/>
+              <a:t>1\n </a:t>
+            </a:r>
+            <a:r>
+              <a:rPr lang="zh-CN" altLang="en-US" dirty="0"/>
+              <a:t>表示树的类型（可能是指哈夫曼树）。</a:t>
+            </a:r>
+            <a:r>
+              <a:rPr lang="en-US" altLang="zh-CN" dirty="0"/>
+              <a:t>str(</a:t>
+            </a:r>
+            <a:r>
+              <a:rPr lang="en-US" altLang="zh-CN" dirty="0" err="1"/>
+              <a:t>len</a:t>
+            </a:r>
+            <a:r>
+              <a:rPr lang="en-US" altLang="zh-CN" dirty="0"/>
+              <a:t>(out)) + '\n' </a:t>
+            </a:r>
+            <a:r>
+              <a:rPr lang="zh-CN" altLang="en-US" dirty="0"/>
+              <a:t>写入节点数量。</a:t>
+            </a:r>
+            <a:r>
+              <a:rPr lang="en-US" altLang="zh-CN" dirty="0"/>
+              <a:t>for </a:t>
+            </a:r>
+            <a:r>
+              <a:rPr lang="en-US" altLang="zh-CN" dirty="0" err="1"/>
+              <a:t>elem</a:t>
+            </a:r>
+            <a:r>
+              <a:rPr lang="en-US" altLang="zh-CN" dirty="0"/>
+              <a:t> in out: </a:t>
+            </a:r>
+            <a:r>
+              <a:rPr lang="zh-CN" altLang="en-US" dirty="0"/>
+              <a:t>将每个节点的权重逐个写入文件，并在每个权重后加上空格。</a:t>
             </a:r>
           </a:p>
         </p:txBody>
@@ -3549,7 +3631,7 @@
     </p:spTree>
     <p:extLst>
       <p:ext uri="{BB962C8B-B14F-4D97-AF65-F5344CB8AC3E}">
-        <p14:creationId xmlns:p14="http://schemas.microsoft.com/office/powerpoint/2010/main" val="576465012"/>
+        <p14:creationId xmlns:p14="http://schemas.microsoft.com/office/powerpoint/2010/main" val="2099722597"/>
       </p:ext>
     </p:extLst>
   </p:cSld>
@@ -3581,7 +3663,7 @@
           <p:cNvPr id="2" name="标题 1">
             <a:extLst>
               <a:ext uri="{FF2B5EF4-FFF2-40B4-BE49-F238E27FC236}">
-                <a16:creationId xmlns:a16="http://schemas.microsoft.com/office/drawing/2014/main" id="{CACE1CFF-47FF-6BC4-72C1-42B3B9698E50}"/>
+                <a16:creationId xmlns:a16="http://schemas.microsoft.com/office/drawing/2014/main" id="{0FBF65FD-13D3-A4D7-340E-2E8FB61F53B3}"/>
               </a:ext>
             </a:extLst>
           </p:cNvPr>
@@ -3610,7 +3692,7 @@
           <p:cNvPr id="3" name="内容占位符 2">
             <a:extLst>
               <a:ext uri="{FF2B5EF4-FFF2-40B4-BE49-F238E27FC236}">
-                <a16:creationId xmlns:a16="http://schemas.microsoft.com/office/drawing/2014/main" id="{CABDF257-FAEE-683E-D2B9-37DB955B9D50}"/>
+                <a16:creationId xmlns:a16="http://schemas.microsoft.com/office/drawing/2014/main" id="{72C04FDA-30AB-178A-6214-66C7607A2B1B}"/>
               </a:ext>
             </a:extLst>
           </p:cNvPr>
@@ -3627,80 +3709,40 @@
           <a:lstStyle/>
           <a:p>
             <a:r>
-              <a:rPr lang="en-US" altLang="zh-CN" dirty="0"/>
-              <a:t>with open("data.in", 'w') as FILE:</a:t>
-            </a:r>
-          </a:p>
-          <a:p>
-            <a:r>
-              <a:rPr lang="en-US" altLang="zh-CN" dirty="0"/>
-              <a:t>    </a:t>
-            </a:r>
-            <a:r>
-              <a:rPr lang="en-US" altLang="zh-CN" dirty="0" err="1"/>
-              <a:t>FILE.write</a:t>
-            </a:r>
-            <a:r>
-              <a:rPr lang="en-US" altLang="zh-CN" dirty="0"/>
-              <a:t>('1\n' + str(</a:t>
-            </a:r>
-            <a:r>
-              <a:rPr lang="en-US" altLang="zh-CN" dirty="0" err="1"/>
-              <a:t>len</a:t>
-            </a:r>
-            <a:r>
-              <a:rPr lang="en-US" altLang="zh-CN" dirty="0"/>
-              <a:t>(out)) + '\n')</a:t>
-            </a:r>
-          </a:p>
-          <a:p>
-            <a:r>
-              <a:rPr lang="en-US" altLang="zh-CN" dirty="0"/>
-              <a:t>    for </a:t>
-            </a:r>
-            <a:r>
-              <a:rPr lang="en-US" altLang="zh-CN" dirty="0" err="1"/>
-              <a:t>elem</a:t>
-            </a:r>
-            <a:r>
-              <a:rPr lang="en-US" altLang="zh-CN" dirty="0"/>
-              <a:t> in out:</a:t>
-            </a:r>
-          </a:p>
-          <a:p>
-            <a:r>
-              <a:rPr lang="en-US" altLang="zh-CN" dirty="0"/>
-              <a:t>        </a:t>
-            </a:r>
-            <a:r>
-              <a:rPr lang="en-US" altLang="zh-CN" dirty="0" err="1"/>
-              <a:t>FILE.write</a:t>
-            </a:r>
-            <a:r>
-              <a:rPr lang="en-US" altLang="zh-CN" dirty="0"/>
-              <a:t>(str(</a:t>
-            </a:r>
-            <a:r>
-              <a:rPr lang="en-US" altLang="zh-CN" dirty="0" err="1"/>
-              <a:t>elem</a:t>
-            </a:r>
-            <a:r>
-              <a:rPr lang="en-US" altLang="zh-CN" dirty="0"/>
-              <a:t>) + ' ')</a:t>
-            </a:r>
-          </a:p>
-          <a:p>
-            <a:r>
-              <a:rPr lang="en-US" altLang="zh-CN" dirty="0"/>
-              <a:t>    </a:t>
-            </a:r>
-            <a:r>
-              <a:rPr lang="en-US" altLang="zh-CN" dirty="0" err="1"/>
-              <a:t>FILE.write</a:t>
-            </a:r>
-            <a:r>
-              <a:rPr lang="en-US" altLang="zh-CN" dirty="0"/>
-              <a:t>('\n')</a:t>
+              <a:rPr lang="en-US" altLang="zh-CN" dirty="0" err="1"/>
+              <a:t>os.system</a:t>
+            </a:r>
+            <a:r>
+              <a:rPr lang="en-US" altLang="zh-CN" dirty="0"/>
+              <a:t>("back_up.exe")</a:t>
+            </a:r>
+          </a:p>
+          <a:p>
+            <a:r>
+              <a:rPr lang="en-US" altLang="zh-CN" dirty="0"/>
+              <a:t>with open("</a:t>
+            </a:r>
+            <a:r>
+              <a:rPr lang="en-US" altLang="zh-CN" dirty="0" err="1"/>
+              <a:t>data.out</a:t>
+            </a:r>
+            <a:r>
+              <a:rPr lang="en-US" altLang="zh-CN" dirty="0"/>
+              <a:t>", 'r') as FILE:</a:t>
+            </a:r>
+          </a:p>
+          <a:p>
+            <a:r>
+              <a:rPr lang="en-US" altLang="zh-CN" dirty="0"/>
+              <a:t>    content = </a:t>
+            </a:r>
+            <a:r>
+              <a:rPr lang="en-US" altLang="zh-CN" dirty="0" err="1"/>
+              <a:t>FILE.read</a:t>
+            </a:r>
+            <a:r>
+              <a:rPr lang="en-US" altLang="zh-CN" dirty="0"/>
+              <a:t>()</a:t>
             </a:r>
           </a:p>
           <a:p>
@@ -3709,55 +3751,17 @@
             </a:pPr>
             <a:r>
               <a:rPr lang="zh-CN" altLang="en-US" dirty="0"/>
-              <a:t>该部分代码将节点的权重数据写入文件 </a:t>
-            </a:r>
-            <a:r>
-              <a:rPr lang="en-US" altLang="zh-CN" dirty="0"/>
-              <a:t>data.in</a:t>
-            </a:r>
+              <a:t>文件内容将包含哈夫曼树的构建过程，包括节点和连线的信息。</a:t>
+            </a:r>
+            <a:endParaRPr lang="en-US" altLang="zh-CN" dirty="0"/>
+          </a:p>
+          <a:p>
+            <a:pPr marL="0" indent="0">
+              <a:buNone/>
+            </a:pPr>
             <a:r>
               <a:rPr lang="zh-CN" altLang="en-US" dirty="0"/>
-              <a:t>。</a:t>
-            </a:r>
-            <a:r>
-              <a:rPr lang="en-US" altLang="zh-CN" dirty="0"/>
-              <a:t>1\n </a:t>
-            </a:r>
-            <a:r>
-              <a:rPr lang="zh-CN" altLang="en-US" dirty="0"/>
-              <a:t>表示树的类型（可能是指哈夫曼树）。</a:t>
-            </a:r>
-            <a:r>
-              <a:rPr lang="en-US" altLang="zh-CN" dirty="0"/>
-              <a:t>str(</a:t>
-            </a:r>
-            <a:r>
-              <a:rPr lang="en-US" altLang="zh-CN" dirty="0" err="1"/>
-              <a:t>len</a:t>
-            </a:r>
-            <a:r>
-              <a:rPr lang="en-US" altLang="zh-CN" dirty="0"/>
-              <a:t>(out)) + '\n' </a:t>
-            </a:r>
-            <a:r>
-              <a:rPr lang="zh-CN" altLang="en-US" dirty="0"/>
-              <a:t>写入节点数量。</a:t>
-            </a:r>
-            <a:r>
-              <a:rPr lang="en-US" altLang="zh-CN" dirty="0"/>
-              <a:t>for </a:t>
-            </a:r>
-            <a:r>
-              <a:rPr lang="en-US" altLang="zh-CN" dirty="0" err="1"/>
-              <a:t>elem</a:t>
-            </a:r>
-            <a:r>
-              <a:rPr lang="en-US" altLang="zh-CN" dirty="0"/>
-              <a:t> in out: </a:t>
-            </a:r>
-            <a:r>
-              <a:rPr lang="zh-CN" altLang="en-US" dirty="0"/>
-              <a:t>将每个节点的权重逐个写入文件，并在每个权重后加上空格。</a:t>
+              <a:t>文件每一行代表哈夫曼树构建过程中的一个操作。</a:t>
             </a:r>
           </a:p>
         </p:txBody>
@@ -3765,7 +3769,7 @@
     </p:spTree>
     <p:extLst>
       <p:ext uri="{BB962C8B-B14F-4D97-AF65-F5344CB8AC3E}">
-        <p14:creationId xmlns:p14="http://schemas.microsoft.com/office/powerpoint/2010/main" val="2099722597"/>
+        <p14:creationId xmlns:p14="http://schemas.microsoft.com/office/powerpoint/2010/main" val="4115678531"/>
       </p:ext>
     </p:extLst>
   </p:cSld>
@@ -3797,7 +3801,7 @@
           <p:cNvPr id="2" name="标题 1">
             <a:extLst>
               <a:ext uri="{FF2B5EF4-FFF2-40B4-BE49-F238E27FC236}">
-                <a16:creationId xmlns:a16="http://schemas.microsoft.com/office/drawing/2014/main" id="{0FBF65FD-13D3-A4D7-340E-2E8FB61F53B3}"/>
+                <a16:creationId xmlns:a16="http://schemas.microsoft.com/office/drawing/2014/main" id="{6B52379F-928E-6AF2-8130-921D90586EAD}"/>
               </a:ext>
             </a:extLst>
           </p:cNvPr>
@@ -3815,7 +3819,7 @@
           <a:p>
             <a:r>
               <a:rPr lang="en-US" altLang="zh-CN" dirty="0"/>
-              <a:t>Read-3</a:t>
+              <a:t>Read-4</a:t>
             </a:r>
             <a:endParaRPr lang="zh-CN" altLang="en-US" dirty="0"/>
           </a:p>
@@ -3826,7 +3830,7 @@
           <p:cNvPr id="3" name="内容占位符 2">
             <a:extLst>
               <a:ext uri="{FF2B5EF4-FFF2-40B4-BE49-F238E27FC236}">
-                <a16:creationId xmlns:a16="http://schemas.microsoft.com/office/drawing/2014/main" id="{72C04FDA-30AB-178A-6214-66C7607A2B1B}"/>
+                <a16:creationId xmlns:a16="http://schemas.microsoft.com/office/drawing/2014/main" id="{F746D45A-7F9B-809D-2372-7B3E6D17DC03}"/>
               </a:ext>
             </a:extLst>
           </p:cNvPr>
@@ -3837,65 +3841,276 @@
             <p:ph idx="1"/>
           </p:nvPr>
         </p:nvSpPr>
-        <p:spPr/>
-        <p:txBody>
-          <a:bodyPr/>
-          <a:lstStyle/>
-          <a:p>
-            <a:r>
-              <a:rPr lang="en-US" altLang="zh-CN" dirty="0" err="1"/>
-              <a:t>os.system</a:t>
-            </a:r>
-            <a:r>
-              <a:rPr lang="en-US" altLang="zh-CN" dirty="0"/>
-              <a:t>("back_up.exe")</a:t>
-            </a:r>
-          </a:p>
-          <a:p>
-            <a:r>
-              <a:rPr lang="en-US" altLang="zh-CN" dirty="0"/>
-              <a:t>with open("</a:t>
-            </a:r>
-            <a:r>
-              <a:rPr lang="en-US" altLang="zh-CN" dirty="0" err="1"/>
-              <a:t>data.out</a:t>
-            </a:r>
-            <a:r>
-              <a:rPr lang="en-US" altLang="zh-CN" dirty="0"/>
-              <a:t>", 'r') as FILE:</a:t>
-            </a:r>
-          </a:p>
-          <a:p>
-            <a:r>
-              <a:rPr lang="en-US" altLang="zh-CN" dirty="0"/>
-              <a:t>    content = </a:t>
-            </a:r>
-            <a:r>
-              <a:rPr lang="en-US" altLang="zh-CN" dirty="0" err="1"/>
-              <a:t>FILE.read</a:t>
-            </a:r>
-            <a:r>
-              <a:rPr lang="en-US" altLang="zh-CN" dirty="0"/>
-              <a:t>()</a:t>
-            </a:r>
-          </a:p>
-          <a:p>
-            <a:pPr marL="0" indent="0">
-              <a:buNone/>
-            </a:pPr>
-            <a:r>
-              <a:rPr lang="zh-CN" altLang="en-US" dirty="0"/>
-              <a:t>文件内容将包含哈夫曼树的构建过程，包括节点和连线的信息。</a:t>
-            </a:r>
-            <a:endParaRPr lang="en-US" altLang="zh-CN" dirty="0"/>
-          </a:p>
-          <a:p>
-            <a:pPr marL="0" indent="0">
-              <a:buNone/>
-            </a:pPr>
-            <a:r>
-              <a:rPr lang="zh-CN" altLang="en-US" dirty="0"/>
-              <a:t>文件每一行代表哈夫曼树构建过程中的一个操作。</a:t>
+        <p:spPr>
+          <a:xfrm>
+            <a:off x="838200" y="1825625"/>
+            <a:ext cx="6368716" cy="4351338"/>
+          </a:xfrm>
+        </p:spPr>
+        <p:txBody>
+          <a:bodyPr>
+            <a:normAutofit fontScale="62500" lnSpcReduction="20000"/>
+          </a:bodyPr>
+          <a:lstStyle/>
+          <a:p>
+            <a:r>
+              <a:rPr lang="en-US" altLang="zh-CN" dirty="0"/>
+              <a:t>for line in </a:t>
+            </a:r>
+            <a:r>
+              <a:rPr lang="en-US" altLang="zh-CN" dirty="0" err="1"/>
+              <a:t>content.split</a:t>
+            </a:r>
+            <a:r>
+              <a:rPr lang="en-US" altLang="zh-CN" dirty="0"/>
+              <a:t>('\n'):</a:t>
+            </a:r>
+          </a:p>
+          <a:p>
+            <a:r>
+              <a:rPr lang="en-US" altLang="zh-CN" dirty="0"/>
+              <a:t>    cur = list(map(int, </a:t>
+            </a:r>
+            <a:r>
+              <a:rPr lang="en-US" altLang="zh-CN" dirty="0" err="1"/>
+              <a:t>line.split</a:t>
+            </a:r>
+            <a:r>
+              <a:rPr lang="en-US" altLang="zh-CN" dirty="0"/>
+              <a:t>()))</a:t>
+            </a:r>
+          </a:p>
+          <a:p>
+            <a:r>
+              <a:rPr lang="en-US" altLang="zh-CN" dirty="0"/>
+              <a:t>    if cur[0] == -2:</a:t>
+            </a:r>
+          </a:p>
+          <a:p>
+            <a:r>
+              <a:rPr lang="en-US" altLang="zh-CN" dirty="0"/>
+              <a:t>        break</a:t>
+            </a:r>
+          </a:p>
+          <a:p>
+            <a:r>
+              <a:rPr lang="en-US" altLang="zh-CN" dirty="0"/>
+              <a:t>    </a:t>
+            </a:r>
+            <a:r>
+              <a:rPr lang="en-US" altLang="zh-CN" dirty="0" err="1"/>
+              <a:t>elif</a:t>
+            </a:r>
+            <a:r>
+              <a:rPr lang="en-US" altLang="zh-CN" dirty="0"/>
+              <a:t> cur[0] == -1:</a:t>
+            </a:r>
+          </a:p>
+          <a:p>
+            <a:r>
+              <a:rPr lang="en-US" altLang="zh-CN" dirty="0"/>
+              <a:t>        </a:t>
+            </a:r>
+            <a:r>
+              <a:rPr lang="en-US" altLang="zh-CN" dirty="0" err="1"/>
+              <a:t>lines.append</a:t>
+            </a:r>
+            <a:r>
+              <a:rPr lang="en-US" altLang="zh-CN" dirty="0"/>
+              <a:t>([])</a:t>
+            </a:r>
+          </a:p>
+          <a:p>
+            <a:r>
+              <a:rPr lang="en-US" altLang="zh-CN" dirty="0"/>
+              <a:t>        </a:t>
+            </a:r>
+            <a:r>
+              <a:rPr lang="en-US" altLang="zh-CN" dirty="0" err="1"/>
+              <a:t>nodes.append</a:t>
+            </a:r>
+            <a:r>
+              <a:rPr lang="en-US" altLang="zh-CN" dirty="0"/>
+              <a:t>([])</a:t>
+            </a:r>
+          </a:p>
+          <a:p>
+            <a:r>
+              <a:rPr lang="en-US" altLang="zh-CN" dirty="0"/>
+              <a:t>        </a:t>
+            </a:r>
+            <a:r>
+              <a:rPr lang="en-US" altLang="zh-CN" dirty="0" err="1"/>
+              <a:t>numbers.append</a:t>
+            </a:r>
+            <a:r>
+              <a:rPr lang="en-US" altLang="zh-CN" dirty="0"/>
+              <a:t>([])</a:t>
+            </a:r>
+          </a:p>
+          <a:p>
+            <a:r>
+              <a:rPr lang="en-US" altLang="zh-CN" dirty="0"/>
+              <a:t>    </a:t>
+            </a:r>
+            <a:r>
+              <a:rPr lang="en-US" altLang="zh-CN" dirty="0" err="1"/>
+              <a:t>elif</a:t>
+            </a:r>
+            <a:r>
+              <a:rPr lang="en-US" altLang="zh-CN" dirty="0"/>
+              <a:t> cur[0] == 1:</a:t>
+            </a:r>
+          </a:p>
+          <a:p>
+            <a:r>
+              <a:rPr lang="en-US" altLang="zh-CN" dirty="0"/>
+              <a:t>        nodes[</a:t>
+            </a:r>
+            <a:r>
+              <a:rPr lang="en-US" altLang="zh-CN" dirty="0" err="1"/>
+              <a:t>len</a:t>
+            </a:r>
+            <a:r>
+              <a:rPr lang="en-US" altLang="zh-CN" dirty="0"/>
+              <a:t>(nodes) - 1].append([cur[1], cur[2]])</a:t>
+            </a:r>
+          </a:p>
+          <a:p>
+            <a:r>
+              <a:rPr lang="en-US" altLang="zh-CN" dirty="0"/>
+              <a:t>        numbers[</a:t>
+            </a:r>
+            <a:r>
+              <a:rPr lang="en-US" altLang="zh-CN" dirty="0" err="1"/>
+              <a:t>len</a:t>
+            </a:r>
+            <a:r>
+              <a:rPr lang="en-US" altLang="zh-CN" dirty="0"/>
+              <a:t>(numbers) - 1].append([cur[1], cur[2], cur[3]])</a:t>
+            </a:r>
+          </a:p>
+          <a:p>
+            <a:r>
+              <a:rPr lang="en-US" altLang="zh-CN" dirty="0"/>
+              <a:t>    else:</a:t>
+            </a:r>
+          </a:p>
+          <a:p>
+            <a:r>
+              <a:rPr lang="en-US" altLang="zh-CN" dirty="0"/>
+              <a:t>        lines[</a:t>
+            </a:r>
+            <a:r>
+              <a:rPr lang="en-US" altLang="zh-CN" dirty="0" err="1"/>
+              <a:t>len</a:t>
+            </a:r>
+            <a:r>
+              <a:rPr lang="en-US" altLang="zh-CN" dirty="0"/>
+              <a:t>(lines) - 1].append([cur[1], cur[2], cur[3], cur[4]])</a:t>
+            </a:r>
+          </a:p>
+          <a:p>
+            <a:endParaRPr lang="zh-CN" altLang="en-US" dirty="0"/>
+          </a:p>
+        </p:txBody>
+      </p:sp>
+      <p:sp>
+        <p:nvSpPr>
+          <p:cNvPr id="4" name="文本框 3">
+            <a:extLst>
+              <a:ext uri="{FF2B5EF4-FFF2-40B4-BE49-F238E27FC236}">
+                <a16:creationId xmlns:a16="http://schemas.microsoft.com/office/drawing/2014/main" id="{3F99FDEC-9232-DDD4-BAAA-C76B6007D3E4}"/>
+              </a:ext>
+            </a:extLst>
+          </p:cNvPr>
+          <p:cNvSpPr txBox="1"/>
+          <p:nvPr/>
+        </p:nvSpPr>
+        <p:spPr>
+          <a:xfrm>
+            <a:off x="7411453" y="1690688"/>
+            <a:ext cx="3942347" cy="4524315"/>
+          </a:xfrm>
+          <a:prstGeom prst="rect">
+            <a:avLst/>
+          </a:prstGeom>
+          <a:noFill/>
+        </p:spPr>
+        <p:txBody>
+          <a:bodyPr wrap="square" rtlCol="0">
+            <a:spAutoFit/>
+          </a:bodyPr>
+          <a:lstStyle/>
+          <a:p>
+            <a:r>
+              <a:rPr lang="en-US" altLang="zh-CN" sz="2400" dirty="0"/>
+              <a:t>cur[0] == -2</a:t>
+            </a:r>
+            <a:r>
+              <a:rPr lang="zh-CN" altLang="en-US" sz="2400" dirty="0"/>
+              <a:t>：结束、停止解析</a:t>
+            </a:r>
+            <a:endParaRPr lang="en-US" altLang="zh-CN" sz="2400" dirty="0"/>
+          </a:p>
+          <a:p>
+            <a:r>
+              <a:rPr lang="en-US" altLang="zh-CN" sz="2400" dirty="0"/>
+              <a:t>cur[0] == -1</a:t>
+            </a:r>
+            <a:r>
+              <a:rPr lang="zh-CN" altLang="en-US" sz="2400" dirty="0"/>
+              <a:t>：新的步骤，开始记录新的节点和线条信息</a:t>
+            </a:r>
+            <a:endParaRPr lang="en-US" altLang="zh-CN" sz="2400" dirty="0"/>
+          </a:p>
+          <a:p>
+            <a:r>
+              <a:rPr lang="en-US" altLang="zh-CN" sz="2400" dirty="0"/>
+              <a:t>cur[0] == 1: </a:t>
+            </a:r>
+            <a:r>
+              <a:rPr lang="zh-CN" altLang="en-US" sz="2400" dirty="0"/>
+              <a:t>如果遇到 </a:t>
+            </a:r>
+            <a:r>
+              <a:rPr lang="en-US" altLang="zh-CN" sz="2400" dirty="0"/>
+              <a:t>1</a:t>
+            </a:r>
+            <a:r>
+              <a:rPr lang="zh-CN" altLang="en-US" sz="2400" dirty="0"/>
+              <a:t>，表示当前行包含节点的坐标和权重，将其添加到 </a:t>
+            </a:r>
+            <a:r>
+              <a:rPr lang="en-US" altLang="zh-CN" sz="2400" dirty="0"/>
+              <a:t>nodes </a:t>
+            </a:r>
+            <a:r>
+              <a:rPr lang="zh-CN" altLang="en-US" sz="2400" dirty="0"/>
+              <a:t>和 </a:t>
+            </a:r>
+            <a:r>
+              <a:rPr lang="en-US" altLang="zh-CN" sz="2400" dirty="0"/>
+              <a:t>numbers </a:t>
+            </a:r>
+            <a:r>
+              <a:rPr lang="zh-CN" altLang="en-US" sz="2400" dirty="0"/>
+              <a:t>中</a:t>
+            </a:r>
+            <a:endParaRPr lang="en-US" altLang="zh-CN" sz="2400" dirty="0"/>
+          </a:p>
+          <a:p>
+            <a:r>
+              <a:rPr lang="zh-CN" altLang="en-US" sz="2400" dirty="0"/>
+              <a:t>否则，表示当前行包含连线的坐标信息，将其添加到 </a:t>
+            </a:r>
+            <a:r>
+              <a:rPr lang="en-US" altLang="zh-CN" sz="2400" dirty="0"/>
+              <a:t>lines </a:t>
+            </a:r>
+            <a:r>
+              <a:rPr lang="zh-CN" altLang="en-US" sz="2400" dirty="0"/>
+              <a:t>中。</a:t>
             </a:r>
           </a:p>
         </p:txBody>
@@ -3903,7 +4118,7 @@
     </p:spTree>
     <p:extLst>
       <p:ext uri="{BB962C8B-B14F-4D97-AF65-F5344CB8AC3E}">
-        <p14:creationId xmlns:p14="http://schemas.microsoft.com/office/powerpoint/2010/main" val="4115678531"/>
+        <p14:creationId xmlns:p14="http://schemas.microsoft.com/office/powerpoint/2010/main" val="779883645"/>
       </p:ext>
     </p:extLst>
   </p:cSld>
@@ -3935,7 +4150,7 @@
           <p:cNvPr id="2" name="标题 1">
             <a:extLst>
               <a:ext uri="{FF2B5EF4-FFF2-40B4-BE49-F238E27FC236}">
-                <a16:creationId xmlns:a16="http://schemas.microsoft.com/office/drawing/2014/main" id="{6B52379F-928E-6AF2-8130-921D90586EAD}"/>
+                <a16:creationId xmlns:a16="http://schemas.microsoft.com/office/drawing/2014/main" id="{690BBFA9-0F4C-9B26-6770-0ED62E88832A}"/>
               </a:ext>
             </a:extLst>
           </p:cNvPr>
@@ -3953,7 +4168,7 @@
           <a:p>
             <a:r>
               <a:rPr lang="en-US" altLang="zh-CN" dirty="0"/>
-              <a:t>Read-4</a:t>
+              <a:t>Read-5</a:t>
             </a:r>
             <a:endParaRPr lang="zh-CN" altLang="en-US" dirty="0"/>
           </a:p>
@@ -3964,7 +4179,7 @@
           <p:cNvPr id="3" name="内容占位符 2">
             <a:extLst>
               <a:ext uri="{FF2B5EF4-FFF2-40B4-BE49-F238E27FC236}">
-                <a16:creationId xmlns:a16="http://schemas.microsoft.com/office/drawing/2014/main" id="{F746D45A-7F9B-809D-2372-7B3E6D17DC03}"/>
+                <a16:creationId xmlns:a16="http://schemas.microsoft.com/office/drawing/2014/main" id="{6C2F558D-3C53-29F1-FE4E-09CF480DAD91}"/>
               </a:ext>
             </a:extLst>
           </p:cNvPr>
@@ -3975,284 +4190,65 @@
             <p:ph idx="1"/>
           </p:nvPr>
         </p:nvSpPr>
-        <p:spPr>
-          <a:xfrm>
-            <a:off x="838200" y="1825625"/>
-            <a:ext cx="6368716" cy="4351338"/>
-          </a:xfrm>
-        </p:spPr>
-        <p:txBody>
-          <a:bodyPr>
-            <a:normAutofit fontScale="62500" lnSpcReduction="20000"/>
-          </a:bodyPr>
-          <a:lstStyle/>
-          <a:p>
-            <a:r>
-              <a:rPr lang="en-US" altLang="zh-CN" dirty="0"/>
-              <a:t>for line in </a:t>
-            </a:r>
-            <a:r>
-              <a:rPr lang="en-US" altLang="zh-CN" dirty="0" err="1"/>
-              <a:t>content.split</a:t>
-            </a:r>
-            <a:r>
-              <a:rPr lang="en-US" altLang="zh-CN" dirty="0"/>
-              <a:t>('\n'):</a:t>
-            </a:r>
-          </a:p>
-          <a:p>
-            <a:r>
-              <a:rPr lang="en-US" altLang="zh-CN" dirty="0"/>
-              <a:t>    cur = list(map(int, </a:t>
-            </a:r>
-            <a:r>
-              <a:rPr lang="en-US" altLang="zh-CN" dirty="0" err="1"/>
-              <a:t>line.split</a:t>
-            </a:r>
-            <a:r>
-              <a:rPr lang="en-US" altLang="zh-CN" dirty="0"/>
-              <a:t>()))</a:t>
-            </a:r>
-          </a:p>
-          <a:p>
-            <a:r>
-              <a:rPr lang="en-US" altLang="zh-CN" dirty="0"/>
-              <a:t>    if cur[0] == -2:</a:t>
-            </a:r>
-          </a:p>
-          <a:p>
-            <a:r>
-              <a:rPr lang="en-US" altLang="zh-CN" dirty="0"/>
-              <a:t>        break</a:t>
-            </a:r>
-          </a:p>
-          <a:p>
-            <a:r>
-              <a:rPr lang="en-US" altLang="zh-CN" dirty="0"/>
-              <a:t>    </a:t>
-            </a:r>
-            <a:r>
-              <a:rPr lang="en-US" altLang="zh-CN" dirty="0" err="1"/>
-              <a:t>elif</a:t>
-            </a:r>
-            <a:r>
-              <a:rPr lang="en-US" altLang="zh-CN" dirty="0"/>
-              <a:t> cur[0] == -1:</a:t>
-            </a:r>
-          </a:p>
-          <a:p>
-            <a:r>
-              <a:rPr lang="en-US" altLang="zh-CN" dirty="0"/>
-              <a:t>        </a:t>
-            </a:r>
-            <a:r>
-              <a:rPr lang="en-US" altLang="zh-CN" dirty="0" err="1"/>
-              <a:t>lines.append</a:t>
-            </a:r>
-            <a:r>
-              <a:rPr lang="en-US" altLang="zh-CN" dirty="0"/>
-              <a:t>([])</a:t>
-            </a:r>
-          </a:p>
-          <a:p>
-            <a:r>
-              <a:rPr lang="en-US" altLang="zh-CN" dirty="0"/>
-              <a:t>        </a:t>
-            </a:r>
-            <a:r>
-              <a:rPr lang="en-US" altLang="zh-CN" dirty="0" err="1"/>
-              <a:t>nodes.append</a:t>
-            </a:r>
-            <a:r>
-              <a:rPr lang="en-US" altLang="zh-CN" dirty="0"/>
-              <a:t>([])</a:t>
-            </a:r>
-          </a:p>
-          <a:p>
-            <a:r>
-              <a:rPr lang="en-US" altLang="zh-CN" dirty="0"/>
-              <a:t>        </a:t>
-            </a:r>
-            <a:r>
-              <a:rPr lang="en-US" altLang="zh-CN" dirty="0" err="1"/>
-              <a:t>numbers.append</a:t>
-            </a:r>
-            <a:r>
-              <a:rPr lang="en-US" altLang="zh-CN" dirty="0"/>
-              <a:t>([])</a:t>
-            </a:r>
-          </a:p>
-          <a:p>
-            <a:r>
-              <a:rPr lang="en-US" altLang="zh-CN" dirty="0"/>
-              <a:t>    </a:t>
-            </a:r>
-            <a:r>
-              <a:rPr lang="en-US" altLang="zh-CN" dirty="0" err="1"/>
-              <a:t>elif</a:t>
-            </a:r>
-            <a:r>
-              <a:rPr lang="en-US" altLang="zh-CN" dirty="0"/>
-              <a:t> cur[0] == 1:</a:t>
-            </a:r>
-          </a:p>
-          <a:p>
-            <a:r>
-              <a:rPr lang="en-US" altLang="zh-CN" dirty="0"/>
-              <a:t>        nodes[</a:t>
-            </a:r>
-            <a:r>
-              <a:rPr lang="en-US" altLang="zh-CN" dirty="0" err="1"/>
-              <a:t>len</a:t>
-            </a:r>
-            <a:r>
-              <a:rPr lang="en-US" altLang="zh-CN" dirty="0"/>
-              <a:t>(nodes) - 1].append([cur[1], cur[2]])</a:t>
-            </a:r>
-          </a:p>
-          <a:p>
-            <a:r>
-              <a:rPr lang="en-US" altLang="zh-CN" dirty="0"/>
-              <a:t>        numbers[</a:t>
-            </a:r>
-            <a:r>
-              <a:rPr lang="en-US" altLang="zh-CN" dirty="0" err="1"/>
-              <a:t>len</a:t>
-            </a:r>
-            <a:r>
-              <a:rPr lang="en-US" altLang="zh-CN" dirty="0"/>
-              <a:t>(numbers) - 1].append([cur[1], cur[2], cur[3]])</a:t>
-            </a:r>
-          </a:p>
-          <a:p>
-            <a:r>
-              <a:rPr lang="en-US" altLang="zh-CN" dirty="0"/>
-              <a:t>    else:</a:t>
-            </a:r>
-          </a:p>
-          <a:p>
-            <a:r>
-              <a:rPr lang="en-US" altLang="zh-CN" dirty="0"/>
-              <a:t>        lines[</a:t>
-            </a:r>
-            <a:r>
-              <a:rPr lang="en-US" altLang="zh-CN" dirty="0" err="1"/>
-              <a:t>len</a:t>
-            </a:r>
-            <a:r>
-              <a:rPr lang="en-US" altLang="zh-CN" dirty="0"/>
-              <a:t>(lines) - 1].append([cur[1], cur[2], cur[3], cur[4]])</a:t>
+        <p:spPr/>
+        <p:txBody>
+          <a:bodyPr/>
+          <a:lstStyle/>
+          <a:p>
+            <a:r>
+              <a:rPr lang="en-US" altLang="zh-CN" dirty="0"/>
+              <a:t>except Exception as err:</a:t>
+            </a:r>
+          </a:p>
+          <a:p>
+            <a:r>
+              <a:rPr lang="en-US" altLang="zh-CN" dirty="0"/>
+              <a:t>    nodes = []</a:t>
+            </a:r>
+          </a:p>
+          <a:p>
+            <a:r>
+              <a:rPr lang="en-US" altLang="zh-CN" dirty="0"/>
+              <a:t>    lines = []</a:t>
+            </a:r>
+          </a:p>
+          <a:p>
+            <a:r>
+              <a:rPr lang="en-US" altLang="zh-CN" dirty="0"/>
+              <a:t>    numbers = []</a:t>
+            </a:r>
+          </a:p>
+          <a:p>
+            <a:r>
+              <a:rPr lang="en-US" altLang="zh-CN" dirty="0"/>
+              <a:t>    step = -1</a:t>
+            </a:r>
+          </a:p>
+          <a:p>
+            <a:r>
+              <a:rPr lang="en-US" altLang="zh-CN" dirty="0"/>
+              <a:t>    print(str(err))</a:t>
+            </a:r>
+          </a:p>
+          <a:p>
+            <a:r>
+              <a:rPr lang="en-US" altLang="zh-CN" dirty="0" err="1"/>
+              <a:t>print_screen</a:t>
+            </a:r>
+            <a:r>
+              <a:rPr lang="en-US" altLang="zh-CN" dirty="0"/>
+              <a:t>()</a:t>
             </a:r>
           </a:p>
           <a:p>
             <a:endParaRPr lang="zh-CN" altLang="en-US" dirty="0"/>
-          </a:p>
-        </p:txBody>
-      </p:sp>
-      <p:sp>
-        <p:nvSpPr>
-          <p:cNvPr id="4" name="文本框 3">
-            <a:extLst>
-              <a:ext uri="{FF2B5EF4-FFF2-40B4-BE49-F238E27FC236}">
-                <a16:creationId xmlns:a16="http://schemas.microsoft.com/office/drawing/2014/main" id="{3F99FDEC-9232-DDD4-BAAA-C76B6007D3E4}"/>
-              </a:ext>
-            </a:extLst>
-          </p:cNvPr>
-          <p:cNvSpPr txBox="1"/>
-          <p:nvPr/>
-        </p:nvSpPr>
-        <p:spPr>
-          <a:xfrm>
-            <a:off x="7411453" y="1690688"/>
-            <a:ext cx="3942347" cy="4524315"/>
-          </a:xfrm>
-          <a:prstGeom prst="rect">
-            <a:avLst/>
-          </a:prstGeom>
-          <a:noFill/>
-        </p:spPr>
-        <p:txBody>
-          <a:bodyPr wrap="square" rtlCol="0">
-            <a:spAutoFit/>
-          </a:bodyPr>
-          <a:lstStyle/>
-          <a:p>
-            <a:r>
-              <a:rPr lang="en-US" altLang="zh-CN" sz="2400" dirty="0"/>
-              <a:t>cur[0] == -2</a:t>
-            </a:r>
-            <a:r>
-              <a:rPr lang="zh-CN" altLang="en-US" sz="2400" dirty="0"/>
-              <a:t>：结束、停止解析</a:t>
-            </a:r>
-            <a:endParaRPr lang="en-US" altLang="zh-CN" sz="2400" dirty="0"/>
-          </a:p>
-          <a:p>
-            <a:r>
-              <a:rPr lang="en-US" altLang="zh-CN" sz="2400" dirty="0"/>
-              <a:t>cur[0] == -1</a:t>
-            </a:r>
-            <a:r>
-              <a:rPr lang="zh-CN" altLang="en-US" sz="2400" dirty="0"/>
-              <a:t>：新的步骤，开始记录新的节点和线条信息</a:t>
-            </a:r>
-            <a:endParaRPr lang="en-US" altLang="zh-CN" sz="2400" dirty="0"/>
-          </a:p>
-          <a:p>
-            <a:r>
-              <a:rPr lang="en-US" altLang="zh-CN" sz="2400" dirty="0"/>
-              <a:t>cur[0] == 1: </a:t>
-            </a:r>
-            <a:r>
-              <a:rPr lang="zh-CN" altLang="en-US" sz="2400" dirty="0"/>
-              <a:t>如果遇到 </a:t>
-            </a:r>
-            <a:r>
-              <a:rPr lang="en-US" altLang="zh-CN" sz="2400" dirty="0"/>
-              <a:t>1</a:t>
-            </a:r>
-            <a:r>
-              <a:rPr lang="zh-CN" altLang="en-US" sz="2400" dirty="0"/>
-              <a:t>，表示当前行包含节点的坐标和权重，将其添加到 </a:t>
-            </a:r>
-            <a:r>
-              <a:rPr lang="en-US" altLang="zh-CN" sz="2400" dirty="0"/>
-              <a:t>nodes </a:t>
-            </a:r>
-            <a:r>
-              <a:rPr lang="zh-CN" altLang="en-US" sz="2400" dirty="0"/>
-              <a:t>和 </a:t>
-            </a:r>
-            <a:r>
-              <a:rPr lang="en-US" altLang="zh-CN" sz="2400" dirty="0"/>
-              <a:t>numbers </a:t>
-            </a:r>
-            <a:r>
-              <a:rPr lang="zh-CN" altLang="en-US" sz="2400" dirty="0"/>
-              <a:t>中</a:t>
-            </a:r>
-            <a:endParaRPr lang="en-US" altLang="zh-CN" sz="2400" dirty="0"/>
-          </a:p>
-          <a:p>
-            <a:r>
-              <a:rPr lang="zh-CN" altLang="en-US" sz="2400" dirty="0"/>
-              <a:t>否则，表示当前行包含连线的坐标信息，将其添加到 </a:t>
-            </a:r>
-            <a:r>
-              <a:rPr lang="en-US" altLang="zh-CN" sz="2400" dirty="0"/>
-              <a:t>lines </a:t>
-            </a:r>
-            <a:r>
-              <a:rPr lang="zh-CN" altLang="en-US" sz="2400" dirty="0"/>
-              <a:t>中。</a:t>
-            </a:r>
           </a:p>
         </p:txBody>
       </p:sp>
     </p:spTree>
     <p:extLst>
       <p:ext uri="{BB962C8B-B14F-4D97-AF65-F5344CB8AC3E}">
-        <p14:creationId xmlns:p14="http://schemas.microsoft.com/office/powerpoint/2010/main" val="779883645"/>
+        <p14:creationId xmlns:p14="http://schemas.microsoft.com/office/powerpoint/2010/main" val="1609116979"/>
       </p:ext>
     </p:extLst>
   </p:cSld>
@@ -4284,7 +4280,7 @@
           <p:cNvPr id="2" name="标题 1">
             <a:extLst>
               <a:ext uri="{FF2B5EF4-FFF2-40B4-BE49-F238E27FC236}">
-                <a16:creationId xmlns:a16="http://schemas.microsoft.com/office/drawing/2014/main" id="{690BBFA9-0F4C-9B26-6770-0ED62E88832A}"/>
+                <a16:creationId xmlns:a16="http://schemas.microsoft.com/office/drawing/2014/main" id="{0A964B72-54A8-9ADC-B6D0-575D63B10168}"/>
               </a:ext>
             </a:extLst>
           </p:cNvPr>
@@ -4302,7 +4298,7 @@
           <a:p>
             <a:r>
               <a:rPr lang="en-US" altLang="zh-CN" dirty="0"/>
-              <a:t>Read-5</a:t>
+              <a:t>Back_up.cpp</a:t>
             </a:r>
             <a:endParaRPr lang="zh-CN" altLang="en-US" dirty="0"/>
           </a:p>
@@ -4313,7 +4309,7 @@
           <p:cNvPr id="3" name="内容占位符 2">
             <a:extLst>
               <a:ext uri="{FF2B5EF4-FFF2-40B4-BE49-F238E27FC236}">
-                <a16:creationId xmlns:a16="http://schemas.microsoft.com/office/drawing/2014/main" id="{6C2F558D-3C53-29F1-FE4E-09CF480DAD91}"/>
+                <a16:creationId xmlns:a16="http://schemas.microsoft.com/office/drawing/2014/main" id="{6B7FEF67-7740-0328-FB66-43A940123A49}"/>
               </a:ext>
             </a:extLst>
           </p:cNvPr>
@@ -4326,52 +4322,144 @@
         </p:nvSpPr>
         <p:spPr/>
         <p:txBody>
-          <a:bodyPr/>
-          <a:lstStyle/>
-          <a:p>
-            <a:r>
-              <a:rPr lang="en-US" altLang="zh-CN" dirty="0"/>
-              <a:t>except Exception as err:</a:t>
-            </a:r>
-          </a:p>
-          <a:p>
-            <a:r>
-              <a:rPr lang="en-US" altLang="zh-CN" dirty="0"/>
-              <a:t>    nodes = []</a:t>
-            </a:r>
-          </a:p>
-          <a:p>
-            <a:r>
-              <a:rPr lang="en-US" altLang="zh-CN" dirty="0"/>
-              <a:t>    lines = []</a:t>
-            </a:r>
-          </a:p>
-          <a:p>
-            <a:r>
-              <a:rPr lang="en-US" altLang="zh-CN" dirty="0"/>
-              <a:t>    numbers = []</a:t>
-            </a:r>
-          </a:p>
-          <a:p>
-            <a:r>
-              <a:rPr lang="en-US" altLang="zh-CN" dirty="0"/>
-              <a:t>    step = -1</a:t>
-            </a:r>
-          </a:p>
-          <a:p>
-            <a:r>
-              <a:rPr lang="en-US" altLang="zh-CN" dirty="0"/>
-              <a:t>    print(str(err))</a:t>
-            </a:r>
-          </a:p>
-          <a:p>
-            <a:r>
-              <a:rPr lang="en-US" altLang="zh-CN" dirty="0" err="1"/>
-              <a:t>print_screen</a:t>
-            </a:r>
-            <a:r>
-              <a:rPr lang="en-US" altLang="zh-CN" dirty="0"/>
-              <a:t>()</a:t>
+          <a:bodyPr>
+            <a:normAutofit lnSpcReduction="10000"/>
+          </a:bodyPr>
+          <a:lstStyle/>
+          <a:p>
+            <a:r>
+              <a:rPr lang="en-US" altLang="zh-CN" dirty="0"/>
+              <a:t>struct </a:t>
+            </a:r>
+            <a:r>
+              <a:rPr lang="en-US" altLang="zh-CN" dirty="0" err="1"/>
+              <a:t>Huffman_Tree_Node</a:t>
+            </a:r>
+            <a:r>
+              <a:rPr lang="en-US" altLang="zh-CN" dirty="0"/>
+              <a:t>{</a:t>
+            </a:r>
+          </a:p>
+          <a:p>
+            <a:r>
+              <a:rPr lang="en-US" altLang="zh-CN" dirty="0"/>
+              <a:t>    int value, pos[2], id;</a:t>
+            </a:r>
+          </a:p>
+          <a:p>
+            <a:r>
+              <a:rPr lang="en-US" altLang="zh-CN" dirty="0"/>
+              <a:t>    </a:t>
+            </a:r>
+            <a:r>
+              <a:rPr lang="en-US" altLang="zh-CN" dirty="0" err="1"/>
+              <a:t>Huffman_Tree_Node</a:t>
+            </a:r>
+            <a:r>
+              <a:rPr lang="en-US" altLang="zh-CN" dirty="0"/>
+              <a:t> *</a:t>
+            </a:r>
+            <a:r>
+              <a:rPr lang="en-US" altLang="zh-CN" dirty="0" err="1"/>
+              <a:t>left_child</a:t>
+            </a:r>
+            <a:r>
+              <a:rPr lang="en-US" altLang="zh-CN" dirty="0"/>
+              <a:t>, *</a:t>
+            </a:r>
+            <a:r>
+              <a:rPr lang="en-US" altLang="zh-CN" dirty="0" err="1"/>
+              <a:t>right_child</a:t>
+            </a:r>
+            <a:r>
+              <a:rPr lang="en-US" altLang="zh-CN" dirty="0"/>
+              <a:t>;</a:t>
+            </a:r>
+          </a:p>
+          <a:p>
+            <a:r>
+              <a:rPr lang="en-US" altLang="zh-CN" dirty="0"/>
+              <a:t>    </a:t>
+            </a:r>
+            <a:r>
+              <a:rPr lang="en-US" altLang="zh-CN" dirty="0" err="1"/>
+              <a:t>Huffman_Tree_Node</a:t>
+            </a:r>
+            <a:r>
+              <a:rPr lang="en-US" altLang="zh-CN" dirty="0"/>
+              <a:t>(int v=0, </a:t>
+            </a:r>
+            <a:r>
+              <a:rPr lang="en-US" altLang="zh-CN" dirty="0" err="1"/>
+              <a:t>Huffman_Tree_Node</a:t>
+            </a:r>
+            <a:r>
+              <a:rPr lang="en-US" altLang="zh-CN" dirty="0"/>
+              <a:t> *l=NULL, </a:t>
+            </a:r>
+            <a:r>
+              <a:rPr lang="en-US" altLang="zh-CN" dirty="0" err="1"/>
+              <a:t>Huffman_Tree_Node</a:t>
+            </a:r>
+            <a:r>
+              <a:rPr lang="en-US" altLang="zh-CN" dirty="0"/>
+              <a:t> *r=NULL)</a:t>
+            </a:r>
+          </a:p>
+          <a:p>
+            <a:r>
+              <a:rPr lang="en-US" altLang="zh-CN" dirty="0"/>
+              <a:t>        : value(v), </a:t>
+            </a:r>
+            <a:r>
+              <a:rPr lang="en-US" altLang="zh-CN" dirty="0" err="1"/>
+              <a:t>left_child</a:t>
+            </a:r>
+            <a:r>
+              <a:rPr lang="en-US" altLang="zh-CN" dirty="0"/>
+              <a:t>(l), </a:t>
+            </a:r>
+            <a:r>
+              <a:rPr lang="en-US" altLang="zh-CN" dirty="0" err="1"/>
+              <a:t>right_child</a:t>
+            </a:r>
+            <a:r>
+              <a:rPr lang="en-US" altLang="zh-CN" dirty="0"/>
+              <a:t>(r) {}</a:t>
+            </a:r>
+          </a:p>
+          <a:p>
+            <a:r>
+              <a:rPr lang="en-US" altLang="zh-CN" dirty="0"/>
+              <a:t>    void </a:t>
+            </a:r>
+            <a:r>
+              <a:rPr lang="en-US" altLang="zh-CN" dirty="0" err="1"/>
+              <a:t>set_position</a:t>
+            </a:r>
+            <a:r>
+              <a:rPr lang="en-US" altLang="zh-CN" dirty="0"/>
+              <a:t>(int x, int y) { pos[0] = x; pos[1] = y; }</a:t>
+            </a:r>
+          </a:p>
+          <a:p>
+            <a:r>
+              <a:rPr lang="en-US" altLang="zh-CN" dirty="0"/>
+              <a:t>    void </a:t>
+            </a:r>
+            <a:r>
+              <a:rPr lang="en-US" altLang="zh-CN" dirty="0" err="1"/>
+              <a:t>set_id</a:t>
+            </a:r>
+            <a:r>
+              <a:rPr lang="en-US" altLang="zh-CN" dirty="0"/>
+              <a:t>(int x) { id = x; }</a:t>
+            </a:r>
+          </a:p>
+          <a:p>
+            <a:r>
+              <a:rPr lang="en-US" altLang="zh-CN" dirty="0"/>
+              <a:t>};</a:t>
             </a:r>
           </a:p>
           <a:p>
@@ -4382,7 +4470,7 @@
     </p:spTree>
     <p:extLst>
       <p:ext uri="{BB962C8B-B14F-4D97-AF65-F5344CB8AC3E}">
-        <p14:creationId xmlns:p14="http://schemas.microsoft.com/office/powerpoint/2010/main" val="1609116979"/>
+        <p14:creationId xmlns:p14="http://schemas.microsoft.com/office/powerpoint/2010/main" val="66922223"/>
       </p:ext>
     </p:extLst>
   </p:cSld>
@@ -4414,7 +4502,7 @@
           <p:cNvPr id="2" name="标题 1">
             <a:extLst>
               <a:ext uri="{FF2B5EF4-FFF2-40B4-BE49-F238E27FC236}">
-                <a16:creationId xmlns:a16="http://schemas.microsoft.com/office/drawing/2014/main" id="{0A964B72-54A8-9ADC-B6D0-575D63B10168}"/>
+                <a16:creationId xmlns:a16="http://schemas.microsoft.com/office/drawing/2014/main" id="{40F766C8-48FA-D8D7-E1D8-E93C58AECEFC}"/>
               </a:ext>
             </a:extLst>
           </p:cNvPr>
@@ -4431,10 +4519,13 @@
           <a:lstStyle/>
           <a:p>
             <a:r>
-              <a:rPr lang="en-US" altLang="zh-CN" dirty="0"/>
-              <a:t>Back_up.cpp</a:t>
-            </a:r>
-            <a:endParaRPr lang="zh-CN" altLang="en-US" dirty="0"/>
+              <a:rPr lang="en-US" altLang="zh-CN" dirty="0" err="1"/>
+              <a:t>Huffman_Tree</a:t>
+            </a:r>
+            <a:r>
+              <a:rPr lang="zh-CN" altLang="en-US" dirty="0"/>
+              <a:t>类</a:t>
+            </a:r>
           </a:p>
         </p:txBody>
       </p:sp>
@@ -4443,7 +4534,7 @@
           <p:cNvPr id="3" name="内容占位符 2">
             <a:extLst>
               <a:ext uri="{FF2B5EF4-FFF2-40B4-BE49-F238E27FC236}">
-                <a16:creationId xmlns:a16="http://schemas.microsoft.com/office/drawing/2014/main" id="{6B7FEF67-7740-0328-FB66-43A940123A49}"/>
+                <a16:creationId xmlns:a16="http://schemas.microsoft.com/office/drawing/2014/main" id="{D3170387-9D5A-B1D7-4211-3BAF33BD8F32}"/>
               </a:ext>
             </a:extLst>
           </p:cNvPr>
@@ -4457,13 +4548,38 @@
         <p:spPr/>
         <p:txBody>
           <a:bodyPr>
-            <a:normAutofit lnSpcReduction="10000"/>
+            <a:normAutofit fontScale="47500" lnSpcReduction="20000"/>
           </a:bodyPr>
           <a:lstStyle/>
           <a:p>
             <a:r>
               <a:rPr lang="en-US" altLang="zh-CN" dirty="0"/>
-              <a:t>struct </a:t>
+              <a:t>protected:</a:t>
+            </a:r>
+          </a:p>
+          <a:p>
+            <a:r>
+              <a:rPr lang="en-US" altLang="zh-CN" dirty="0"/>
+              <a:t>    int </a:t>
+            </a:r>
+            <a:r>
+              <a:rPr lang="en-US" altLang="zh-CN" dirty="0" err="1"/>
+              <a:t>depth,id</a:t>
+            </a:r>
+            <a:r>
+              <a:rPr lang="en-US" altLang="zh-CN" dirty="0"/>
+              <a:t>;//</a:t>
+            </a:r>
+            <a:r>
+              <a:rPr lang="zh-CN" altLang="en-US" dirty="0"/>
+              <a:t>标识每个对象的唯一性</a:t>
+            </a:r>
+            <a:endParaRPr lang="en-US" altLang="zh-CN" dirty="0"/>
+          </a:p>
+          <a:p>
+            <a:r>
+              <a:rPr lang="en-US" altLang="zh-CN" dirty="0"/>
+              <a:t>    </a:t>
             </a:r>
             <a:r>
               <a:rPr lang="en-US" altLang="zh-CN" dirty="0" err="1"/>
@@ -4471,19 +4587,16 @@
             </a:r>
             <a:r>
               <a:rPr lang="en-US" altLang="zh-CN" dirty="0"/>
-              <a:t>{</a:t>
-            </a:r>
-          </a:p>
-          <a:p>
-            <a:r>
-              <a:rPr lang="en-US" altLang="zh-CN" dirty="0"/>
-              <a:t>    int value, pos[2], id;</a:t>
-            </a:r>
-          </a:p>
-          <a:p>
-            <a:r>
-              <a:rPr lang="en-US" altLang="zh-CN" dirty="0"/>
-              <a:t>    </a:t>
+              <a:t> *root;</a:t>
+            </a:r>
+          </a:p>
+          <a:p>
+            <a:endParaRPr lang="en-US" altLang="zh-CN" dirty="0"/>
+          </a:p>
+          <a:p>
+            <a:r>
+              <a:rPr lang="en-US" altLang="zh-CN" dirty="0"/>
+              <a:t>    void clear(</a:t>
             </a:r>
             <a:r>
               <a:rPr lang="en-US" altLang="zh-CN" dirty="0" err="1"/>
@@ -4491,81 +4604,119 @@
             </a:r>
             <a:r>
               <a:rPr lang="en-US" altLang="zh-CN" dirty="0"/>
+              <a:t> *p){</a:t>
+            </a:r>
+          </a:p>
+          <a:p>
+            <a:r>
+              <a:rPr lang="en-US" altLang="zh-CN" dirty="0"/>
+              <a:t>        if (p==NULL) return;</a:t>
+            </a:r>
+          </a:p>
+          <a:p>
+            <a:r>
+              <a:rPr lang="en-US" altLang="zh-CN" dirty="0"/>
+              <a:t>        clear(p-&gt;</a:t>
+            </a:r>
+            <a:r>
+              <a:rPr lang="en-US" altLang="zh-CN" dirty="0" err="1"/>
+              <a:t>left_child</a:t>
+            </a:r>
+            <a:r>
+              <a:rPr lang="en-US" altLang="zh-CN" dirty="0"/>
+              <a:t>);</a:t>
+            </a:r>
+          </a:p>
+          <a:p>
+            <a:r>
+              <a:rPr lang="en-US" altLang="zh-CN" dirty="0"/>
+              <a:t>        clear(p-&gt;</a:t>
+            </a:r>
+            <a:r>
+              <a:rPr lang="en-US" altLang="zh-CN" dirty="0" err="1"/>
+              <a:t>right_child</a:t>
+            </a:r>
+            <a:r>
+              <a:rPr lang="en-US" altLang="zh-CN" dirty="0"/>
+              <a:t>);</a:t>
+            </a:r>
+          </a:p>
+          <a:p>
+            <a:r>
+              <a:rPr lang="en-US" altLang="zh-CN" dirty="0"/>
+              <a:t>        delete </a:t>
+            </a:r>
+            <a:r>
+              <a:rPr lang="en-US" altLang="zh-CN" dirty="0" err="1"/>
+              <a:t>p;p</a:t>
+            </a:r>
+            <a:r>
+              <a:rPr lang="en-US" altLang="zh-CN" dirty="0"/>
+              <a:t>=NULL;</a:t>
+            </a:r>
+          </a:p>
+          <a:p>
+            <a:r>
+              <a:rPr lang="en-US" altLang="zh-CN" dirty="0"/>
+              <a:t>    }</a:t>
+            </a:r>
+          </a:p>
+          <a:p>
+            <a:r>
+              <a:rPr lang="en-US" altLang="zh-CN" dirty="0"/>
+              <a:t>    void </a:t>
+            </a:r>
+            <a:r>
+              <a:rPr lang="en-US" altLang="zh-CN" dirty="0" err="1"/>
+              <a:t>set_position</a:t>
+            </a:r>
+            <a:r>
+              <a:rPr lang="en-US" altLang="zh-CN" dirty="0"/>
+              <a:t>(</a:t>
+            </a:r>
+            <a:r>
+              <a:rPr lang="en-US" altLang="zh-CN" dirty="0" err="1"/>
+              <a:t>Huffman_Tree_Node</a:t>
+            </a:r>
+            <a:r>
+              <a:rPr lang="en-US" altLang="zh-CN" dirty="0"/>
               <a:t> *</a:t>
             </a:r>
             <a:r>
               <a:rPr lang="en-US" altLang="zh-CN" dirty="0" err="1"/>
-              <a:t>left_child</a:t>
-            </a:r>
-            <a:r>
-              <a:rPr lang="en-US" altLang="zh-CN" dirty="0"/>
-              <a:t>, *</a:t>
-            </a:r>
-            <a:r>
-              <a:rPr lang="en-US" altLang="zh-CN" dirty="0" err="1"/>
-              <a:t>right_child</a:t>
-            </a:r>
-            <a:r>
-              <a:rPr lang="en-US" altLang="zh-CN" dirty="0"/>
-              <a:t>;</a:t>
-            </a:r>
-          </a:p>
-          <a:p>
-            <a:r>
-              <a:rPr lang="en-US" altLang="zh-CN" dirty="0"/>
-              <a:t>    </a:t>
-            </a:r>
-            <a:r>
-              <a:rPr lang="en-US" altLang="zh-CN" dirty="0" err="1"/>
-              <a:t>Huffman_Tree_Node</a:t>
-            </a:r>
-            <a:r>
-              <a:rPr lang="en-US" altLang="zh-CN" dirty="0"/>
-              <a:t>(int v=0, </a:t>
-            </a:r>
-            <a:r>
-              <a:rPr lang="en-US" altLang="zh-CN" dirty="0" err="1"/>
-              <a:t>Huffman_Tree_Node</a:t>
-            </a:r>
-            <a:r>
-              <a:rPr lang="en-US" altLang="zh-CN" dirty="0"/>
-              <a:t> *l=NULL, </a:t>
-            </a:r>
-            <a:r>
-              <a:rPr lang="en-US" altLang="zh-CN" dirty="0" err="1"/>
-              <a:t>Huffman_Tree_Node</a:t>
-            </a:r>
-            <a:r>
-              <a:rPr lang="en-US" altLang="zh-CN" dirty="0"/>
-              <a:t> *r=NULL)</a:t>
-            </a:r>
-          </a:p>
-          <a:p>
-            <a:r>
-              <a:rPr lang="en-US" altLang="zh-CN" dirty="0"/>
-              <a:t>        : value(v), </a:t>
-            </a:r>
-            <a:r>
-              <a:rPr lang="en-US" altLang="zh-CN" dirty="0" err="1"/>
-              <a:t>left_child</a:t>
-            </a:r>
-            <a:r>
-              <a:rPr lang="en-US" altLang="zh-CN" dirty="0"/>
-              <a:t>(l), </a:t>
-            </a:r>
-            <a:r>
-              <a:rPr lang="en-US" altLang="zh-CN" dirty="0" err="1"/>
-              <a:t>right_child</a:t>
-            </a:r>
-            <a:r>
-              <a:rPr lang="en-US" altLang="zh-CN" dirty="0"/>
-              <a:t>(r) {}</a:t>
-            </a:r>
-          </a:p>
-          <a:p>
-            <a:r>
-              <a:rPr lang="en-US" altLang="zh-CN" dirty="0"/>
-              <a:t>    void </a:t>
+              <a:t>p,int</a:t>
+            </a:r>
+            <a:r>
+              <a:rPr lang="en-US" altLang="zh-CN" dirty="0"/>
+              <a:t> </a:t>
+            </a:r>
+            <a:r>
+              <a:rPr lang="en-US" altLang="zh-CN" dirty="0" err="1"/>
+              <a:t>x,int</a:t>
+            </a:r>
+            <a:r>
+              <a:rPr lang="en-US" altLang="zh-CN" dirty="0"/>
+              <a:t> </a:t>
+            </a:r>
+            <a:r>
+              <a:rPr lang="en-US" altLang="zh-CN" dirty="0" err="1"/>
+              <a:t>y,int</a:t>
+            </a:r>
+            <a:r>
+              <a:rPr lang="en-US" altLang="zh-CN" dirty="0"/>
+              <a:t> dx){</a:t>
+            </a:r>
+          </a:p>
+          <a:p>
+            <a:r>
+              <a:rPr lang="en-US" altLang="zh-CN" dirty="0"/>
+              <a:t>        if (p==NULL) return;</a:t>
+            </a:r>
+          </a:p>
+          <a:p>
+            <a:r>
+              <a:rPr lang="en-US" altLang="zh-CN" dirty="0"/>
+              <a:t>        p-&gt;</a:t>
             </a:r>
             <a:r>
               <a:rPr lang="en-US" altLang="zh-CN" dirty="0" err="1"/>
@@ -4573,27 +4724,65 @@
             </a:r>
             <a:r>
               <a:rPr lang="en-US" altLang="zh-CN" dirty="0"/>
-              <a:t>(int x, int y) { pos[0] = x; pos[1] = y; }</a:t>
-            </a:r>
-          </a:p>
-          <a:p>
-            <a:r>
-              <a:rPr lang="en-US" altLang="zh-CN" dirty="0"/>
-              <a:t>    void </a:t>
-            </a:r>
-            <a:r>
-              <a:rPr lang="en-US" altLang="zh-CN" dirty="0" err="1"/>
-              <a:t>set_id</a:t>
-            </a:r>
-            <a:r>
-              <a:rPr lang="en-US" altLang="zh-CN" dirty="0"/>
-              <a:t>(int x) { id = x; }</a:t>
-            </a:r>
-          </a:p>
-          <a:p>
-            <a:r>
-              <a:rPr lang="en-US" altLang="zh-CN" dirty="0"/>
-              <a:t>};</a:t>
+              <a:t>(</a:t>
+            </a:r>
+            <a:r>
+              <a:rPr lang="en-US" altLang="zh-CN" dirty="0" err="1"/>
+              <a:t>x,y</a:t>
+            </a:r>
+            <a:r>
+              <a:rPr lang="en-US" altLang="zh-CN" dirty="0"/>
+              <a:t>);</a:t>
+            </a:r>
+          </a:p>
+          <a:p>
+            <a:r>
+              <a:rPr lang="en-US" altLang="zh-CN" dirty="0"/>
+              <a:t>        </a:t>
+            </a:r>
+            <a:r>
+              <a:rPr lang="en-US" altLang="zh-CN" dirty="0" err="1"/>
+              <a:t>set_position</a:t>
+            </a:r>
+            <a:r>
+              <a:rPr lang="en-US" altLang="zh-CN" dirty="0"/>
+              <a:t>(p-&gt;</a:t>
+            </a:r>
+            <a:r>
+              <a:rPr lang="en-US" altLang="zh-CN" dirty="0" err="1"/>
+              <a:t>left_child,x</a:t>
+            </a:r>
+            <a:r>
+              <a:rPr lang="en-US" altLang="zh-CN" dirty="0"/>
+              <a:t>-dx/2,y+1,dx/2);</a:t>
+            </a:r>
+          </a:p>
+          <a:p>
+            <a:r>
+              <a:rPr lang="en-US" altLang="zh-CN" dirty="0"/>
+              <a:t>        </a:t>
+            </a:r>
+            <a:r>
+              <a:rPr lang="en-US" altLang="zh-CN" dirty="0" err="1"/>
+              <a:t>set_position</a:t>
+            </a:r>
+            <a:r>
+              <a:rPr lang="en-US" altLang="zh-CN" dirty="0"/>
+              <a:t>(p-&gt;</a:t>
+            </a:r>
+            <a:r>
+              <a:rPr lang="en-US" altLang="zh-CN" dirty="0" err="1"/>
+              <a:t>right_child,x+dx</a:t>
+            </a:r>
+            <a:r>
+              <a:rPr lang="en-US" altLang="zh-CN" dirty="0"/>
+              <a:t>/2,y+1,dx/2);</a:t>
+            </a:r>
+          </a:p>
+          <a:p>
+            <a:r>
+              <a:rPr lang="en-US" altLang="zh-CN" dirty="0"/>
+              <a:t>    }</a:t>
             </a:r>
           </a:p>
           <a:p>
@@ -4604,7 +4793,7 @@
     </p:spTree>
     <p:extLst>
       <p:ext uri="{BB962C8B-B14F-4D97-AF65-F5344CB8AC3E}">
-        <p14:creationId xmlns:p14="http://schemas.microsoft.com/office/powerpoint/2010/main" val="66922223"/>
+        <p14:creationId xmlns:p14="http://schemas.microsoft.com/office/powerpoint/2010/main" val="1244927577"/>
       </p:ext>
     </p:extLst>
   </p:cSld>
@@ -4636,7 +4825,7 @@
           <p:cNvPr id="2" name="标题 1">
             <a:extLst>
               <a:ext uri="{FF2B5EF4-FFF2-40B4-BE49-F238E27FC236}">
-                <a16:creationId xmlns:a16="http://schemas.microsoft.com/office/drawing/2014/main" id="{40F766C8-48FA-D8D7-E1D8-E93C58AECEFC}"/>
+                <a16:creationId xmlns:a16="http://schemas.microsoft.com/office/drawing/2014/main" id="{D358C2DE-68B7-48F7-FEC6-931BD1C116DE}"/>
               </a:ext>
             </a:extLst>
           </p:cNvPr>
@@ -4668,7 +4857,7 @@
           <p:cNvPr id="3" name="内容占位符 2">
             <a:extLst>
               <a:ext uri="{FF2B5EF4-FFF2-40B4-BE49-F238E27FC236}">
-                <a16:creationId xmlns:a16="http://schemas.microsoft.com/office/drawing/2014/main" id="{D3170387-9D5A-B1D7-4211-3BAF33BD8F32}"/>
+                <a16:creationId xmlns:a16="http://schemas.microsoft.com/office/drawing/2014/main" id="{F32DACDB-9A2A-44FF-A4C0-CD0AC08884ED}"/>
               </a:ext>
             </a:extLst>
           </p:cNvPr>
@@ -4682,252 +4871,299 @@
         <p:spPr/>
         <p:txBody>
           <a:bodyPr>
-            <a:normAutofit fontScale="47500" lnSpcReduction="20000"/>
+            <a:normAutofit fontScale="92500" lnSpcReduction="20000"/>
           </a:bodyPr>
           <a:lstStyle/>
           <a:p>
             <a:r>
-              <a:rPr lang="en-US" altLang="zh-CN" dirty="0"/>
-              <a:t>protected:</a:t>
-            </a:r>
-          </a:p>
-          <a:p>
-            <a:r>
-              <a:rPr lang="en-US" altLang="zh-CN" dirty="0"/>
-              <a:t>    int </a:t>
-            </a:r>
-            <a:r>
-              <a:rPr lang="en-US" altLang="zh-CN" dirty="0" err="1"/>
-              <a:t>depth,id</a:t>
-            </a:r>
-            <a:r>
-              <a:rPr lang="en-US" altLang="zh-CN" dirty="0"/>
-              <a:t>;//</a:t>
+              <a:rPr lang="en-US" altLang="zh-CN" dirty="0" err="1"/>
+              <a:t>Huffman_Tree</a:t>
+            </a:r>
+            <a:r>
+              <a:rPr lang="en-US" altLang="zh-CN" dirty="0"/>
+              <a:t>* merge(int &amp;</a:t>
+            </a:r>
+            <a:r>
+              <a:rPr lang="en-US" altLang="zh-CN" dirty="0" err="1"/>
+              <a:t>cnt</a:t>
+            </a:r>
+            <a:r>
+              <a:rPr lang="en-US" altLang="zh-CN" dirty="0"/>
+              <a:t>) {</a:t>
+            </a:r>
+          </a:p>
+          <a:p>
+            <a:r>
+              <a:rPr lang="en-US" altLang="zh-CN" dirty="0"/>
+              <a:t>    </a:t>
+            </a:r>
+            <a:r>
+              <a:rPr lang="en-US" altLang="zh-CN" dirty="0" err="1"/>
+              <a:t>Huffman_Tree</a:t>
+            </a:r>
+            <a:r>
+              <a:rPr lang="en-US" altLang="zh-CN" dirty="0"/>
+              <a:t> *l, *r, *p;</a:t>
+            </a:r>
+          </a:p>
+          <a:p>
+            <a:r>
+              <a:rPr lang="en-US" altLang="zh-CN" dirty="0"/>
+              <a:t>    while (true) {</a:t>
+            </a:r>
+          </a:p>
+          <a:p>
+            <a:r>
+              <a:rPr lang="en-US" altLang="zh-CN" dirty="0"/>
+              <a:t>        l = </a:t>
+            </a:r>
+            <a:r>
+              <a:rPr lang="en-US" altLang="zh-CN" dirty="0" err="1"/>
+              <a:t>que.top</a:t>
+            </a:r>
+            <a:r>
+              <a:rPr lang="en-US" altLang="zh-CN" dirty="0"/>
+              <a:t>(); </a:t>
+            </a:r>
+            <a:r>
+              <a:rPr lang="en-US" altLang="zh-CN" dirty="0" err="1"/>
+              <a:t>que.pop</a:t>
+            </a:r>
+            <a:r>
+              <a:rPr lang="en-US" altLang="zh-CN" dirty="0"/>
+              <a:t>();</a:t>
+            </a:r>
+          </a:p>
+          <a:p>
+            <a:r>
+              <a:rPr lang="en-US" altLang="zh-CN" dirty="0"/>
+              <a:t>        if (</a:t>
+            </a:r>
+            <a:r>
+              <a:rPr lang="en-US" altLang="zh-CN" dirty="0" err="1"/>
+              <a:t>que.empty</a:t>
+            </a:r>
+            <a:r>
+              <a:rPr lang="en-US" altLang="zh-CN" dirty="0"/>
+              <a:t>()) return l;</a:t>
+            </a:r>
+          </a:p>
+          <a:p>
+            <a:r>
+              <a:rPr lang="en-US" altLang="zh-CN" dirty="0"/>
+              <a:t>        r = </a:t>
+            </a:r>
+            <a:r>
+              <a:rPr lang="en-US" altLang="zh-CN" dirty="0" err="1"/>
+              <a:t>que.top</a:t>
+            </a:r>
+            <a:r>
+              <a:rPr lang="en-US" altLang="zh-CN" dirty="0"/>
+              <a:t>(); </a:t>
+            </a:r>
+            <a:r>
+              <a:rPr lang="en-US" altLang="zh-CN" dirty="0" err="1"/>
+              <a:t>que.pop</a:t>
+            </a:r>
+            <a:r>
+              <a:rPr lang="en-US" altLang="zh-CN" dirty="0"/>
+              <a:t>();</a:t>
+            </a:r>
+          </a:p>
+          <a:p>
+            <a:r>
+              <a:rPr lang="en-US" altLang="zh-CN" dirty="0"/>
+              <a:t>        p = new </a:t>
+            </a:r>
+            <a:r>
+              <a:rPr lang="en-US" altLang="zh-CN" dirty="0" err="1"/>
+              <a:t>Huffman_Tree</a:t>
+            </a:r>
+            <a:r>
+              <a:rPr lang="en-US" altLang="zh-CN" dirty="0"/>
+              <a:t>(l, r, </a:t>
+            </a:r>
+            <a:r>
+              <a:rPr lang="en-US" altLang="zh-CN" dirty="0" err="1"/>
+              <a:t>cnt</a:t>
+            </a:r>
+            <a:r>
+              <a:rPr lang="en-US" altLang="zh-CN" dirty="0"/>
+              <a:t>++);</a:t>
+            </a:r>
+          </a:p>
+          <a:p>
+            <a:r>
+              <a:rPr lang="en-US" altLang="zh-CN" dirty="0"/>
+              <a:t>        </a:t>
+            </a:r>
+            <a:r>
+              <a:rPr lang="en-US" altLang="zh-CN" dirty="0" err="1"/>
+              <a:t>que.push</a:t>
+            </a:r>
+            <a:r>
+              <a:rPr lang="en-US" altLang="zh-CN" dirty="0"/>
+              <a:t>(p);</a:t>
+            </a:r>
+          </a:p>
+          <a:p>
+            <a:r>
+              <a:rPr lang="en-US" altLang="zh-CN" dirty="0"/>
+              <a:t>    }</a:t>
+            </a:r>
+          </a:p>
+          <a:p>
+            <a:r>
+              <a:rPr lang="en-US" altLang="zh-CN" dirty="0"/>
+              <a:t>}</a:t>
+            </a:r>
+          </a:p>
+          <a:p>
+            <a:endParaRPr lang="zh-CN" altLang="en-US" dirty="0"/>
+          </a:p>
+        </p:txBody>
+      </p:sp>
+      <p:sp>
+        <p:nvSpPr>
+          <p:cNvPr id="4" name="文本框 3">
+            <a:extLst>
+              <a:ext uri="{FF2B5EF4-FFF2-40B4-BE49-F238E27FC236}">
+                <a16:creationId xmlns:a16="http://schemas.microsoft.com/office/drawing/2014/main" id="{3496215C-07BE-1454-6C32-33F2AEB50846}"/>
+              </a:ext>
+            </a:extLst>
+          </p:cNvPr>
+          <p:cNvSpPr txBox="1"/>
+          <p:nvPr/>
+        </p:nvSpPr>
+        <p:spPr>
+          <a:xfrm>
+            <a:off x="7676147" y="1825625"/>
+            <a:ext cx="3910264" cy="3539430"/>
+          </a:xfrm>
+          <a:prstGeom prst="rect">
+            <a:avLst/>
+          </a:prstGeom>
+          <a:noFill/>
+        </p:spPr>
+        <p:txBody>
+          <a:bodyPr wrap="square" rtlCol="0">
+            <a:spAutoFit/>
+          </a:bodyPr>
+          <a:lstStyle/>
+          <a:p>
+            <a:r>
+              <a:rPr lang="zh-CN" altLang="en-US" sz="2800" dirty="0"/>
+              <a:t>从队列中取出两个权重最小的树 </a:t>
+            </a:r>
+            <a:r>
+              <a:rPr lang="en-US" altLang="zh-CN" sz="2800" dirty="0"/>
+              <a:t>l </a:t>
+            </a:r>
+            <a:r>
+              <a:rPr lang="zh-CN" altLang="en-US" sz="2800" dirty="0"/>
+              <a:t>和 </a:t>
+            </a:r>
+            <a:r>
+              <a:rPr lang="en-US" altLang="zh-CN" sz="2800" dirty="0"/>
+              <a:t>r</a:t>
+            </a:r>
+            <a:r>
+              <a:rPr lang="zh-CN" altLang="en-US" sz="2800" dirty="0"/>
+              <a:t>。       </a:t>
+            </a:r>
+            <a:endParaRPr lang="en-US" altLang="zh-CN" sz="2800" dirty="0"/>
+          </a:p>
+          <a:p>
+            <a:r>
+              <a:rPr lang="zh-CN" altLang="en-US" sz="2800" dirty="0"/>
+              <a:t>创建一个新的树 </a:t>
+            </a:r>
+            <a:r>
+              <a:rPr lang="en-US" altLang="zh-CN" sz="2800" dirty="0"/>
+              <a:t>p</a:t>
+            </a:r>
+            <a:r>
+              <a:rPr lang="zh-CN" altLang="en-US" sz="2800" dirty="0"/>
+              <a:t>，其值为 </a:t>
+            </a:r>
+            <a:r>
+              <a:rPr lang="en-US" altLang="zh-CN" sz="2800" dirty="0"/>
+              <a:t>l </a:t>
+            </a:r>
+            <a:r>
+              <a:rPr lang="zh-CN" altLang="en-US" sz="2800" dirty="0"/>
+              <a:t>和 </a:t>
+            </a:r>
+            <a:r>
+              <a:rPr lang="en-US" altLang="zh-CN" sz="2800" dirty="0"/>
+              <a:t>r </a:t>
+            </a:r>
+            <a:r>
+              <a:rPr lang="zh-CN" altLang="en-US" sz="2800" dirty="0"/>
+              <a:t>的权值之和，将它们作为左右子树。将新树 </a:t>
+            </a:r>
+            <a:r>
+              <a:rPr lang="en-US" altLang="zh-CN" sz="2800" dirty="0"/>
+              <a:t>p </a:t>
+            </a:r>
+            <a:r>
+              <a:rPr lang="zh-CN" altLang="en-US" sz="2800" dirty="0"/>
+              <a:t>插入队列中，继续合并。最终返回合并后的哈夫曼树。</a:t>
+            </a:r>
+          </a:p>
+        </p:txBody>
+      </p:sp>
+      <p:sp>
+        <p:nvSpPr>
+          <p:cNvPr id="5" name="文本框 4">
+            <a:extLst>
+              <a:ext uri="{FF2B5EF4-FFF2-40B4-BE49-F238E27FC236}">
+                <a16:creationId xmlns:a16="http://schemas.microsoft.com/office/drawing/2014/main" id="{CE100B37-1C18-EE79-6F87-4A681BF62F35}"/>
+              </a:ext>
+            </a:extLst>
+          </p:cNvPr>
+          <p:cNvSpPr txBox="1"/>
+          <p:nvPr/>
+        </p:nvSpPr>
+        <p:spPr>
+          <a:xfrm>
+            <a:off x="7676147" y="5751095"/>
+            <a:ext cx="3765885" cy="923330"/>
+          </a:xfrm>
+          <a:prstGeom prst="rect">
+            <a:avLst/>
+          </a:prstGeom>
+          <a:noFill/>
+        </p:spPr>
+        <p:txBody>
+          <a:bodyPr wrap="square" rtlCol="0">
+            <a:spAutoFit/>
+          </a:bodyPr>
+          <a:lstStyle/>
+          <a:p>
+            <a:r>
+              <a:rPr lang="en-US" altLang="zh-CN" dirty="0"/>
+              <a:t>que </a:t>
             </a:r>
             <a:r>
               <a:rPr lang="zh-CN" altLang="en-US" dirty="0"/>
-              <a:t>标识每个对象的唯一性</a:t>
-            </a:r>
-            <a:endParaRPr lang="en-US" altLang="zh-CN" dirty="0"/>
-          </a:p>
-          <a:p>
-            <a:r>
-              <a:rPr lang="en-US" altLang="zh-CN" dirty="0"/>
-              <a:t>    </a:t>
-            </a:r>
-            <a:r>
-              <a:rPr lang="en-US" altLang="zh-CN" dirty="0" err="1"/>
-              <a:t>Huffman_Tree_Node</a:t>
-            </a:r>
-            <a:r>
-              <a:rPr lang="en-US" altLang="zh-CN" dirty="0"/>
-              <a:t> *root;</a:t>
-            </a:r>
-          </a:p>
-          <a:p>
-            <a:endParaRPr lang="en-US" altLang="zh-CN" dirty="0"/>
-          </a:p>
-          <a:p>
-            <a:r>
-              <a:rPr lang="en-US" altLang="zh-CN" dirty="0"/>
-              <a:t>    void clear(</a:t>
-            </a:r>
-            <a:r>
-              <a:rPr lang="en-US" altLang="zh-CN" dirty="0" err="1"/>
-              <a:t>Huffman_Tree_Node</a:t>
-            </a:r>
-            <a:r>
-              <a:rPr lang="en-US" altLang="zh-CN" dirty="0"/>
-              <a:t> *p){</a:t>
-            </a:r>
-          </a:p>
-          <a:p>
-            <a:r>
-              <a:rPr lang="en-US" altLang="zh-CN" dirty="0"/>
-              <a:t>        if (p==NULL) return;</a:t>
-            </a:r>
-          </a:p>
-          <a:p>
-            <a:r>
-              <a:rPr lang="en-US" altLang="zh-CN" dirty="0"/>
-              <a:t>        clear(p-&gt;</a:t>
-            </a:r>
-            <a:r>
-              <a:rPr lang="en-US" altLang="zh-CN" dirty="0" err="1"/>
-              <a:t>left_child</a:t>
-            </a:r>
-            <a:r>
-              <a:rPr lang="en-US" altLang="zh-CN" dirty="0"/>
-              <a:t>);</a:t>
-            </a:r>
-          </a:p>
-          <a:p>
-            <a:r>
-              <a:rPr lang="en-US" altLang="zh-CN" dirty="0"/>
-              <a:t>        clear(p-&gt;</a:t>
-            </a:r>
-            <a:r>
-              <a:rPr lang="en-US" altLang="zh-CN" dirty="0" err="1"/>
-              <a:t>right_child</a:t>
-            </a:r>
-            <a:r>
-              <a:rPr lang="en-US" altLang="zh-CN" dirty="0"/>
-              <a:t>);</a:t>
-            </a:r>
-          </a:p>
-          <a:p>
-            <a:r>
-              <a:rPr lang="en-US" altLang="zh-CN" dirty="0"/>
-              <a:t>        delete </a:t>
-            </a:r>
-            <a:r>
-              <a:rPr lang="en-US" altLang="zh-CN" dirty="0" err="1"/>
-              <a:t>p;p</a:t>
-            </a:r>
-            <a:r>
-              <a:rPr lang="en-US" altLang="zh-CN" dirty="0"/>
-              <a:t>=NULL;</a:t>
-            </a:r>
-          </a:p>
-          <a:p>
-            <a:r>
-              <a:rPr lang="en-US" altLang="zh-CN" dirty="0"/>
-              <a:t>    }</a:t>
-            </a:r>
-          </a:p>
-          <a:p>
-            <a:r>
-              <a:rPr lang="en-US" altLang="zh-CN" dirty="0"/>
-              <a:t>    void </a:t>
-            </a:r>
-            <a:r>
-              <a:rPr lang="en-US" altLang="zh-CN" dirty="0" err="1"/>
-              <a:t>set_position</a:t>
-            </a:r>
-            <a:r>
-              <a:rPr lang="en-US" altLang="zh-CN" dirty="0"/>
-              <a:t>(</a:t>
-            </a:r>
-            <a:r>
-              <a:rPr lang="en-US" altLang="zh-CN" dirty="0" err="1"/>
-              <a:t>Huffman_Tree_Node</a:t>
-            </a:r>
-            <a:r>
-              <a:rPr lang="en-US" altLang="zh-CN" dirty="0"/>
-              <a:t> *</a:t>
-            </a:r>
-            <a:r>
-              <a:rPr lang="en-US" altLang="zh-CN" dirty="0" err="1"/>
-              <a:t>p,int</a:t>
-            </a:r>
-            <a:r>
-              <a:rPr lang="en-US" altLang="zh-CN" dirty="0"/>
-              <a:t> </a:t>
-            </a:r>
-            <a:r>
-              <a:rPr lang="en-US" altLang="zh-CN" dirty="0" err="1"/>
-              <a:t>x,int</a:t>
-            </a:r>
-            <a:r>
-              <a:rPr lang="en-US" altLang="zh-CN" dirty="0"/>
-              <a:t> </a:t>
-            </a:r>
-            <a:r>
-              <a:rPr lang="en-US" altLang="zh-CN" dirty="0" err="1"/>
-              <a:t>y,int</a:t>
-            </a:r>
-            <a:r>
-              <a:rPr lang="en-US" altLang="zh-CN" dirty="0"/>
-              <a:t> dx){</a:t>
-            </a:r>
-          </a:p>
-          <a:p>
-            <a:r>
-              <a:rPr lang="en-US" altLang="zh-CN" dirty="0"/>
-              <a:t>        if (p==NULL) return;</a:t>
-            </a:r>
-          </a:p>
-          <a:p>
-            <a:r>
-              <a:rPr lang="en-US" altLang="zh-CN" dirty="0"/>
-              <a:t>        p-&gt;</a:t>
-            </a:r>
-            <a:r>
-              <a:rPr lang="en-US" altLang="zh-CN" dirty="0" err="1"/>
-              <a:t>set_position</a:t>
-            </a:r>
-            <a:r>
-              <a:rPr lang="en-US" altLang="zh-CN" dirty="0"/>
-              <a:t>(</a:t>
-            </a:r>
-            <a:r>
-              <a:rPr lang="en-US" altLang="zh-CN" dirty="0" err="1"/>
-              <a:t>x,y</a:t>
-            </a:r>
-            <a:r>
-              <a:rPr lang="en-US" altLang="zh-CN" dirty="0"/>
-              <a:t>);</a:t>
-            </a:r>
-          </a:p>
-          <a:p>
-            <a:r>
-              <a:rPr lang="en-US" altLang="zh-CN" dirty="0"/>
-              <a:t>        </a:t>
-            </a:r>
-            <a:r>
-              <a:rPr lang="en-US" altLang="zh-CN" dirty="0" err="1"/>
-              <a:t>set_position</a:t>
-            </a:r>
-            <a:r>
-              <a:rPr lang="en-US" altLang="zh-CN" dirty="0"/>
-              <a:t>(p-&gt;</a:t>
-            </a:r>
-            <a:r>
-              <a:rPr lang="en-US" altLang="zh-CN" dirty="0" err="1"/>
-              <a:t>left_child,x</a:t>
-            </a:r>
-            <a:r>
-              <a:rPr lang="en-US" altLang="zh-CN" dirty="0"/>
-              <a:t>-dx/2,y+1,dx/2);</a:t>
-            </a:r>
-          </a:p>
-          <a:p>
-            <a:r>
-              <a:rPr lang="en-US" altLang="zh-CN" dirty="0"/>
-              <a:t>        </a:t>
-            </a:r>
-            <a:r>
-              <a:rPr lang="en-US" altLang="zh-CN" dirty="0" err="1"/>
-              <a:t>set_position</a:t>
-            </a:r>
-            <a:r>
-              <a:rPr lang="en-US" altLang="zh-CN" dirty="0"/>
-              <a:t>(p-&gt;</a:t>
-            </a:r>
-            <a:r>
-              <a:rPr lang="en-US" altLang="zh-CN" dirty="0" err="1"/>
-              <a:t>right_child,x+dx</a:t>
-            </a:r>
-            <a:r>
-              <a:rPr lang="en-US" altLang="zh-CN" dirty="0"/>
-              <a:t>/2,y+1,dx/2);</a:t>
-            </a:r>
-          </a:p>
-          <a:p>
-            <a:r>
-              <a:rPr lang="en-US" altLang="zh-CN" dirty="0"/>
-              <a:t>    }</a:t>
-            </a:r>
-          </a:p>
-          <a:p>
-            <a:endParaRPr lang="zh-CN" altLang="en-US" dirty="0"/>
+              <a:t>主要用于保存 </a:t>
+            </a:r>
+            <a:r>
+              <a:rPr lang="en-US" altLang="zh-CN" dirty="0"/>
+              <a:t>Huffman </a:t>
+            </a:r>
+            <a:r>
+              <a:rPr lang="zh-CN" altLang="en-US" dirty="0"/>
+              <a:t>树的节点，并按照树的节点值的大小来优先排序。</a:t>
+            </a:r>
           </a:p>
         </p:txBody>
       </p:sp>
     </p:spTree>
     <p:extLst>
       <p:ext uri="{BB962C8B-B14F-4D97-AF65-F5344CB8AC3E}">
-        <p14:creationId xmlns:p14="http://schemas.microsoft.com/office/powerpoint/2010/main" val="1244927577"/>
+        <p14:creationId xmlns:p14="http://schemas.microsoft.com/office/powerpoint/2010/main" val="1909739889"/>
       </p:ext>
     </p:extLst>
   </p:cSld>
@@ -4959,7 +5195,7 @@
           <p:cNvPr id="2" name="标题 1">
             <a:extLst>
               <a:ext uri="{FF2B5EF4-FFF2-40B4-BE49-F238E27FC236}">
-                <a16:creationId xmlns:a16="http://schemas.microsoft.com/office/drawing/2014/main" id="{D358C2DE-68B7-48F7-FEC6-931BD1C116DE}"/>
+                <a16:creationId xmlns:a16="http://schemas.microsoft.com/office/drawing/2014/main" id="{F5C55CA3-C151-C4C7-4FBB-FCDC288A09E5}"/>
               </a:ext>
             </a:extLst>
           </p:cNvPr>
@@ -4977,12 +5213,9 @@
           <a:p>
             <a:r>
               <a:rPr lang="en-US" altLang="zh-CN" dirty="0" err="1"/>
-              <a:t>Huffman_Tree</a:t>
-            </a:r>
-            <a:r>
-              <a:rPr lang="zh-CN" altLang="en-US" dirty="0"/>
-              <a:t>类</a:t>
-            </a:r>
+              <a:t>show_position</a:t>
+            </a:r>
+            <a:endParaRPr lang="zh-CN" altLang="en-US" dirty="0"/>
           </a:p>
         </p:txBody>
       </p:sp>
@@ -4991,7 +5224,7 @@
           <p:cNvPr id="3" name="内容占位符 2">
             <a:extLst>
               <a:ext uri="{FF2B5EF4-FFF2-40B4-BE49-F238E27FC236}">
-                <a16:creationId xmlns:a16="http://schemas.microsoft.com/office/drawing/2014/main" id="{F32DACDB-9A2A-44FF-A4C0-CD0AC08884ED}"/>
+                <a16:creationId xmlns:a16="http://schemas.microsoft.com/office/drawing/2014/main" id="{496DDF04-88BC-FF3D-0C8D-CD3006CB922F}"/>
               </a:ext>
             </a:extLst>
           </p:cNvPr>
@@ -5005,25 +5238,37 @@
         <p:spPr/>
         <p:txBody>
           <a:bodyPr>
-            <a:normAutofit fontScale="92500" lnSpcReduction="20000"/>
+            <a:normAutofit fontScale="77500" lnSpcReduction="20000"/>
           </a:bodyPr>
           <a:lstStyle/>
           <a:p>
             <a:r>
-              <a:rPr lang="en-US" altLang="zh-CN" dirty="0" err="1"/>
-              <a:t>Huffman_Tree</a:t>
-            </a:r>
-            <a:r>
-              <a:rPr lang="en-US" altLang="zh-CN" dirty="0"/>
-              <a:t>* merge(int &amp;</a:t>
-            </a:r>
-            <a:r>
-              <a:rPr lang="en-US" altLang="zh-CN" dirty="0" err="1"/>
-              <a:t>cnt</a:t>
-            </a:r>
-            <a:r>
-              <a:rPr lang="en-US" altLang="zh-CN" dirty="0"/>
-              <a:t>) {</a:t>
+              <a:rPr lang="en-US" altLang="zh-CN" dirty="0"/>
+              <a:t>void </a:t>
+            </a:r>
+            <a:r>
+              <a:rPr lang="en-US" altLang="zh-CN" dirty="0" err="1"/>
+              <a:t>show_position</a:t>
+            </a:r>
+            <a:r>
+              <a:rPr lang="en-US" altLang="zh-CN" dirty="0"/>
+              <a:t>(</a:t>
+            </a:r>
+            <a:r>
+              <a:rPr lang="en-US" altLang="zh-CN" dirty="0" err="1"/>
+              <a:t>Huffman_Tree_Node</a:t>
+            </a:r>
+            <a:r>
+              <a:rPr lang="en-US" altLang="zh-CN" dirty="0"/>
+              <a:t>* cur, </a:t>
+            </a:r>
+            <a:r>
+              <a:rPr lang="en-US" altLang="zh-CN" dirty="0" err="1"/>
+              <a:t>Huffman_Tree_Node</a:t>
+            </a:r>
+            <a:r>
+              <a:rPr lang="en-US" altLang="zh-CN" dirty="0"/>
+              <a:t>* parent = NULL) {</a:t>
             </a:r>
           </a:p>
           <a:p>
@@ -5033,97 +5278,25 @@
             </a:r>
             <a:r>
               <a:rPr lang="en-US" altLang="zh-CN" dirty="0" err="1"/>
-              <a:t>Huffman_Tree</a:t>
-            </a:r>
-            <a:r>
-              <a:rPr lang="en-US" altLang="zh-CN" dirty="0"/>
-              <a:t> *l, *r, *p;</a:t>
-            </a:r>
-          </a:p>
-          <a:p>
-            <a:r>
-              <a:rPr lang="en-US" altLang="zh-CN" dirty="0"/>
-              <a:t>    while (true) {</a:t>
-            </a:r>
-          </a:p>
-          <a:p>
-            <a:r>
-              <a:rPr lang="en-US" altLang="zh-CN" dirty="0"/>
-              <a:t>        l = </a:t>
-            </a:r>
-            <a:r>
-              <a:rPr lang="en-US" altLang="zh-CN" dirty="0" err="1"/>
-              <a:t>que.top</a:t>
-            </a:r>
-            <a:r>
-              <a:rPr lang="en-US" altLang="zh-CN" dirty="0"/>
-              <a:t>(); </a:t>
-            </a:r>
-            <a:r>
-              <a:rPr lang="en-US" altLang="zh-CN" dirty="0" err="1"/>
-              <a:t>que.pop</a:t>
-            </a:r>
-            <a:r>
-              <a:rPr lang="en-US" altLang="zh-CN" dirty="0"/>
-              <a:t>();</a:t>
-            </a:r>
-          </a:p>
-          <a:p>
-            <a:r>
-              <a:rPr lang="en-US" altLang="zh-CN" dirty="0"/>
-              <a:t>        if (</a:t>
-            </a:r>
-            <a:r>
-              <a:rPr lang="en-US" altLang="zh-CN" dirty="0" err="1"/>
-              <a:t>que.empty</a:t>
-            </a:r>
-            <a:r>
-              <a:rPr lang="en-US" altLang="zh-CN" dirty="0"/>
-              <a:t>()) return l;</a:t>
-            </a:r>
-          </a:p>
-          <a:p>
-            <a:r>
-              <a:rPr lang="en-US" altLang="zh-CN" dirty="0"/>
-              <a:t>        r = </a:t>
-            </a:r>
-            <a:r>
-              <a:rPr lang="en-US" altLang="zh-CN" dirty="0" err="1"/>
-              <a:t>que.top</a:t>
-            </a:r>
-            <a:r>
-              <a:rPr lang="en-US" altLang="zh-CN" dirty="0"/>
-              <a:t>(); </a:t>
-            </a:r>
-            <a:r>
-              <a:rPr lang="en-US" altLang="zh-CN" dirty="0" err="1"/>
-              <a:t>que.pop</a:t>
-            </a:r>
-            <a:r>
-              <a:rPr lang="en-US" altLang="zh-CN" dirty="0"/>
-              <a:t>();</a:t>
-            </a:r>
-          </a:p>
-          <a:p>
-            <a:r>
-              <a:rPr lang="en-US" altLang="zh-CN" dirty="0"/>
-              <a:t>        p = new </a:t>
-            </a:r>
-            <a:r>
-              <a:rPr lang="en-US" altLang="zh-CN" dirty="0" err="1"/>
-              <a:t>Huffman_Tree</a:t>
-            </a:r>
-            <a:r>
-              <a:rPr lang="en-US" altLang="zh-CN" dirty="0"/>
-              <a:t>(l, r, </a:t>
-            </a:r>
-            <a:r>
-              <a:rPr lang="en-US" altLang="zh-CN" dirty="0" err="1"/>
-              <a:t>cnt</a:t>
-            </a:r>
-            <a:r>
-              <a:rPr lang="en-US" altLang="zh-CN" dirty="0"/>
-              <a:t>++);</a:t>
+              <a:t>cout</a:t>
+            </a:r>
+            <a:r>
+              <a:rPr lang="en-US" altLang="zh-CN" dirty="0"/>
+              <a:t> &lt;&lt; "1 " &lt;&lt; cur-&gt;pos[0] * 20 &lt;&lt; ' ' &lt;&lt; cur-&gt;pos[1] * 75 &lt;&lt; ' ' &lt;&lt; cur-&gt;value &lt;&lt; </a:t>
+            </a:r>
+            <a:r>
+              <a:rPr lang="en-US" altLang="zh-CN" dirty="0" err="1"/>
+              <a:t>endl</a:t>
+            </a:r>
+            <a:r>
+              <a:rPr lang="en-US" altLang="zh-CN" dirty="0"/>
+              <a:t>;</a:t>
+            </a:r>
+          </a:p>
+          <a:p>
+            <a:r>
+              <a:rPr lang="en-US" altLang="zh-CN" dirty="0"/>
+              <a:t>    if (parent != NULL) {</a:t>
             </a:r>
           </a:p>
           <a:p>
@@ -5133,11 +5306,19 @@
             </a:r>
             <a:r>
               <a:rPr lang="en-US" altLang="zh-CN" dirty="0" err="1"/>
-              <a:t>que.push</a:t>
-            </a:r>
-            <a:r>
-              <a:rPr lang="en-US" altLang="zh-CN" dirty="0"/>
-              <a:t>(p);</a:t>
+              <a:t>cout</a:t>
+            </a:r>
+            <a:r>
+              <a:rPr lang="en-US" altLang="zh-CN" dirty="0"/>
+              <a:t> &lt;&lt; "2 " &lt;&lt; parent-&gt;pos[0] * 20 &lt;&lt; ' ' &lt;&lt; parent-&gt;pos[1] * 75 &lt;&lt; ' ' &lt;&lt; cur-&gt;pos[0] * 20 &lt;&lt; ' ' &lt;&lt; cur-&gt;pos[1] * 75 &lt;&lt; </a:t>
+            </a:r>
+            <a:r>
+              <a:rPr lang="en-US" altLang="zh-CN" dirty="0" err="1"/>
+              <a:t>endl</a:t>
+            </a:r>
+            <a:r>
+              <a:rPr lang="en-US" altLang="zh-CN" dirty="0"/>
+              <a:t>;</a:t>
             </a:r>
           </a:p>
           <a:p>
@@ -5149,6 +5330,70 @@
           <a:p>
             <a:r>
               <a:rPr lang="en-US" altLang="zh-CN" dirty="0"/>
+              <a:t>    if (cur-&gt;</a:t>
+            </a:r>
+            <a:r>
+              <a:rPr lang="en-US" altLang="zh-CN" dirty="0" err="1"/>
+              <a:t>left_child</a:t>
+            </a:r>
+            <a:r>
+              <a:rPr lang="en-US" altLang="zh-CN" dirty="0"/>
+              <a:t> != NULL) {</a:t>
+            </a:r>
+          </a:p>
+          <a:p>
+            <a:r>
+              <a:rPr lang="en-US" altLang="zh-CN" dirty="0"/>
+              <a:t>        </a:t>
+            </a:r>
+            <a:r>
+              <a:rPr lang="en-US" altLang="zh-CN" dirty="0" err="1"/>
+              <a:t>show_position</a:t>
+            </a:r>
+            <a:r>
+              <a:rPr lang="en-US" altLang="zh-CN" dirty="0"/>
+              <a:t>(cur-&gt;</a:t>
+            </a:r>
+            <a:r>
+              <a:rPr lang="en-US" altLang="zh-CN" dirty="0" err="1"/>
+              <a:t>left_child</a:t>
+            </a:r>
+            <a:r>
+              <a:rPr lang="en-US" altLang="zh-CN" dirty="0"/>
+              <a:t>, cur);</a:t>
+            </a:r>
+          </a:p>
+          <a:p>
+            <a:r>
+              <a:rPr lang="en-US" altLang="zh-CN" dirty="0"/>
+              <a:t>        </a:t>
+            </a:r>
+            <a:r>
+              <a:rPr lang="en-US" altLang="zh-CN" dirty="0" err="1"/>
+              <a:t>show_position</a:t>
+            </a:r>
+            <a:r>
+              <a:rPr lang="en-US" altLang="zh-CN" dirty="0"/>
+              <a:t>(cur-&gt;</a:t>
+            </a:r>
+            <a:r>
+              <a:rPr lang="en-US" altLang="zh-CN" dirty="0" err="1"/>
+              <a:t>right_child</a:t>
+            </a:r>
+            <a:r>
+              <a:rPr lang="en-US" altLang="zh-CN" dirty="0"/>
+              <a:t>, cur);</a:t>
+            </a:r>
+          </a:p>
+          <a:p>
+            <a:r>
+              <a:rPr lang="en-US" altLang="zh-CN" dirty="0"/>
+              <a:t>    }</a:t>
+            </a:r>
+          </a:p>
+          <a:p>
+            <a:r>
+              <a:rPr lang="en-US" altLang="zh-CN" dirty="0"/>
               <a:t>}</a:t>
             </a:r>
           </a:p>
@@ -5162,7 +5407,7 @@
           <p:cNvPr id="4" name="文本框 3">
             <a:extLst>
               <a:ext uri="{FF2B5EF4-FFF2-40B4-BE49-F238E27FC236}">
-                <a16:creationId xmlns:a16="http://schemas.microsoft.com/office/drawing/2014/main" id="{3496215C-07BE-1454-6C32-33F2AEB50846}"/>
+                <a16:creationId xmlns:a16="http://schemas.microsoft.com/office/drawing/2014/main" id="{408CB1E5-8CA1-8F6A-E6B0-41C0B9A779EC}"/>
               </a:ext>
             </a:extLst>
           </p:cNvPr>
@@ -5171,8 +5416,8 @@
         </p:nvSpPr>
         <p:spPr>
           <a:xfrm>
-            <a:off x="7676147" y="1825625"/>
-            <a:ext cx="3910264" cy="3539430"/>
+            <a:off x="7748337" y="4788568"/>
+            <a:ext cx="4066674" cy="1200329"/>
           </a:xfrm>
           <a:prstGeom prst="rect">
             <a:avLst/>
@@ -5186,110 +5431,30 @@
           <a:lstStyle/>
           <a:p>
             <a:r>
-              <a:rPr lang="zh-CN" altLang="en-US" sz="2800" dirty="0"/>
-              <a:t>从队列中取出两个权重最小的树 </a:t>
-            </a:r>
-            <a:r>
-              <a:rPr lang="en-US" altLang="zh-CN" sz="2800" dirty="0"/>
-              <a:t>l </a:t>
-            </a:r>
-            <a:r>
-              <a:rPr lang="zh-CN" altLang="en-US" sz="2800" dirty="0"/>
-              <a:t>和 </a:t>
-            </a:r>
-            <a:r>
-              <a:rPr lang="en-US" altLang="zh-CN" sz="2800" dirty="0"/>
-              <a:t>r</a:t>
-            </a:r>
-            <a:r>
-              <a:rPr lang="zh-CN" altLang="en-US" sz="2800" dirty="0"/>
-              <a:t>。       </a:t>
-            </a:r>
-            <a:endParaRPr lang="en-US" altLang="zh-CN" sz="2800" dirty="0"/>
-          </a:p>
-          <a:p>
-            <a:r>
-              <a:rPr lang="zh-CN" altLang="en-US" sz="2800" dirty="0"/>
-              <a:t>创建一个新的树 </a:t>
-            </a:r>
-            <a:r>
-              <a:rPr lang="en-US" altLang="zh-CN" sz="2800" dirty="0"/>
-              <a:t>p</a:t>
-            </a:r>
-            <a:r>
-              <a:rPr lang="zh-CN" altLang="en-US" sz="2800" dirty="0"/>
-              <a:t>，其值为 </a:t>
-            </a:r>
-            <a:r>
-              <a:rPr lang="en-US" altLang="zh-CN" sz="2800" dirty="0"/>
-              <a:t>l </a:t>
-            </a:r>
-            <a:r>
-              <a:rPr lang="zh-CN" altLang="en-US" sz="2800" dirty="0"/>
-              <a:t>和 </a:t>
-            </a:r>
-            <a:r>
-              <a:rPr lang="en-US" altLang="zh-CN" sz="2800" dirty="0"/>
-              <a:t>r </a:t>
-            </a:r>
-            <a:r>
-              <a:rPr lang="zh-CN" altLang="en-US" sz="2800" dirty="0"/>
-              <a:t>的权值之和，将它们作为左右子树。将新树 </a:t>
-            </a:r>
-            <a:r>
-              <a:rPr lang="en-US" altLang="zh-CN" sz="2800" dirty="0"/>
-              <a:t>p </a:t>
-            </a:r>
-            <a:r>
-              <a:rPr lang="zh-CN" altLang="en-US" sz="2800" dirty="0"/>
-              <a:t>插入队列中，继续合并。最终返回合并后的哈夫曼树。</a:t>
-            </a:r>
-          </a:p>
-        </p:txBody>
-      </p:sp>
-      <p:sp>
-        <p:nvSpPr>
-          <p:cNvPr id="5" name="文本框 4">
-            <a:extLst>
-              <a:ext uri="{FF2B5EF4-FFF2-40B4-BE49-F238E27FC236}">
-                <a16:creationId xmlns:a16="http://schemas.microsoft.com/office/drawing/2014/main" id="{CE100B37-1C18-EE79-6F87-4A681BF62F35}"/>
-              </a:ext>
-            </a:extLst>
-          </p:cNvPr>
-          <p:cNvSpPr txBox="1"/>
-          <p:nvPr/>
-        </p:nvSpPr>
-        <p:spPr>
-          <a:xfrm>
-            <a:off x="7676147" y="5751095"/>
-            <a:ext cx="3765885" cy="923330"/>
-          </a:xfrm>
-          <a:prstGeom prst="rect">
-            <a:avLst/>
-          </a:prstGeom>
-          <a:noFill/>
-        </p:spPr>
-        <p:txBody>
-          <a:bodyPr wrap="square" rtlCol="0">
-            <a:spAutoFit/>
-          </a:bodyPr>
-          <a:lstStyle/>
-          <a:p>
-            <a:r>
-              <a:rPr lang="en-US" altLang="zh-CN" dirty="0"/>
-              <a:t>que </a:t>
+              <a:rPr lang="en-US" altLang="zh-CN" dirty="0"/>
+              <a:t>1 </a:t>
             </a:r>
             <a:r>
               <a:rPr lang="zh-CN" altLang="en-US" dirty="0"/>
-              <a:t>主要用于保存 </a:t>
-            </a:r>
-            <a:r>
-              <a:rPr lang="en-US" altLang="zh-CN" dirty="0"/>
-              <a:t>Huffman </a:t>
+              <a:t>表示节点的位置信息。</a:t>
+            </a:r>
+            <a:endParaRPr lang="en-US" altLang="zh-CN" dirty="0"/>
+          </a:p>
+          <a:p>
+            <a:r>
+              <a:rPr lang="en-US" altLang="zh-CN" dirty="0"/>
+              <a:t>2 </a:t>
             </a:r>
             <a:r>
               <a:rPr lang="zh-CN" altLang="en-US" dirty="0"/>
-              <a:t>树的节点，并按照树的节点值的大小来优先排序。</a:t>
+              <a:t>表示连接两节点的线段。</a:t>
+            </a:r>
+            <a:endParaRPr lang="en-US" altLang="zh-CN" dirty="0"/>
+          </a:p>
+          <a:p>
+            <a:r>
+              <a:rPr lang="zh-CN" altLang="en-US" dirty="0"/>
+              <a:t>该函数递归地打印每个节点的位置信息以及连接的线段。</a:t>
             </a:r>
           </a:p>
         </p:txBody>
@@ -5297,7 +5462,7 @@
     </p:spTree>
     <p:extLst>
       <p:ext uri="{BB962C8B-B14F-4D97-AF65-F5344CB8AC3E}">
-        <p14:creationId xmlns:p14="http://schemas.microsoft.com/office/powerpoint/2010/main" val="1909739889"/>
+        <p14:creationId xmlns:p14="http://schemas.microsoft.com/office/powerpoint/2010/main" val="4045541699"/>
       </p:ext>
     </p:extLst>
   </p:cSld>
@@ -5329,7 +5494,7 @@
           <p:cNvPr id="2" name="标题 1">
             <a:extLst>
               <a:ext uri="{FF2B5EF4-FFF2-40B4-BE49-F238E27FC236}">
-                <a16:creationId xmlns:a16="http://schemas.microsoft.com/office/drawing/2014/main" id="{F5C55CA3-C151-C4C7-4FBB-FCDC288A09E5}"/>
+                <a16:creationId xmlns:a16="http://schemas.microsoft.com/office/drawing/2014/main" id="{4ED26136-9799-03A1-99D1-42DB6C9C1EBC}"/>
               </a:ext>
             </a:extLst>
           </p:cNvPr>
@@ -5347,7 +5512,7 @@
           <a:p>
             <a:r>
               <a:rPr lang="en-US" altLang="zh-CN" dirty="0" err="1"/>
-              <a:t>show_position</a:t>
+              <a:t>get_ans</a:t>
             </a:r>
             <a:endParaRPr lang="zh-CN" altLang="en-US" dirty="0"/>
           </a:p>
@@ -5358,7 +5523,7 @@
           <p:cNvPr id="3" name="内容占位符 2">
             <a:extLst>
               <a:ext uri="{FF2B5EF4-FFF2-40B4-BE49-F238E27FC236}">
-                <a16:creationId xmlns:a16="http://schemas.microsoft.com/office/drawing/2014/main" id="{496DDF04-88BC-FF3D-0C8D-CD3006CB922F}"/>
+                <a16:creationId xmlns:a16="http://schemas.microsoft.com/office/drawing/2014/main" id="{B115A9D3-ECE7-BB25-04C5-A7ED1E95BE9F}"/>
               </a:ext>
             </a:extLst>
           </p:cNvPr>
@@ -5369,11 +5534,14 @@
             <p:ph idx="1"/>
           </p:nvPr>
         </p:nvSpPr>
-        <p:spPr/>
-        <p:txBody>
-          <a:bodyPr>
-            <a:normAutofit fontScale="77500" lnSpcReduction="20000"/>
-          </a:bodyPr>
+        <p:spPr>
+          <a:xfrm>
+            <a:off x="838200" y="1825625"/>
+            <a:ext cx="7680158" cy="4351338"/>
+          </a:xfrm>
+        </p:spPr>
+        <p:txBody>
+          <a:bodyPr/>
           <a:lstStyle/>
           <a:p>
             <a:r>
@@ -5382,7 +5550,7 @@
             </a:r>
             <a:r>
               <a:rPr lang="en-US" altLang="zh-CN" dirty="0" err="1"/>
-              <a:t>show_position</a:t>
+              <a:t>get_ans</a:t>
             </a:r>
             <a:r>
               <a:rPr lang="en-US" altLang="zh-CN" dirty="0"/>
@@ -5390,19 +5558,25 @@
             </a:r>
             <a:r>
               <a:rPr lang="en-US" altLang="zh-CN" dirty="0" err="1"/>
-              <a:t>Huffman_Tree_Node</a:t>
-            </a:r>
-            <a:r>
-              <a:rPr lang="en-US" altLang="zh-CN" dirty="0"/>
-              <a:t>* cur, </a:t>
-            </a:r>
-            <a:r>
-              <a:rPr lang="en-US" altLang="zh-CN" dirty="0" err="1"/>
-              <a:t>Huffman_Tree_Node</a:t>
-            </a:r>
-            <a:r>
-              <a:rPr lang="en-US" altLang="zh-CN" dirty="0"/>
-              <a:t>* parent = NULL) {</a:t>
+              <a:t>Huffman_Tree</a:t>
+            </a:r>
+            <a:r>
+              <a:rPr lang="en-US" altLang="zh-CN" dirty="0"/>
+              <a:t>* t, int </a:t>
+            </a:r>
+            <a:r>
+              <a:rPr lang="en-US" altLang="zh-CN" dirty="0" err="1"/>
+              <a:t>kase</a:t>
+            </a:r>
+            <a:r>
+              <a:rPr lang="en-US" altLang="zh-CN" dirty="0"/>
+              <a:t>, int n) {</a:t>
+            </a:r>
+          </a:p>
+          <a:p>
+            <a:r>
+              <a:rPr lang="en-US" altLang="zh-CN" dirty="0"/>
+              <a:t>    string cur = "";</a:t>
             </a:r>
           </a:p>
           <a:p>
@@ -5412,11 +5586,87 @@
             </a:r>
             <a:r>
               <a:rPr lang="en-US" altLang="zh-CN" dirty="0" err="1"/>
+              <a:t>dfs</a:t>
+            </a:r>
+            <a:r>
+              <a:rPr lang="en-US" altLang="zh-CN" dirty="0"/>
+              <a:t>(t-&gt;</a:t>
+            </a:r>
+            <a:r>
+              <a:rPr lang="en-US" altLang="zh-CN" dirty="0" err="1"/>
+              <a:t>get_root</a:t>
+            </a:r>
+            <a:r>
+              <a:rPr lang="en-US" altLang="zh-CN" dirty="0"/>
+              <a:t>(), cur);</a:t>
+            </a:r>
+          </a:p>
+          <a:p>
+            <a:r>
+              <a:rPr lang="en-US" altLang="zh-CN" dirty="0"/>
+              <a:t>    for (int </a:t>
+            </a:r>
+            <a:r>
+              <a:rPr lang="en-US" altLang="zh-CN" dirty="0" err="1"/>
+              <a:t>i</a:t>
+            </a:r>
+            <a:r>
+              <a:rPr lang="en-US" altLang="zh-CN" dirty="0"/>
+              <a:t> = 0; </a:t>
+            </a:r>
+            <a:r>
+              <a:rPr lang="en-US" altLang="zh-CN" dirty="0" err="1"/>
+              <a:t>i</a:t>
+            </a:r>
+            <a:r>
+              <a:rPr lang="en-US" altLang="zh-CN" dirty="0"/>
+              <a:t> &lt; n; ++</a:t>
+            </a:r>
+            <a:r>
+              <a:rPr lang="en-US" altLang="zh-CN" dirty="0" err="1"/>
+              <a:t>i</a:t>
+            </a:r>
+            <a:r>
+              <a:rPr lang="en-US" altLang="zh-CN" dirty="0"/>
+              <a:t>) {</a:t>
+            </a:r>
+          </a:p>
+          <a:p>
+            <a:r>
+              <a:rPr lang="en-US" altLang="zh-CN" dirty="0"/>
+              <a:t>        </a:t>
+            </a:r>
+            <a:r>
+              <a:rPr lang="en-US" altLang="zh-CN" dirty="0" err="1"/>
               <a:t>cout</a:t>
             </a:r>
             <a:r>
               <a:rPr lang="en-US" altLang="zh-CN" dirty="0"/>
-              <a:t> &lt;&lt; "1 " &lt;&lt; cur-&gt;pos[0] * 20 &lt;&lt; ' ' &lt;&lt; cur-&gt;pos[1] * 75 &lt;&lt; ' ' &lt;&lt; cur-&gt;value &lt;&lt; </a:t>
+              <a:t> &lt;&lt; num[</a:t>
+            </a:r>
+            <a:r>
+              <a:rPr lang="en-US" altLang="zh-CN" dirty="0" err="1"/>
+              <a:t>i</a:t>
+            </a:r>
+            <a:r>
+              <a:rPr lang="en-US" altLang="zh-CN" dirty="0"/>
+              <a:t>] &lt;&lt; ' ' &lt;&lt; </a:t>
+            </a:r>
+            <a:r>
+              <a:rPr lang="en-US" altLang="zh-CN" dirty="0" err="1"/>
+              <a:t>ans</a:t>
+            </a:r>
+            <a:r>
+              <a:rPr lang="en-US" altLang="zh-CN" dirty="0"/>
+              <a:t>[</a:t>
+            </a:r>
+            <a:r>
+              <a:rPr lang="en-US" altLang="zh-CN" dirty="0" err="1"/>
+              <a:t>i</a:t>
+            </a:r>
+            <a:r>
+              <a:rPr lang="en-US" altLang="zh-CN" dirty="0"/>
+              <a:t>] &lt;&lt; </a:t>
             </a:r>
             <a:r>
               <a:rPr lang="en-US" altLang="zh-CN" dirty="0" err="1"/>
@@ -5430,13 +5680,13 @@
           <a:p>
             <a:r>
               <a:rPr lang="en-US" altLang="zh-CN" dirty="0"/>
-              <a:t>    if (parent != NULL) {</a:t>
-            </a:r>
-          </a:p>
-          <a:p>
-            <a:r>
-              <a:rPr lang="en-US" altLang="zh-CN" dirty="0"/>
-              <a:t>        </a:t>
+              <a:t>    }</a:t>
+            </a:r>
+          </a:p>
+          <a:p>
+            <a:r>
+              <a:rPr lang="en-US" altLang="zh-CN" dirty="0"/>
+              <a:t>    </a:t>
             </a:r>
             <a:r>
               <a:rPr lang="en-US" altLang="zh-CN" dirty="0" err="1"/>
@@ -5444,7 +5694,7 @@
             </a:r>
             <a:r>
               <a:rPr lang="en-US" altLang="zh-CN" dirty="0"/>
-              <a:t> &lt;&lt; "2 " &lt;&lt; parent-&gt;pos[0] * 20 &lt;&lt; ' ' &lt;&lt; parent-&gt;pos[1] * 75 &lt;&lt; ' ' &lt;&lt; cur-&gt;pos[0] * 20 &lt;&lt; ' ' &lt;&lt; cur-&gt;pos[1] * 75 &lt;&lt; </a:t>
+              <a:t> &lt;&lt; </a:t>
             </a:r>
             <a:r>
               <a:rPr lang="en-US" altLang="zh-CN" dirty="0" err="1"/>
@@ -5458,76 +5708,6 @@
           <a:p>
             <a:r>
               <a:rPr lang="en-US" altLang="zh-CN" dirty="0"/>
-              <a:t>    }</a:t>
-            </a:r>
-          </a:p>
-          <a:p>
-            <a:r>
-              <a:rPr lang="en-US" altLang="zh-CN" dirty="0"/>
-              <a:t>    if (cur-&gt;</a:t>
-            </a:r>
-            <a:r>
-              <a:rPr lang="en-US" altLang="zh-CN" dirty="0" err="1"/>
-              <a:t>left_child</a:t>
-            </a:r>
-            <a:r>
-              <a:rPr lang="en-US" altLang="zh-CN" dirty="0"/>
-              <a:t> != NULL) {</a:t>
-            </a:r>
-          </a:p>
-          <a:p>
-            <a:r>
-              <a:rPr lang="en-US" altLang="zh-CN" dirty="0"/>
-              <a:t>        </a:t>
-            </a:r>
-            <a:r>
-              <a:rPr lang="en-US" altLang="zh-CN" dirty="0" err="1"/>
-              <a:t>show_position</a:t>
-            </a:r>
-            <a:r>
-              <a:rPr lang="en-US" altLang="zh-CN" dirty="0"/>
-              <a:t>(cur-&gt;</a:t>
-            </a:r>
-            <a:r>
-              <a:rPr lang="en-US" altLang="zh-CN" dirty="0" err="1"/>
-              <a:t>left_child</a:t>
-            </a:r>
-            <a:r>
-              <a:rPr lang="en-US" altLang="zh-CN" dirty="0"/>
-              <a:t>, cur);</a:t>
-            </a:r>
-          </a:p>
-          <a:p>
-            <a:r>
-              <a:rPr lang="en-US" altLang="zh-CN" dirty="0"/>
-              <a:t>        </a:t>
-            </a:r>
-            <a:r>
-              <a:rPr lang="en-US" altLang="zh-CN" dirty="0" err="1"/>
-              <a:t>show_position</a:t>
-            </a:r>
-            <a:r>
-              <a:rPr lang="en-US" altLang="zh-CN" dirty="0"/>
-              <a:t>(cur-&gt;</a:t>
-            </a:r>
-            <a:r>
-              <a:rPr lang="en-US" altLang="zh-CN" dirty="0" err="1"/>
-              <a:t>right_child</a:t>
-            </a:r>
-            <a:r>
-              <a:rPr lang="en-US" altLang="zh-CN" dirty="0"/>
-              <a:t>, cur);</a:t>
-            </a:r>
-          </a:p>
-          <a:p>
-            <a:r>
-              <a:rPr lang="en-US" altLang="zh-CN" dirty="0"/>
-              <a:t>    }</a:t>
-            </a:r>
-          </a:p>
-          <a:p>
-            <a:r>
-              <a:rPr lang="en-US" altLang="zh-CN" dirty="0"/>
               <a:t>}</a:t>
             </a:r>
           </a:p>
@@ -5541,7 +5721,7 @@
           <p:cNvPr id="4" name="文本框 3">
             <a:extLst>
               <a:ext uri="{FF2B5EF4-FFF2-40B4-BE49-F238E27FC236}">
-                <a16:creationId xmlns:a16="http://schemas.microsoft.com/office/drawing/2014/main" id="{408CB1E5-8CA1-8F6A-E6B0-41C0B9A779EC}"/>
+                <a16:creationId xmlns:a16="http://schemas.microsoft.com/office/drawing/2014/main" id="{1152D09C-9A82-F796-FD43-C9723AFF8043}"/>
               </a:ext>
             </a:extLst>
           </p:cNvPr>
@@ -5550,8 +5730,8 @@
         </p:nvSpPr>
         <p:spPr>
           <a:xfrm>
-            <a:off x="7748337" y="4788568"/>
-            <a:ext cx="4066674" cy="1200329"/>
+            <a:off x="9119937" y="1690688"/>
+            <a:ext cx="2442410" cy="1938992"/>
           </a:xfrm>
           <a:prstGeom prst="rect">
             <a:avLst/>
@@ -5565,30 +5745,28 @@
           <a:lstStyle/>
           <a:p>
             <a:r>
-              <a:rPr lang="en-US" altLang="zh-CN" dirty="0"/>
-              <a:t>1 </a:t>
-            </a:r>
-            <a:r>
-              <a:rPr lang="zh-CN" altLang="en-US" dirty="0"/>
-              <a:t>表示节点的位置信息。</a:t>
-            </a:r>
-            <a:endParaRPr lang="en-US" altLang="zh-CN" dirty="0"/>
-          </a:p>
-          <a:p>
-            <a:r>
-              <a:rPr lang="en-US" altLang="zh-CN" dirty="0"/>
-              <a:t>2 </a:t>
-            </a:r>
-            <a:r>
-              <a:rPr lang="zh-CN" altLang="en-US" dirty="0"/>
-              <a:t>表示连接两节点的线段。</a:t>
-            </a:r>
-            <a:endParaRPr lang="en-US" altLang="zh-CN" dirty="0"/>
-          </a:p>
-          <a:p>
-            <a:r>
-              <a:rPr lang="zh-CN" altLang="en-US" dirty="0"/>
-              <a:t>该函数递归地打印每个节点的位置信息以及连接的线段。</a:t>
+              <a:rPr lang="zh-CN" altLang="en-US" sz="2400" dirty="0"/>
+              <a:t>使用</a:t>
+            </a:r>
+            <a:r>
+              <a:rPr lang="en-US" altLang="zh-CN" sz="2400" dirty="0"/>
+              <a:t>DFS</a:t>
+            </a:r>
+            <a:r>
+              <a:rPr lang="zh-CN" altLang="en-US" sz="2400" dirty="0"/>
+              <a:t>生成编码。</a:t>
+            </a:r>
+            <a:r>
+              <a:rPr lang="en-US" altLang="zh-CN" sz="2400" dirty="0" err="1"/>
+              <a:t>dfs</a:t>
+            </a:r>
+            <a:r>
+              <a:rPr lang="en-US" altLang="zh-CN" sz="2400" dirty="0"/>
+              <a:t>() </a:t>
+            </a:r>
+            <a:r>
+              <a:rPr lang="zh-CN" altLang="en-US" sz="2400" dirty="0"/>
+              <a:t>函数递归地遍历霍夫曼树，为每个叶子节点分配编码。</a:t>
             </a:r>
           </a:p>
         </p:txBody>
@@ -5596,7 +5774,7 @@
     </p:spTree>
     <p:extLst>
       <p:ext uri="{BB962C8B-B14F-4D97-AF65-F5344CB8AC3E}">
-        <p14:creationId xmlns:p14="http://schemas.microsoft.com/office/powerpoint/2010/main" val="4045541699"/>
+        <p14:creationId xmlns:p14="http://schemas.microsoft.com/office/powerpoint/2010/main" val="185294073"/>
       </p:ext>
     </p:extLst>
   </p:cSld>
@@ -5628,7 +5806,7 @@
           <p:cNvPr id="2" name="标题 1">
             <a:extLst>
               <a:ext uri="{FF2B5EF4-FFF2-40B4-BE49-F238E27FC236}">
-                <a16:creationId xmlns:a16="http://schemas.microsoft.com/office/drawing/2014/main" id="{4ED26136-9799-03A1-99D1-42DB6C9C1EBC}"/>
+                <a16:creationId xmlns:a16="http://schemas.microsoft.com/office/drawing/2014/main" id="{EDAC918D-F0E0-9701-6A9F-9A28AEF235EF}"/>
               </a:ext>
             </a:extLst>
           </p:cNvPr>
@@ -5645,10 +5823,9 @@
           <a:lstStyle/>
           <a:p>
             <a:r>
-              <a:rPr lang="en-US" altLang="zh-CN" dirty="0" err="1"/>
-              <a:t>get_ans</a:t>
-            </a:r>
-            <a:endParaRPr lang="zh-CN" altLang="en-US" dirty="0"/>
+              <a:rPr lang="zh-CN" altLang="en-US" dirty="0"/>
+              <a:t>从根到叶生成哈夫曼编码</a:t>
+            </a:r>
           </a:p>
         </p:txBody>
       </p:sp>
@@ -5657,7 +5834,7 @@
           <p:cNvPr id="3" name="内容占位符 2">
             <a:extLst>
               <a:ext uri="{FF2B5EF4-FFF2-40B4-BE49-F238E27FC236}">
-                <a16:creationId xmlns:a16="http://schemas.microsoft.com/office/drawing/2014/main" id="{B115A9D3-ECE7-BB25-04C5-A7ED1E95BE9F}"/>
+                <a16:creationId xmlns:a16="http://schemas.microsoft.com/office/drawing/2014/main" id="{20A17319-ED95-A5F3-87EA-021D4C8EC532}"/>
               </a:ext>
             </a:extLst>
           </p:cNvPr>
@@ -5668,239 +5845,51 @@
             <p:ph idx="1"/>
           </p:nvPr>
         </p:nvSpPr>
-        <p:spPr>
-          <a:xfrm>
-            <a:off x="838200" y="1825625"/>
-            <a:ext cx="7680158" cy="4351338"/>
-          </a:xfrm>
-        </p:spPr>
+        <p:spPr/>
         <p:txBody>
           <a:bodyPr/>
           <a:lstStyle/>
           <a:p>
             <a:r>
-              <a:rPr lang="en-US" altLang="zh-CN" dirty="0"/>
-              <a:t>void </a:t>
-            </a:r>
-            <a:r>
-              <a:rPr lang="en-US" altLang="zh-CN" dirty="0" err="1"/>
-              <a:t>get_ans</a:t>
-            </a:r>
-            <a:r>
-              <a:rPr lang="en-US" altLang="zh-CN" dirty="0"/>
-              <a:t>(</a:t>
-            </a:r>
-            <a:r>
-              <a:rPr lang="en-US" altLang="zh-CN" dirty="0" err="1"/>
-              <a:t>Huffman_Tree</a:t>
-            </a:r>
-            <a:r>
-              <a:rPr lang="en-US" altLang="zh-CN" dirty="0"/>
-              <a:t>* t, int </a:t>
-            </a:r>
-            <a:r>
-              <a:rPr lang="en-US" altLang="zh-CN" dirty="0" err="1"/>
-              <a:t>kase</a:t>
-            </a:r>
-            <a:r>
-              <a:rPr lang="en-US" altLang="zh-CN" dirty="0"/>
-              <a:t>, int n) {</a:t>
-            </a:r>
-          </a:p>
-          <a:p>
-            <a:r>
-              <a:rPr lang="en-US" altLang="zh-CN" dirty="0"/>
-              <a:t>    string cur = "";</a:t>
-            </a:r>
-          </a:p>
-          <a:p>
-            <a:r>
-              <a:rPr lang="en-US" altLang="zh-CN" dirty="0"/>
-              <a:t>    </a:t>
-            </a:r>
-            <a:r>
-              <a:rPr lang="en-US" altLang="zh-CN" dirty="0" err="1"/>
-              <a:t>dfs</a:t>
-            </a:r>
-            <a:r>
-              <a:rPr lang="en-US" altLang="zh-CN" dirty="0"/>
-              <a:t>(t-&gt;</a:t>
-            </a:r>
-            <a:r>
-              <a:rPr lang="en-US" altLang="zh-CN" dirty="0" err="1"/>
-              <a:t>get_root</a:t>
-            </a:r>
-            <a:r>
-              <a:rPr lang="en-US" altLang="zh-CN" dirty="0"/>
-              <a:t>(), cur);</a:t>
-            </a:r>
-          </a:p>
-          <a:p>
-            <a:r>
-              <a:rPr lang="en-US" altLang="zh-CN" dirty="0"/>
-              <a:t>    for (int </a:t>
-            </a:r>
-            <a:r>
-              <a:rPr lang="en-US" altLang="zh-CN" dirty="0" err="1"/>
-              <a:t>i</a:t>
-            </a:r>
-            <a:r>
-              <a:rPr lang="en-US" altLang="zh-CN" dirty="0"/>
-              <a:t> = 0; </a:t>
-            </a:r>
-            <a:r>
-              <a:rPr lang="en-US" altLang="zh-CN" dirty="0" err="1"/>
-              <a:t>i</a:t>
-            </a:r>
-            <a:r>
-              <a:rPr lang="en-US" altLang="zh-CN" dirty="0"/>
-              <a:t> &lt; n; ++</a:t>
-            </a:r>
-            <a:r>
-              <a:rPr lang="en-US" altLang="zh-CN" dirty="0" err="1"/>
-              <a:t>i</a:t>
-            </a:r>
-            <a:r>
-              <a:rPr lang="en-US" altLang="zh-CN" dirty="0"/>
-              <a:t>) {</a:t>
-            </a:r>
-          </a:p>
-          <a:p>
-            <a:r>
-              <a:rPr lang="en-US" altLang="zh-CN" dirty="0"/>
-              <a:t>        </a:t>
-            </a:r>
-            <a:r>
-              <a:rPr lang="en-US" altLang="zh-CN" dirty="0" err="1"/>
-              <a:t>cout</a:t>
-            </a:r>
-            <a:r>
-              <a:rPr lang="en-US" altLang="zh-CN" dirty="0"/>
-              <a:t> &lt;&lt; num[</a:t>
-            </a:r>
-            <a:r>
-              <a:rPr lang="en-US" altLang="zh-CN" dirty="0" err="1"/>
-              <a:t>i</a:t>
-            </a:r>
-            <a:r>
-              <a:rPr lang="en-US" altLang="zh-CN" dirty="0"/>
-              <a:t>] &lt;&lt; ' ' &lt;&lt; </a:t>
-            </a:r>
-            <a:r>
-              <a:rPr lang="en-US" altLang="zh-CN" dirty="0" err="1"/>
-              <a:t>ans</a:t>
-            </a:r>
-            <a:r>
-              <a:rPr lang="en-US" altLang="zh-CN" dirty="0"/>
-              <a:t>[</a:t>
-            </a:r>
-            <a:r>
-              <a:rPr lang="en-US" altLang="zh-CN" dirty="0" err="1"/>
-              <a:t>i</a:t>
-            </a:r>
-            <a:r>
-              <a:rPr lang="en-US" altLang="zh-CN" dirty="0"/>
-              <a:t>] &lt;&lt; </a:t>
-            </a:r>
-            <a:r>
-              <a:rPr lang="en-US" altLang="zh-CN" dirty="0" err="1"/>
-              <a:t>endl</a:t>
-            </a:r>
-            <a:r>
-              <a:rPr lang="en-US" altLang="zh-CN" dirty="0"/>
-              <a:t>;</a:t>
-            </a:r>
-          </a:p>
-          <a:p>
-            <a:r>
-              <a:rPr lang="en-US" altLang="zh-CN" dirty="0"/>
-              <a:t>    }</a:t>
-            </a:r>
-          </a:p>
-          <a:p>
-            <a:r>
-              <a:rPr lang="en-US" altLang="zh-CN" dirty="0"/>
-              <a:t>    </a:t>
-            </a:r>
-            <a:r>
-              <a:rPr lang="en-US" altLang="zh-CN" dirty="0" err="1"/>
-              <a:t>cout</a:t>
-            </a:r>
-            <a:r>
-              <a:rPr lang="en-US" altLang="zh-CN" dirty="0"/>
-              <a:t> &lt;&lt; </a:t>
-            </a:r>
-            <a:r>
-              <a:rPr lang="en-US" altLang="zh-CN" dirty="0" err="1"/>
-              <a:t>endl</a:t>
-            </a:r>
-            <a:r>
-              <a:rPr lang="en-US" altLang="zh-CN" dirty="0"/>
-              <a:t>;</a:t>
-            </a:r>
-          </a:p>
-          <a:p>
-            <a:r>
-              <a:rPr lang="en-US" altLang="zh-CN" dirty="0"/>
-              <a:t>}</a:t>
-            </a:r>
-          </a:p>
-          <a:p>
-            <a:endParaRPr lang="zh-CN" altLang="en-US" dirty="0"/>
-          </a:p>
-        </p:txBody>
-      </p:sp>
-      <p:sp>
-        <p:nvSpPr>
-          <p:cNvPr id="4" name="文本框 3">
-            <a:extLst>
-              <a:ext uri="{FF2B5EF4-FFF2-40B4-BE49-F238E27FC236}">
-                <a16:creationId xmlns:a16="http://schemas.microsoft.com/office/drawing/2014/main" id="{1152D09C-9A82-F796-FD43-C9723AFF8043}"/>
-              </a:ext>
-            </a:extLst>
-          </p:cNvPr>
-          <p:cNvSpPr txBox="1"/>
-          <p:nvPr/>
-        </p:nvSpPr>
-        <p:spPr>
-          <a:xfrm>
-            <a:off x="9119937" y="1690688"/>
-            <a:ext cx="2442410" cy="1938992"/>
-          </a:xfrm>
-          <a:prstGeom prst="rect">
-            <a:avLst/>
-          </a:prstGeom>
-          <a:noFill/>
-        </p:spPr>
-        <p:txBody>
-          <a:bodyPr wrap="square" rtlCol="0">
-            <a:spAutoFit/>
-          </a:bodyPr>
-          <a:lstStyle/>
-          <a:p>
-            <a:r>
-              <a:rPr lang="zh-CN" altLang="en-US" sz="2400" dirty="0"/>
-              <a:t>使用</a:t>
-            </a:r>
-            <a:r>
-              <a:rPr lang="en-US" altLang="zh-CN" sz="2400" dirty="0"/>
-              <a:t>DFS</a:t>
-            </a:r>
-            <a:r>
-              <a:rPr lang="zh-CN" altLang="en-US" sz="2400" dirty="0"/>
-              <a:t>生成编码。</a:t>
-            </a:r>
-            <a:r>
-              <a:rPr lang="en-US" altLang="zh-CN" sz="2400" dirty="0" err="1"/>
-              <a:t>dfs</a:t>
-            </a:r>
-            <a:r>
-              <a:rPr lang="en-US" altLang="zh-CN" sz="2400" dirty="0"/>
-              <a:t>() </a:t>
-            </a:r>
-            <a:r>
-              <a:rPr lang="zh-CN" altLang="en-US" sz="2400" dirty="0"/>
-              <a:t>函数递归地遍历霍夫曼树，为每个叶子节点分配编码。</a:t>
+              <a:rPr lang="zh-CN" altLang="en-US" dirty="0"/>
+              <a:t>统计字符频率</a:t>
+            </a:r>
+            <a:endParaRPr lang="en-US" altLang="zh-CN" dirty="0"/>
+          </a:p>
+          <a:p>
+            <a:r>
+              <a:rPr lang="zh-CN" altLang="en-US" dirty="0"/>
+              <a:t>构建哈夫曼树</a:t>
+            </a:r>
+            <a:endParaRPr lang="en-US" altLang="zh-CN" dirty="0"/>
+          </a:p>
+          <a:p>
+            <a:r>
+              <a:rPr lang="zh-CN" altLang="en-US" dirty="0"/>
+              <a:t>生成哈夫曼编码，利用递归遍历从根到叶节点：递归过程中，沿左子树方向追加编码 </a:t>
+            </a:r>
+            <a:r>
+              <a:rPr lang="en-US" altLang="zh-CN" dirty="0"/>
+              <a:t>0</a:t>
+            </a:r>
+            <a:r>
+              <a:rPr lang="zh-CN" altLang="en-US" dirty="0"/>
+              <a:t>，沿右子树方向追加编码 </a:t>
+            </a:r>
+            <a:r>
+              <a:rPr lang="en-US" altLang="zh-CN" dirty="0"/>
+              <a:t>1</a:t>
+            </a:r>
+            <a:r>
+              <a:rPr lang="zh-CN" altLang="en-US" dirty="0"/>
+              <a:t>。每到一个叶节点，将累积的路径编码存储为该字符的哈夫曼编码。</a:t>
+            </a:r>
+            <a:endParaRPr lang="en-US" altLang="zh-CN" dirty="0"/>
+          </a:p>
+          <a:p>
+            <a:r>
+              <a:rPr lang="zh-CN" altLang="en-US" dirty="0"/>
+              <a:t>编码字符串</a:t>
             </a:r>
           </a:p>
         </p:txBody>
@@ -5908,7 +5897,7 @@
     </p:spTree>
     <p:extLst>
       <p:ext uri="{BB962C8B-B14F-4D97-AF65-F5344CB8AC3E}">
-        <p14:creationId xmlns:p14="http://schemas.microsoft.com/office/powerpoint/2010/main" val="185294073"/>
+        <p14:creationId xmlns:p14="http://schemas.microsoft.com/office/powerpoint/2010/main" val="3172200744"/>
       </p:ext>
     </p:extLst>
   </p:cSld>
@@ -6019,12 +6008,6 @@
               <a:t>使用文件进行数据交换</a:t>
             </a:r>
             <a:endParaRPr lang="en-US" altLang="zh-CN" dirty="0"/>
-          </a:p>
-          <a:p>
-            <a:r>
-              <a:rPr lang="zh-CN" altLang="en-US" dirty="0"/>
-              <a:t>逐步展示过程</a:t>
-            </a:r>
           </a:p>
         </p:txBody>
       </p:sp>
@@ -6063,7 +6046,7 @@
           <p:cNvPr id="2" name="标题 1">
             <a:extLst>
               <a:ext uri="{FF2B5EF4-FFF2-40B4-BE49-F238E27FC236}">
-                <a16:creationId xmlns:a16="http://schemas.microsoft.com/office/drawing/2014/main" id="{28B742F4-BA97-9D81-7EA3-AE105A6030BC}"/>
+                <a16:creationId xmlns:a16="http://schemas.microsoft.com/office/drawing/2014/main" id="{A1D02C8E-A9BA-5149-C8ED-4022049DB219}"/>
               </a:ext>
             </a:extLst>
           </p:cNvPr>
@@ -6081,7 +6064,7 @@
           <a:p>
             <a:r>
               <a:rPr lang="zh-CN" altLang="en-US" dirty="0"/>
-              <a:t>从子叶到根逆向求每个字符</a:t>
+              <a:t>从叶到根生成哈夫曼编码</a:t>
             </a:r>
           </a:p>
         </p:txBody>
@@ -6091,7 +6074,7 @@
           <p:cNvPr id="3" name="内容占位符 2">
             <a:extLst>
               <a:ext uri="{FF2B5EF4-FFF2-40B4-BE49-F238E27FC236}">
-                <a16:creationId xmlns:a16="http://schemas.microsoft.com/office/drawing/2014/main" id="{653F369D-CF5D-BDAA-6145-97DD02760464}"/>
+                <a16:creationId xmlns:a16="http://schemas.microsoft.com/office/drawing/2014/main" id="{9FA520DA-96F0-FE40-8FEB-0DA74B108909}"/>
               </a:ext>
             </a:extLst>
           </p:cNvPr>
@@ -6104,106 +6087,50 @@
         </p:nvSpPr>
         <p:spPr/>
         <p:txBody>
-          <a:bodyPr>
-            <a:normAutofit/>
-          </a:bodyPr>
-          <a:lstStyle/>
-          <a:p>
-            <a:r>
-              <a:rPr lang="en-US" altLang="zh-CN" dirty="0"/>
-              <a:t>struct </a:t>
-            </a:r>
-            <a:r>
-              <a:rPr lang="en-US" altLang="zh-CN" dirty="0" err="1"/>
-              <a:t>HuffmanNode</a:t>
+          <a:bodyPr/>
+          <a:lstStyle/>
+          <a:p>
+            <a:r>
+              <a:rPr lang="zh-CN" altLang="en-US" dirty="0"/>
+              <a:t>统计字符频率</a:t>
             </a:r>
             <a:endParaRPr lang="en-US" altLang="zh-CN" dirty="0"/>
           </a:p>
           <a:p>
             <a:r>
-              <a:rPr lang="en-US" altLang="zh-CN" dirty="0"/>
-              <a:t>{</a:t>
-            </a:r>
-          </a:p>
-          <a:p>
-            <a:r>
-              <a:rPr lang="en-US" altLang="zh-CN" dirty="0"/>
-              <a:t>    char </a:t>
-            </a:r>
-            <a:r>
-              <a:rPr lang="en-US" altLang="zh-CN" dirty="0" err="1"/>
-              <a:t>ch</a:t>
-            </a:r>
-            <a:r>
-              <a:rPr lang="en-US" altLang="zh-CN" dirty="0"/>
-              <a:t>;                // </a:t>
-            </a:r>
-            <a:r>
               <a:rPr lang="zh-CN" altLang="en-US" dirty="0"/>
-              <a:t>该节点代表的字符</a:t>
-            </a:r>
+              <a:t>构建哈夫曼树</a:t>
+            </a:r>
+            <a:endParaRPr lang="en-US" altLang="zh-CN" dirty="0"/>
           </a:p>
           <a:p>
             <a:r>
               <a:rPr lang="zh-CN" altLang="en-US" dirty="0"/>
-              <a:t>    </a:t>
-            </a:r>
-            <a:r>
-              <a:rPr lang="en-US" altLang="zh-CN" dirty="0"/>
-              <a:t>int </a:t>
-            </a:r>
-            <a:r>
-              <a:rPr lang="en-US" altLang="zh-CN" dirty="0" err="1"/>
-              <a:t>freq</a:t>
-            </a:r>
-            <a:r>
-              <a:rPr lang="en-US" altLang="zh-CN" dirty="0"/>
-              <a:t>;               // </a:t>
+              <a:t>借助一个栈进行深度优先遍历。初始时，将根节点压入栈，同时记录空路径。每次从栈中取出节点，检查其是否为叶节点：如果是叶节点，则将累积的路径编码反转后存储（因为路径从叶到根生成）。如果不是叶节点，将其左右子节点压入栈，同时更新路径（左子节点追加 </a:t>
+            </a:r>
+            <a:r>
+              <a:rPr lang="en-US" altLang="zh-CN" dirty="0"/>
+              <a:t>0</a:t>
             </a:r>
             <a:r>
               <a:rPr lang="zh-CN" altLang="en-US" dirty="0"/>
-              <a:t>该节点的频率</a:t>
-            </a:r>
-          </a:p>
-          <a:p>
+              <a:t>，右子节点追加 </a:t>
+            </a:r>
+            <a:r>
+              <a:rPr lang="en-US" altLang="zh-CN" dirty="0"/>
+              <a:t>1</a:t>
+            </a:r>
             <a:r>
               <a:rPr lang="zh-CN" altLang="en-US" dirty="0"/>
-              <a:t>    </a:t>
-            </a:r>
-            <a:r>
-              <a:rPr lang="en-US" altLang="zh-CN" dirty="0" err="1"/>
-              <a:t>HuffmanNode</a:t>
-            </a:r>
-            <a:r>
-              <a:rPr lang="en-US" altLang="zh-CN" dirty="0"/>
-              <a:t> *left, *right; // </a:t>
-            </a:r>
-            <a:r>
-              <a:rPr lang="zh-CN" altLang="en-US" dirty="0"/>
-              <a:t>左右子树</a:t>
-            </a:r>
-          </a:p>
-          <a:p>
-            <a:pPr marL="0" indent="0">
-              <a:buNone/>
-            </a:pPr>
-            <a:endParaRPr lang="zh-CN" altLang="en-US" dirty="0"/>
-          </a:p>
-          <a:p>
-            <a:r>
-              <a:rPr lang="en-US" altLang="zh-CN" dirty="0"/>
-              <a:t>};</a:t>
-            </a:r>
-          </a:p>
-          <a:p>
-            <a:endParaRPr lang="zh-CN" altLang="en-US" dirty="0"/>
+              <a:t>）。</a:t>
+            </a:r>
           </a:p>
         </p:txBody>
       </p:sp>
     </p:spTree>
     <p:extLst>
       <p:ext uri="{BB962C8B-B14F-4D97-AF65-F5344CB8AC3E}">
-        <p14:creationId xmlns:p14="http://schemas.microsoft.com/office/powerpoint/2010/main" val="1589401384"/>
+        <p14:creationId xmlns:p14="http://schemas.microsoft.com/office/powerpoint/2010/main" val="3389918634"/>
       </p:ext>
     </p:extLst>
   </p:cSld>
@@ -6235,7 +6162,7 @@
           <p:cNvPr id="2" name="标题 1">
             <a:extLst>
               <a:ext uri="{FF2B5EF4-FFF2-40B4-BE49-F238E27FC236}">
-                <a16:creationId xmlns:a16="http://schemas.microsoft.com/office/drawing/2014/main" id="{D52F9EBB-1956-DFF4-82D9-D067DE3BE9D9}"/>
+                <a16:creationId xmlns:a16="http://schemas.microsoft.com/office/drawing/2014/main" id="{28B742F4-BA97-9D81-7EA3-AE105A6030BC}"/>
               </a:ext>
             </a:extLst>
           </p:cNvPr>
@@ -6263,7 +6190,7 @@
           <p:cNvPr id="3" name="内容占位符 2">
             <a:extLst>
               <a:ext uri="{FF2B5EF4-FFF2-40B4-BE49-F238E27FC236}">
-                <a16:creationId xmlns:a16="http://schemas.microsoft.com/office/drawing/2014/main" id="{54704E6B-1A6A-F89F-1E76-986CA49A67B4}"/>
+                <a16:creationId xmlns:a16="http://schemas.microsoft.com/office/drawing/2014/main" id="{653F369D-CF5D-BDAA-6145-97DD02760464}"/>
               </a:ext>
             </a:extLst>
           </p:cNvPr>
@@ -6283,104 +6210,99 @@
           <a:p>
             <a:r>
               <a:rPr lang="en-US" altLang="zh-CN" dirty="0"/>
-              <a:t>void </a:t>
-            </a:r>
-            <a:r>
-              <a:rPr lang="en-US" altLang="zh-CN" dirty="0" err="1"/>
-              <a:t>generateCodes</a:t>
-            </a:r>
-            <a:r>
-              <a:rPr lang="en-US" altLang="zh-CN" dirty="0"/>
-              <a:t>(</a:t>
+              <a:t>struct </a:t>
             </a:r>
             <a:r>
               <a:rPr lang="en-US" altLang="zh-CN" dirty="0" err="1"/>
               <a:t>HuffmanNode</a:t>
             </a:r>
-            <a:r>
-              <a:rPr lang="en-US" altLang="zh-CN" dirty="0"/>
-              <a:t> *root, const char *code, char </a:t>
-            </a:r>
-            <a:r>
-              <a:rPr lang="en-US" altLang="zh-CN" dirty="0" err="1"/>
-              <a:t>huffmanCodes</a:t>
-            </a:r>
-            <a:r>
-              <a:rPr lang="en-US" altLang="zh-CN" dirty="0"/>
-              <a:t>[256][256])</a:t>
-            </a:r>
-          </a:p>
-          <a:p>
+            <a:endParaRPr lang="en-US" altLang="zh-CN" dirty="0"/>
+          </a:p>
+          <a:p>
+            <a:r>
+              <a:rPr lang="en-US" altLang="zh-CN" dirty="0"/>
+              <a:t>{</a:t>
+            </a:r>
+          </a:p>
+          <a:p>
+            <a:r>
+              <a:rPr lang="en-US" altLang="zh-CN" dirty="0"/>
+              <a:t>    char </a:t>
+            </a:r>
+            <a:r>
+              <a:rPr lang="en-US" altLang="zh-CN" dirty="0" err="1"/>
+              <a:t>ch</a:t>
+            </a:r>
+            <a:r>
+              <a:rPr lang="en-US" altLang="zh-CN" dirty="0"/>
+              <a:t>;                // </a:t>
+            </a:r>
             <a:r>
               <a:rPr lang="zh-CN" altLang="en-US" dirty="0"/>
-              <a:t>它的作用是遍历哈夫曼树，将每个字符的编码存储到 </a:t>
-            </a:r>
-            <a:r>
-              <a:rPr lang="en-US" altLang="zh-CN" dirty="0" err="1"/>
-              <a:t>huffmanCodes</a:t>
-            </a:r>
-            <a:r>
-              <a:rPr lang="en-US" altLang="zh-CN" dirty="0"/>
-              <a:t> </a:t>
-            </a:r>
+              <a:t>该节点代表的字符</a:t>
+            </a:r>
+          </a:p>
+          <a:p>
             <a:r>
               <a:rPr lang="zh-CN" altLang="en-US" dirty="0"/>
-              <a:t>数组中。这个数组的下标对应字符的 </a:t>
-            </a:r>
-            <a:r>
-              <a:rPr lang="en-US" altLang="zh-CN" dirty="0"/>
-              <a:t>ASCII </a:t>
+              <a:t>    </a:t>
+            </a:r>
+            <a:r>
+              <a:rPr lang="en-US" altLang="zh-CN" dirty="0"/>
+              <a:t>int </a:t>
+            </a:r>
+            <a:r>
+              <a:rPr lang="en-US" altLang="zh-CN" dirty="0" err="1"/>
+              <a:t>freq</a:t>
+            </a:r>
+            <a:r>
+              <a:rPr lang="en-US" altLang="zh-CN" dirty="0"/>
+              <a:t>;               // </a:t>
             </a:r>
             <a:r>
               <a:rPr lang="zh-CN" altLang="en-US" dirty="0"/>
-              <a:t>值，而每个位置保存的是该字符的哈夫曼编码</a:t>
-            </a:r>
-            <a:endParaRPr lang="en-US" altLang="zh-CN" dirty="0"/>
-          </a:p>
-          <a:p>
+              <a:t>该节点的频率</a:t>
+            </a:r>
+          </a:p>
+          <a:p>
+            <a:r>
+              <a:rPr lang="zh-CN" altLang="en-US" dirty="0"/>
+              <a:t>    </a:t>
+            </a:r>
             <a:r>
               <a:rPr lang="en-US" altLang="zh-CN" dirty="0" err="1"/>
               <a:t>HuffmanNode</a:t>
             </a:r>
             <a:r>
               <a:rPr lang="en-US" altLang="zh-CN" dirty="0"/>
-              <a:t> *root: </a:t>
+              <a:t> *left, *right; // </a:t>
             </a:r>
             <a:r>
               <a:rPr lang="zh-CN" altLang="en-US" dirty="0"/>
-              <a:t>当前递归遍历的哈夫曼树节点</a:t>
-            </a:r>
-            <a:endParaRPr lang="en-US" altLang="zh-CN" dirty="0"/>
-          </a:p>
-          <a:p>
-            <a:r>
-              <a:rPr lang="en-US" altLang="zh-CN" dirty="0"/>
-              <a:t>const char *code </a:t>
-            </a:r>
-            <a:r>
-              <a:rPr lang="zh-CN" altLang="en-US" dirty="0"/>
-              <a:t>是 </a:t>
-            </a:r>
-            <a:r>
-              <a:rPr lang="en-US" altLang="zh-CN" dirty="0" err="1"/>
-              <a:t>generateCodes</a:t>
-            </a:r>
-            <a:r>
-              <a:rPr lang="en-US" altLang="zh-CN" dirty="0"/>
-              <a:t> </a:t>
-            </a:r>
-            <a:r>
-              <a:rPr lang="zh-CN" altLang="en-US" dirty="0"/>
-              <a:t>函数的一个参数，它表示当前节点的哈夫曼编码路径。</a:t>
-            </a:r>
-            <a:endParaRPr lang="en-US" altLang="zh-CN" dirty="0"/>
+              <a:t>左右子树</a:t>
+            </a:r>
+          </a:p>
+          <a:p>
+            <a:pPr marL="0" indent="0">
+              <a:buNone/>
+            </a:pPr>
+            <a:endParaRPr lang="zh-CN" altLang="en-US" dirty="0"/>
+          </a:p>
+          <a:p>
+            <a:r>
+              <a:rPr lang="en-US" altLang="zh-CN" dirty="0"/>
+              <a:t>};</a:t>
+            </a:r>
+          </a:p>
+          <a:p>
+            <a:endParaRPr lang="zh-CN" altLang="en-US" dirty="0"/>
           </a:p>
         </p:txBody>
       </p:sp>
     </p:spTree>
     <p:extLst>
       <p:ext uri="{BB962C8B-B14F-4D97-AF65-F5344CB8AC3E}">
-        <p14:creationId xmlns:p14="http://schemas.microsoft.com/office/powerpoint/2010/main" val="1813374860"/>
+        <p14:creationId xmlns:p14="http://schemas.microsoft.com/office/powerpoint/2010/main" val="1589401384"/>
       </p:ext>
     </p:extLst>
   </p:cSld>
@@ -6412,7 +6334,7 @@
           <p:cNvPr id="2" name="标题 1">
             <a:extLst>
               <a:ext uri="{FF2B5EF4-FFF2-40B4-BE49-F238E27FC236}">
-                <a16:creationId xmlns:a16="http://schemas.microsoft.com/office/drawing/2014/main" id="{5CBAC0AA-678A-829C-D586-BBFF942A1265}"/>
+                <a16:creationId xmlns:a16="http://schemas.microsoft.com/office/drawing/2014/main" id="{D52F9EBB-1956-DFF4-82D9-D067DE3BE9D9}"/>
               </a:ext>
             </a:extLst>
           </p:cNvPr>
@@ -6430,7 +6352,7 @@
           <a:p>
             <a:r>
               <a:rPr lang="zh-CN" altLang="en-US" dirty="0"/>
-              <a:t>递归遍历左、右子树</a:t>
+              <a:t>从子叶到根逆向求每个字符</a:t>
             </a:r>
           </a:p>
         </p:txBody>
@@ -6440,7 +6362,7 @@
           <p:cNvPr id="3" name="内容占位符 2">
             <a:extLst>
               <a:ext uri="{FF2B5EF4-FFF2-40B4-BE49-F238E27FC236}">
-                <a16:creationId xmlns:a16="http://schemas.microsoft.com/office/drawing/2014/main" id="{50757C5E-11F7-E62A-057A-8C7F7B551026}"/>
+                <a16:creationId xmlns:a16="http://schemas.microsoft.com/office/drawing/2014/main" id="{54704E6B-1A6A-F89F-1E76-986CA49A67B4}"/>
               </a:ext>
             </a:extLst>
           </p:cNvPr>
@@ -6453,34 +6375,18 @@
         </p:nvSpPr>
         <p:spPr/>
         <p:txBody>
-          <a:bodyPr/>
-          <a:lstStyle/>
-          <a:p>
-            <a:r>
-              <a:rPr lang="en-US" altLang="zh-CN" dirty="0"/>
-              <a:t>char </a:t>
-            </a:r>
-            <a:r>
-              <a:rPr lang="en-US" altLang="zh-CN" dirty="0" err="1"/>
-              <a:t>leftCode</a:t>
-            </a:r>
-            <a:r>
-              <a:rPr lang="en-US" altLang="zh-CN" dirty="0"/>
-              <a:t>[256], </a:t>
-            </a:r>
-            <a:r>
-              <a:rPr lang="en-US" altLang="zh-CN" dirty="0" err="1"/>
-              <a:t>rightCode</a:t>
-            </a:r>
-            <a:r>
-              <a:rPr lang="en-US" altLang="zh-CN" dirty="0"/>
-              <a:t>[256];</a:t>
-            </a:r>
-          </a:p>
-          <a:p>
-            <a:r>
-              <a:rPr lang="en-US" altLang="zh-CN" dirty="0" err="1"/>
-              <a:t>strcpy</a:t>
+          <a:bodyPr>
+            <a:normAutofit/>
+          </a:bodyPr>
+          <a:lstStyle/>
+          <a:p>
+            <a:r>
+              <a:rPr lang="en-US" altLang="zh-CN" dirty="0"/>
+              <a:t>void </a:t>
+            </a:r>
+            <a:r>
+              <a:rPr lang="en-US" altLang="zh-CN" dirty="0" err="1"/>
+              <a:t>generateCodes</a:t>
             </a:r>
             <a:r>
               <a:rPr lang="en-US" altLang="zh-CN" dirty="0"/>
@@ -6488,125 +6394,92 @@
             </a:r>
             <a:r>
               <a:rPr lang="en-US" altLang="zh-CN" dirty="0" err="1"/>
-              <a:t>leftCode</a:t>
-            </a:r>
-            <a:r>
-              <a:rPr lang="en-US" altLang="zh-CN" dirty="0"/>
-              <a:t>, code);</a:t>
-            </a:r>
-          </a:p>
-          <a:p>
-            <a:r>
-              <a:rPr lang="en-US" altLang="zh-CN" dirty="0" err="1"/>
-              <a:t>strcat</a:t>
-            </a:r>
-            <a:r>
-              <a:rPr lang="en-US" altLang="zh-CN" dirty="0"/>
-              <a:t>(</a:t>
-            </a:r>
-            <a:r>
-              <a:rPr lang="en-US" altLang="zh-CN" dirty="0" err="1"/>
-              <a:t>leftCode</a:t>
-            </a:r>
-            <a:r>
-              <a:rPr lang="en-US" altLang="zh-CN" dirty="0"/>
-              <a:t>, "0");</a:t>
-            </a:r>
-          </a:p>
-          <a:p>
+              <a:t>HuffmanNode</a:t>
+            </a:r>
+            <a:r>
+              <a:rPr lang="en-US" altLang="zh-CN" dirty="0"/>
+              <a:t> *root, const char *code, char </a:t>
+            </a:r>
+            <a:r>
+              <a:rPr lang="en-US" altLang="zh-CN" dirty="0" err="1"/>
+              <a:t>huffmanCodes</a:t>
+            </a:r>
+            <a:r>
+              <a:rPr lang="en-US" altLang="zh-CN" dirty="0"/>
+              <a:t>[256][256])</a:t>
+            </a:r>
+          </a:p>
+          <a:p>
+            <a:r>
+              <a:rPr lang="zh-CN" altLang="en-US" dirty="0"/>
+              <a:t>它的作用是遍历哈夫曼树，将每个字符的编码存储到 </a:t>
+            </a:r>
+            <a:r>
+              <a:rPr lang="en-US" altLang="zh-CN" dirty="0" err="1"/>
+              <a:t>huffmanCodes</a:t>
+            </a:r>
+            <a:r>
+              <a:rPr lang="en-US" altLang="zh-CN" dirty="0"/>
+              <a:t> </a:t>
+            </a:r>
+            <a:r>
+              <a:rPr lang="zh-CN" altLang="en-US" dirty="0"/>
+              <a:t>数组中。这个数组的下标对应字符的 </a:t>
+            </a:r>
+            <a:r>
+              <a:rPr lang="en-US" altLang="zh-CN" dirty="0"/>
+              <a:t>ASCII </a:t>
+            </a:r>
+            <a:r>
+              <a:rPr lang="zh-CN" altLang="en-US" dirty="0"/>
+              <a:t>值，而每个位置保存的是该字符的哈夫曼编码</a:t>
+            </a:r>
+            <a:endParaRPr lang="en-US" altLang="zh-CN" dirty="0"/>
+          </a:p>
+          <a:p>
+            <a:r>
+              <a:rPr lang="en-US" altLang="zh-CN" dirty="0" err="1"/>
+              <a:t>HuffmanNode</a:t>
+            </a:r>
+            <a:r>
+              <a:rPr lang="en-US" altLang="zh-CN" dirty="0"/>
+              <a:t> *root: </a:t>
+            </a:r>
+            <a:r>
+              <a:rPr lang="zh-CN" altLang="en-US" dirty="0"/>
+              <a:t>当前递归遍历的哈夫曼树节点</a:t>
+            </a:r>
+            <a:endParaRPr lang="en-US" altLang="zh-CN" dirty="0"/>
+          </a:p>
+          <a:p>
+            <a:r>
+              <a:rPr lang="en-US" altLang="zh-CN" dirty="0"/>
+              <a:t>const char *code </a:t>
+            </a:r>
+            <a:r>
+              <a:rPr lang="zh-CN" altLang="en-US" dirty="0"/>
+              <a:t>是 </a:t>
+            </a:r>
             <a:r>
               <a:rPr lang="en-US" altLang="zh-CN" dirty="0" err="1"/>
               <a:t>generateCodes</a:t>
             </a:r>
             <a:r>
               <a:rPr lang="en-US" altLang="zh-CN" dirty="0"/>
-              <a:t>(root-&gt;left, </a:t>
-            </a:r>
-            <a:r>
-              <a:rPr lang="en-US" altLang="zh-CN" dirty="0" err="1"/>
-              <a:t>leftCode</a:t>
-            </a:r>
-            <a:r>
-              <a:rPr lang="en-US" altLang="zh-CN" dirty="0"/>
-              <a:t>, </a:t>
-            </a:r>
-            <a:r>
-              <a:rPr lang="en-US" altLang="zh-CN" dirty="0" err="1"/>
-              <a:t>huffmanCodes</a:t>
-            </a:r>
-            <a:r>
-              <a:rPr lang="en-US" altLang="zh-CN" dirty="0"/>
-              <a:t>);</a:t>
-            </a:r>
-          </a:p>
-          <a:p>
-            <a:r>
-              <a:rPr lang="en-US" altLang="zh-CN" dirty="0" err="1"/>
-              <a:t>strcpy</a:t>
-            </a:r>
-            <a:r>
-              <a:rPr lang="en-US" altLang="zh-CN" dirty="0"/>
-              <a:t>(</a:t>
-            </a:r>
-            <a:r>
-              <a:rPr lang="en-US" altLang="zh-CN" dirty="0" err="1"/>
-              <a:t>rightCode</a:t>
-            </a:r>
-            <a:r>
-              <a:rPr lang="en-US" altLang="zh-CN" dirty="0"/>
-              <a:t>, code);</a:t>
-            </a:r>
-          </a:p>
-          <a:p>
-            <a:r>
-              <a:rPr lang="en-US" altLang="zh-CN" dirty="0" err="1"/>
-              <a:t>strcat</a:t>
-            </a:r>
-            <a:r>
-              <a:rPr lang="en-US" altLang="zh-CN" dirty="0"/>
-              <a:t>(</a:t>
-            </a:r>
-            <a:r>
-              <a:rPr lang="en-US" altLang="zh-CN" dirty="0" err="1"/>
-              <a:t>rightCode</a:t>
-            </a:r>
-            <a:r>
-              <a:rPr lang="en-US" altLang="zh-CN" dirty="0"/>
-              <a:t>, "1");</a:t>
-            </a:r>
-          </a:p>
-          <a:p>
-            <a:r>
-              <a:rPr lang="en-US" altLang="zh-CN" dirty="0" err="1"/>
-              <a:t>generateCodes</a:t>
-            </a:r>
-            <a:r>
-              <a:rPr lang="en-US" altLang="zh-CN" dirty="0"/>
-              <a:t>(root-&gt;right, </a:t>
-            </a:r>
-            <a:r>
-              <a:rPr lang="en-US" altLang="zh-CN" dirty="0" err="1"/>
-              <a:t>rightCode</a:t>
-            </a:r>
-            <a:r>
-              <a:rPr lang="en-US" altLang="zh-CN" dirty="0"/>
-              <a:t>, </a:t>
-            </a:r>
-            <a:r>
-              <a:rPr lang="en-US" altLang="zh-CN" dirty="0" err="1"/>
-              <a:t>huffmanCodes</a:t>
-            </a:r>
-            <a:r>
-              <a:rPr lang="en-US" altLang="zh-CN" dirty="0"/>
-              <a:t>);</a:t>
-            </a:r>
+              <a:t> </a:t>
+            </a:r>
+            <a:r>
+              <a:rPr lang="zh-CN" altLang="en-US" dirty="0"/>
+              <a:t>函数的一个参数，它表示当前节点的哈夫曼编码路径。</a:t>
+            </a:r>
+            <a:endParaRPr lang="en-US" altLang="zh-CN" dirty="0"/>
           </a:p>
         </p:txBody>
       </p:sp>
     </p:spTree>
     <p:extLst>
       <p:ext uri="{BB962C8B-B14F-4D97-AF65-F5344CB8AC3E}">
-        <p14:creationId xmlns:p14="http://schemas.microsoft.com/office/powerpoint/2010/main" val="3857842976"/>
+        <p14:creationId xmlns:p14="http://schemas.microsoft.com/office/powerpoint/2010/main" val="1813374860"/>
       </p:ext>
     </p:extLst>
   </p:cSld>
@@ -6638,7 +6511,7 @@
           <p:cNvPr id="2" name="标题 1">
             <a:extLst>
               <a:ext uri="{FF2B5EF4-FFF2-40B4-BE49-F238E27FC236}">
-                <a16:creationId xmlns:a16="http://schemas.microsoft.com/office/drawing/2014/main" id="{8C1BA24A-F1A7-9940-F4FD-BC6322BF0DB3}"/>
+                <a16:creationId xmlns:a16="http://schemas.microsoft.com/office/drawing/2014/main" id="{5CBAC0AA-678A-829C-D586-BBFF942A1265}"/>
               </a:ext>
             </a:extLst>
           </p:cNvPr>
@@ -6656,7 +6529,7 @@
           <a:p>
             <a:r>
               <a:rPr lang="zh-CN" altLang="en-US" dirty="0"/>
-              <a:t>从子叶到根逆向求每个字符</a:t>
+              <a:t>递归遍历左、右子树</a:t>
             </a:r>
           </a:p>
         </p:txBody>
@@ -6666,7 +6539,7 @@
           <p:cNvPr id="3" name="内容占位符 2">
             <a:extLst>
               <a:ext uri="{FF2B5EF4-FFF2-40B4-BE49-F238E27FC236}">
-                <a16:creationId xmlns:a16="http://schemas.microsoft.com/office/drawing/2014/main" id="{5FCBD7C5-1EA4-3E81-2872-A2C69B78ACA8}"/>
+                <a16:creationId xmlns:a16="http://schemas.microsoft.com/office/drawing/2014/main" id="{50757C5E-11F7-E62A-057A-8C7F7B551026}"/>
               </a:ext>
             </a:extLst>
           </p:cNvPr>
@@ -6677,40 +6550,33 @@
             <p:ph idx="1"/>
           </p:nvPr>
         </p:nvSpPr>
-        <p:spPr>
-          <a:xfrm>
-            <a:off x="838200" y="1825624"/>
-            <a:ext cx="5406189" cy="4755649"/>
-          </a:xfrm>
-        </p:spPr>
+        <p:spPr/>
         <p:txBody>
           <a:bodyPr/>
           <a:lstStyle/>
           <a:p>
             <a:r>
               <a:rPr lang="en-US" altLang="zh-CN" dirty="0"/>
-              <a:t>if (root-&gt;</a:t>
-            </a:r>
-            <a:r>
-              <a:rPr lang="en-US" altLang="zh-CN" dirty="0" err="1"/>
-              <a:t>ch</a:t>
-            </a:r>
-            <a:r>
-              <a:rPr lang="en-US" altLang="zh-CN" dirty="0"/>
-              <a:t> != 0)</a:t>
-            </a:r>
-          </a:p>
-          <a:p>
-            <a:r>
-              <a:rPr lang="en-US" altLang="zh-CN" dirty="0"/>
-              <a:t>{ </a:t>
-            </a:r>
-          </a:p>
-          <a:p>
-            <a:r>
-              <a:rPr lang="en-US" altLang="zh-CN" dirty="0"/>
-              <a:t>    </a:t>
-            </a:r>
+              <a:t>char </a:t>
+            </a:r>
+            <a:r>
+              <a:rPr lang="en-US" altLang="zh-CN" dirty="0" err="1"/>
+              <a:t>leftCode</a:t>
+            </a:r>
+            <a:r>
+              <a:rPr lang="en-US" altLang="zh-CN" dirty="0"/>
+              <a:t>[256], </a:t>
+            </a:r>
+            <a:r>
+              <a:rPr lang="en-US" altLang="zh-CN" dirty="0" err="1"/>
+              <a:t>rightCode</a:t>
+            </a:r>
+            <a:r>
+              <a:rPr lang="en-US" altLang="zh-CN" dirty="0"/>
+              <a:t>[256];</a:t>
+            </a:r>
+          </a:p>
+          <a:p>
             <a:r>
               <a:rPr lang="en-US" altLang="zh-CN" dirty="0" err="1"/>
               <a:t>strcpy</a:t>
@@ -6721,139 +6587,117 @@
             </a:r>
             <a:r>
               <a:rPr lang="en-US" altLang="zh-CN" dirty="0" err="1"/>
+              <a:t>leftCode</a:t>
+            </a:r>
+            <a:r>
+              <a:rPr lang="en-US" altLang="zh-CN" dirty="0"/>
+              <a:t>, code);</a:t>
+            </a:r>
+          </a:p>
+          <a:p>
+            <a:r>
+              <a:rPr lang="en-US" altLang="zh-CN" dirty="0" err="1"/>
+              <a:t>strcat</a:t>
+            </a:r>
+            <a:r>
+              <a:rPr lang="en-US" altLang="zh-CN" dirty="0"/>
+              <a:t>(</a:t>
+            </a:r>
+            <a:r>
+              <a:rPr lang="en-US" altLang="zh-CN" dirty="0" err="1"/>
+              <a:t>leftCode</a:t>
+            </a:r>
+            <a:r>
+              <a:rPr lang="en-US" altLang="zh-CN" dirty="0"/>
+              <a:t>, "0");</a:t>
+            </a:r>
+          </a:p>
+          <a:p>
+            <a:r>
+              <a:rPr lang="en-US" altLang="zh-CN" dirty="0" err="1"/>
+              <a:t>generateCodes</a:t>
+            </a:r>
+            <a:r>
+              <a:rPr lang="en-US" altLang="zh-CN" dirty="0"/>
+              <a:t>(root-&gt;left, </a:t>
+            </a:r>
+            <a:r>
+              <a:rPr lang="en-US" altLang="zh-CN" dirty="0" err="1"/>
+              <a:t>leftCode</a:t>
+            </a:r>
+            <a:r>
+              <a:rPr lang="en-US" altLang="zh-CN" dirty="0"/>
+              <a:t>, </a:t>
+            </a:r>
+            <a:r>
+              <a:rPr lang="en-US" altLang="zh-CN" dirty="0" err="1"/>
               <a:t>huffmanCodes</a:t>
             </a:r>
             <a:r>
               <a:rPr lang="en-US" altLang="zh-CN" dirty="0"/>
-              <a:t>[root-&gt;</a:t>
-            </a:r>
-            <a:r>
-              <a:rPr lang="en-US" altLang="zh-CN" dirty="0" err="1"/>
-              <a:t>ch</a:t>
-            </a:r>
-            <a:r>
-              <a:rPr lang="en-US" altLang="zh-CN" dirty="0"/>
-              <a:t>], code);</a:t>
-            </a:r>
-          </a:p>
-          <a:p>
-            <a:r>
-              <a:rPr lang="en-US" altLang="zh-CN" dirty="0"/>
-              <a:t>}</a:t>
-            </a:r>
-          </a:p>
-          <a:p>
-            <a:endParaRPr lang="zh-CN" altLang="en-US" dirty="0"/>
-          </a:p>
-        </p:txBody>
-      </p:sp>
-      <p:sp>
-        <p:nvSpPr>
-          <p:cNvPr id="4" name="文本框 3">
-            <a:extLst>
-              <a:ext uri="{FF2B5EF4-FFF2-40B4-BE49-F238E27FC236}">
-                <a16:creationId xmlns:a16="http://schemas.microsoft.com/office/drawing/2014/main" id="{C418F4CE-C2ED-0E24-1171-28702C656684}"/>
-              </a:ext>
-            </a:extLst>
-          </p:cNvPr>
-          <p:cNvSpPr txBox="1"/>
-          <p:nvPr/>
-        </p:nvSpPr>
-        <p:spPr>
-          <a:xfrm>
-            <a:off x="7110663" y="1925053"/>
-            <a:ext cx="4066674" cy="3416320"/>
-          </a:xfrm>
-          <a:prstGeom prst="rect">
-            <a:avLst/>
-          </a:prstGeom>
-          <a:noFill/>
-        </p:spPr>
-        <p:txBody>
-          <a:bodyPr wrap="square" rtlCol="0">
-            <a:spAutoFit/>
-          </a:bodyPr>
-          <a:lstStyle/>
-          <a:p>
-            <a:r>
-              <a:rPr lang="zh-CN" altLang="en-US" sz="2400" dirty="0"/>
-              <a:t>如果当前节点是叶子节点（即 </a:t>
-            </a:r>
-            <a:r>
-              <a:rPr lang="en-US" altLang="zh-CN" sz="2400" dirty="0"/>
-              <a:t>root-&gt;</a:t>
-            </a:r>
-            <a:r>
-              <a:rPr lang="en-US" altLang="zh-CN" sz="2400" dirty="0" err="1"/>
-              <a:t>ch</a:t>
-            </a:r>
-            <a:r>
-              <a:rPr lang="en-US" altLang="zh-CN" sz="2400" dirty="0"/>
-              <a:t> != 0</a:t>
-            </a:r>
-            <a:r>
-              <a:rPr lang="zh-CN" altLang="en-US" sz="2400" dirty="0"/>
-              <a:t>），这意味着该节点代表一个字符。将当前路径 </a:t>
-            </a:r>
-            <a:r>
-              <a:rPr lang="en-US" altLang="zh-CN" sz="2400" dirty="0"/>
-              <a:t>code</a:t>
-            </a:r>
-            <a:r>
-              <a:rPr lang="zh-CN" altLang="en-US" sz="2400" dirty="0"/>
-              <a:t>（即从根到此节点的路径）复制到 </a:t>
-            </a:r>
-            <a:r>
-              <a:rPr lang="en-US" altLang="zh-CN" sz="2400" dirty="0" err="1"/>
+              <a:t>);</a:t>
+            </a:r>
+          </a:p>
+          <a:p>
+            <a:r>
+              <a:rPr lang="en-US" altLang="zh-CN" dirty="0" err="1"/>
+              <a:t>strcpy</a:t>
+            </a:r>
+            <a:r>
+              <a:rPr lang="en-US" altLang="zh-CN" dirty="0"/>
+              <a:t>(</a:t>
+            </a:r>
+            <a:r>
+              <a:rPr lang="en-US" altLang="zh-CN" dirty="0" err="1"/>
+              <a:t>rightCode</a:t>
+            </a:r>
+            <a:r>
+              <a:rPr lang="en-US" altLang="zh-CN" dirty="0"/>
+              <a:t>, code);</a:t>
+            </a:r>
+          </a:p>
+          <a:p>
+            <a:r>
+              <a:rPr lang="en-US" altLang="zh-CN" dirty="0" err="1"/>
+              <a:t>strcat</a:t>
+            </a:r>
+            <a:r>
+              <a:rPr lang="en-US" altLang="zh-CN" dirty="0"/>
+              <a:t>(</a:t>
+            </a:r>
+            <a:r>
+              <a:rPr lang="en-US" altLang="zh-CN" dirty="0" err="1"/>
+              <a:t>rightCode</a:t>
+            </a:r>
+            <a:r>
+              <a:rPr lang="en-US" altLang="zh-CN" dirty="0"/>
+              <a:t>, "1");</a:t>
+            </a:r>
+          </a:p>
+          <a:p>
+            <a:r>
+              <a:rPr lang="en-US" altLang="zh-CN" dirty="0" err="1"/>
+              <a:t>generateCodes</a:t>
+            </a:r>
+            <a:r>
+              <a:rPr lang="en-US" altLang="zh-CN" dirty="0"/>
+              <a:t>(root-&gt;right, </a:t>
+            </a:r>
+            <a:r>
+              <a:rPr lang="en-US" altLang="zh-CN" dirty="0" err="1"/>
+              <a:t>rightCode</a:t>
+            </a:r>
+            <a:r>
+              <a:rPr lang="en-US" altLang="zh-CN" dirty="0"/>
+              <a:t>, </a:t>
+            </a:r>
+            <a:r>
+              <a:rPr lang="en-US" altLang="zh-CN" dirty="0" err="1"/>
               <a:t>huffmanCodes</a:t>
             </a:r>
             <a:r>
-              <a:rPr lang="en-US" altLang="zh-CN" sz="2400" dirty="0"/>
-              <a:t>[root-&gt;</a:t>
-            </a:r>
-            <a:r>
-              <a:rPr lang="en-US" altLang="zh-CN" sz="2400" dirty="0" err="1"/>
-              <a:t>ch</a:t>
-            </a:r>
-            <a:r>
-              <a:rPr lang="en-US" altLang="zh-CN" sz="2400" dirty="0"/>
-              <a:t>] </a:t>
-            </a:r>
-            <a:r>
-              <a:rPr lang="zh-CN" altLang="en-US" sz="2400" dirty="0"/>
-              <a:t>中。这里 </a:t>
-            </a:r>
-            <a:r>
-              <a:rPr lang="en-US" altLang="zh-CN" sz="2400" dirty="0"/>
-              <a:t>root-&gt;</a:t>
-            </a:r>
-            <a:r>
-              <a:rPr lang="en-US" altLang="zh-CN" sz="2400" dirty="0" err="1"/>
-              <a:t>ch</a:t>
-            </a:r>
-            <a:r>
-              <a:rPr lang="en-US" altLang="zh-CN" sz="2400" dirty="0"/>
-              <a:t> </a:t>
-            </a:r>
-            <a:r>
-              <a:rPr lang="zh-CN" altLang="en-US" sz="2400" dirty="0"/>
-              <a:t>是字符的 </a:t>
-            </a:r>
-            <a:r>
-              <a:rPr lang="en-US" altLang="zh-CN" sz="2400" dirty="0"/>
-              <a:t>ASCII </a:t>
-            </a:r>
-            <a:r>
-              <a:rPr lang="zh-CN" altLang="en-US" sz="2400" dirty="0"/>
-              <a:t>值，</a:t>
-            </a:r>
-            <a:r>
-              <a:rPr lang="en-US" altLang="zh-CN" sz="2400" dirty="0"/>
-              <a:t>code </a:t>
-            </a:r>
-            <a:r>
-              <a:rPr lang="zh-CN" altLang="en-US" sz="2400" dirty="0"/>
-              <a:t>是该字符的哈夫曼编码。</a:t>
+              <a:rPr lang="en-US" altLang="zh-CN" dirty="0"/>
+              <a:t>);</a:t>
             </a:r>
           </a:p>
         </p:txBody>
@@ -6861,7 +6705,7 @@
     </p:spTree>
     <p:extLst>
       <p:ext uri="{BB962C8B-B14F-4D97-AF65-F5344CB8AC3E}">
-        <p14:creationId xmlns:p14="http://schemas.microsoft.com/office/powerpoint/2010/main" val="1192132015"/>
+        <p14:creationId xmlns:p14="http://schemas.microsoft.com/office/powerpoint/2010/main" val="3857842976"/>
       </p:ext>
     </p:extLst>
   </p:cSld>
@@ -6893,7 +6737,7 @@
           <p:cNvPr id="2" name="标题 1">
             <a:extLst>
               <a:ext uri="{FF2B5EF4-FFF2-40B4-BE49-F238E27FC236}">
-                <a16:creationId xmlns:a16="http://schemas.microsoft.com/office/drawing/2014/main" id="{5C0FFCBB-06A8-B00D-8533-819CD9204BAB}"/>
+                <a16:creationId xmlns:a16="http://schemas.microsoft.com/office/drawing/2014/main" id="{8C1BA24A-F1A7-9940-F4FD-BC6322BF0DB3}"/>
               </a:ext>
             </a:extLst>
           </p:cNvPr>
@@ -6921,7 +6765,7 @@
           <p:cNvPr id="3" name="内容占位符 2">
             <a:extLst>
               <a:ext uri="{FF2B5EF4-FFF2-40B4-BE49-F238E27FC236}">
-                <a16:creationId xmlns:a16="http://schemas.microsoft.com/office/drawing/2014/main" id="{E203F844-7C99-CA5B-1600-7D428D803317}"/>
+                <a16:creationId xmlns:a16="http://schemas.microsoft.com/office/drawing/2014/main" id="{5FCBD7C5-1EA4-3E81-2872-A2C69B78ACA8}"/>
               </a:ext>
             </a:extLst>
           </p:cNvPr>
@@ -6932,138 +6776,191 @@
             <p:ph idx="1"/>
           </p:nvPr>
         </p:nvSpPr>
-        <p:spPr/>
-        <p:txBody>
-          <a:bodyPr>
-            <a:normAutofit lnSpcReduction="10000"/>
+        <p:spPr>
+          <a:xfrm>
+            <a:off x="838200" y="1825624"/>
+            <a:ext cx="5406189" cy="4755649"/>
+          </a:xfrm>
+        </p:spPr>
+        <p:txBody>
+          <a:bodyPr/>
+          <a:lstStyle/>
+          <a:p>
+            <a:r>
+              <a:rPr lang="en-US" altLang="zh-CN" dirty="0"/>
+              <a:t>if (root-&gt;</a:t>
+            </a:r>
+            <a:r>
+              <a:rPr lang="en-US" altLang="zh-CN" dirty="0" err="1"/>
+              <a:t>ch</a:t>
+            </a:r>
+            <a:r>
+              <a:rPr lang="en-US" altLang="zh-CN" dirty="0"/>
+              <a:t> != 0)</a:t>
+            </a:r>
+          </a:p>
+          <a:p>
+            <a:r>
+              <a:rPr lang="en-US" altLang="zh-CN" dirty="0"/>
+              <a:t>{ </a:t>
+            </a:r>
+          </a:p>
+          <a:p>
+            <a:r>
+              <a:rPr lang="en-US" altLang="zh-CN" dirty="0"/>
+              <a:t>    </a:t>
+            </a:r>
+            <a:r>
+              <a:rPr lang="en-US" altLang="zh-CN" dirty="0" err="1"/>
+              <a:t>strcpy</a:t>
+            </a:r>
+            <a:r>
+              <a:rPr lang="en-US" altLang="zh-CN" dirty="0"/>
+              <a:t>(</a:t>
+            </a:r>
+            <a:r>
+              <a:rPr lang="en-US" altLang="zh-CN" dirty="0" err="1"/>
+              <a:t>huffmanCodes</a:t>
+            </a:r>
+            <a:r>
+              <a:rPr lang="en-US" altLang="zh-CN" dirty="0"/>
+              <a:t>[root-&gt;</a:t>
+            </a:r>
+            <a:r>
+              <a:rPr lang="en-US" altLang="zh-CN" dirty="0" err="1"/>
+              <a:t>ch</a:t>
+            </a:r>
+            <a:r>
+              <a:rPr lang="en-US" altLang="zh-CN" dirty="0"/>
+              <a:t>], code);</a:t>
+            </a:r>
+          </a:p>
+          <a:p>
+            <a:r>
+              <a:rPr lang="en-US" altLang="zh-CN" dirty="0"/>
+              <a:t>}</a:t>
+            </a:r>
+          </a:p>
+          <a:p>
+            <a:endParaRPr lang="zh-CN" altLang="en-US" dirty="0"/>
+          </a:p>
+        </p:txBody>
+      </p:sp>
+      <p:sp>
+        <p:nvSpPr>
+          <p:cNvPr id="4" name="文本框 3">
+            <a:extLst>
+              <a:ext uri="{FF2B5EF4-FFF2-40B4-BE49-F238E27FC236}">
+                <a16:creationId xmlns:a16="http://schemas.microsoft.com/office/drawing/2014/main" id="{C418F4CE-C2ED-0E24-1171-28702C656684}"/>
+              </a:ext>
+            </a:extLst>
+          </p:cNvPr>
+          <p:cNvSpPr txBox="1"/>
+          <p:nvPr/>
+        </p:nvSpPr>
+        <p:spPr>
+          <a:xfrm>
+            <a:off x="7110663" y="1925053"/>
+            <a:ext cx="4066674" cy="3416320"/>
+          </a:xfrm>
+          <a:prstGeom prst="rect">
+            <a:avLst/>
+          </a:prstGeom>
+          <a:noFill/>
+        </p:spPr>
+        <p:txBody>
+          <a:bodyPr wrap="square" rtlCol="0">
+            <a:spAutoFit/>
           </a:bodyPr>
           <a:lstStyle/>
           <a:p>
             <a:r>
-              <a:rPr lang="en-US" altLang="zh-CN" dirty="0"/>
-              <a:t>void </a:t>
-            </a:r>
-            <a:r>
-              <a:rPr lang="en-US" altLang="zh-CN" dirty="0" err="1"/>
-              <a:t>huffmanEncoding</a:t>
-            </a:r>
-            <a:r>
-              <a:rPr lang="en-US" altLang="zh-CN" dirty="0"/>
-              <a:t>(const char *input, char </a:t>
-            </a:r>
-            <a:r>
-              <a:rPr lang="en-US" altLang="zh-CN" dirty="0" err="1"/>
+              <a:rPr lang="zh-CN" altLang="en-US" sz="2400" dirty="0"/>
+              <a:t>如果当前节点是叶子节点（即 </a:t>
+            </a:r>
+            <a:r>
+              <a:rPr lang="en-US" altLang="zh-CN" sz="2400" dirty="0"/>
+              <a:t>root-&gt;</a:t>
+            </a:r>
+            <a:r>
+              <a:rPr lang="en-US" altLang="zh-CN" sz="2400" dirty="0" err="1"/>
+              <a:t>ch</a:t>
+            </a:r>
+            <a:r>
+              <a:rPr lang="en-US" altLang="zh-CN" sz="2400" dirty="0"/>
+              <a:t> != 0</a:t>
+            </a:r>
+            <a:r>
+              <a:rPr lang="zh-CN" altLang="en-US" sz="2400" dirty="0"/>
+              <a:t>），这意味着该节点代表一个字符。将当前路径 </a:t>
+            </a:r>
+            <a:r>
+              <a:rPr lang="en-US" altLang="zh-CN" sz="2400" dirty="0"/>
+              <a:t>code</a:t>
+            </a:r>
+            <a:r>
+              <a:rPr lang="zh-CN" altLang="en-US" sz="2400" dirty="0"/>
+              <a:t>（即从根到此节点的路径）复制到 </a:t>
+            </a:r>
+            <a:r>
+              <a:rPr lang="en-US" altLang="zh-CN" sz="2400" dirty="0" err="1"/>
               <a:t>huffmanCodes</a:t>
             </a:r>
             <a:r>
-              <a:rPr lang="en-US" altLang="zh-CN" dirty="0"/>
-              <a:t>[256][256])</a:t>
-            </a:r>
-          </a:p>
-          <a:p>
-            <a:r>
-              <a:rPr lang="en-US" altLang="zh-CN" dirty="0"/>
-              <a:t>int </a:t>
-            </a:r>
-            <a:r>
-              <a:rPr lang="en-US" altLang="zh-CN" dirty="0" err="1"/>
-              <a:t>freq</a:t>
-            </a:r>
-            <a:r>
-              <a:rPr lang="en-US" altLang="zh-CN" dirty="0"/>
-              <a:t>[256] = {0};</a:t>
-            </a:r>
-          </a:p>
-          <a:p>
-            <a:r>
-              <a:rPr lang="en-US" altLang="zh-CN" dirty="0"/>
-              <a:t>int length = </a:t>
-            </a:r>
-            <a:r>
-              <a:rPr lang="en-US" altLang="zh-CN" dirty="0" err="1"/>
-              <a:t>strlen</a:t>
-            </a:r>
-            <a:r>
-              <a:rPr lang="en-US" altLang="zh-CN" dirty="0"/>
-              <a:t>(input);</a:t>
-            </a:r>
-          </a:p>
-          <a:p>
-            <a:endParaRPr lang="en-US" altLang="zh-CN" dirty="0"/>
-          </a:p>
-          <a:p>
-            <a:r>
-              <a:rPr lang="en-US" altLang="zh-CN" dirty="0"/>
-              <a:t>for (int </a:t>
-            </a:r>
-            <a:r>
-              <a:rPr lang="en-US" altLang="zh-CN" dirty="0" err="1"/>
-              <a:t>i</a:t>
-            </a:r>
-            <a:r>
-              <a:rPr lang="en-US" altLang="zh-CN" dirty="0"/>
-              <a:t> = 0; </a:t>
-            </a:r>
-            <a:r>
-              <a:rPr lang="en-US" altLang="zh-CN" dirty="0" err="1"/>
-              <a:t>i</a:t>
-            </a:r>
-            <a:r>
-              <a:rPr lang="en-US" altLang="zh-CN" dirty="0"/>
-              <a:t> &lt; length; </a:t>
-            </a:r>
-            <a:r>
-              <a:rPr lang="en-US" altLang="zh-CN" dirty="0" err="1"/>
-              <a:t>i</a:t>
-            </a:r>
-            <a:r>
-              <a:rPr lang="en-US" altLang="zh-CN" dirty="0"/>
-              <a:t>++)</a:t>
-            </a:r>
-          </a:p>
-          <a:p>
-            <a:r>
-              <a:rPr lang="en-US" altLang="zh-CN" dirty="0"/>
-              <a:t>{</a:t>
-            </a:r>
-          </a:p>
-          <a:p>
-            <a:r>
-              <a:rPr lang="en-US" altLang="zh-CN" dirty="0"/>
-              <a:t>    </a:t>
-            </a:r>
-            <a:r>
-              <a:rPr lang="en-US" altLang="zh-CN" dirty="0" err="1"/>
-              <a:t>freq</a:t>
-            </a:r>
-            <a:r>
-              <a:rPr lang="en-US" altLang="zh-CN" dirty="0"/>
-              <a:t>[(unsigned char)input[</a:t>
-            </a:r>
-            <a:r>
-              <a:rPr lang="en-US" altLang="zh-CN" dirty="0" err="1"/>
-              <a:t>i</a:t>
-            </a:r>
-            <a:r>
-              <a:rPr lang="en-US" altLang="zh-CN" dirty="0"/>
-              <a:t>]]++;</a:t>
-            </a:r>
-          </a:p>
-          <a:p>
-            <a:r>
-              <a:rPr lang="en-US" altLang="zh-CN" dirty="0"/>
-              <a:t>}</a:t>
-            </a:r>
-          </a:p>
-          <a:p>
-            <a:endParaRPr lang="zh-CN" altLang="en-US" dirty="0"/>
+              <a:rPr lang="en-US" altLang="zh-CN" sz="2400" dirty="0"/>
+              <a:t>[root-&gt;</a:t>
+            </a:r>
+            <a:r>
+              <a:rPr lang="en-US" altLang="zh-CN" sz="2400" dirty="0" err="1"/>
+              <a:t>ch</a:t>
+            </a:r>
+            <a:r>
+              <a:rPr lang="en-US" altLang="zh-CN" sz="2400" dirty="0"/>
+              <a:t>] </a:t>
+            </a:r>
+            <a:r>
+              <a:rPr lang="zh-CN" altLang="en-US" sz="2400" dirty="0"/>
+              <a:t>中。这里 </a:t>
+            </a:r>
+            <a:r>
+              <a:rPr lang="en-US" altLang="zh-CN" sz="2400" dirty="0"/>
+              <a:t>root-&gt;</a:t>
+            </a:r>
+            <a:r>
+              <a:rPr lang="en-US" altLang="zh-CN" sz="2400" dirty="0" err="1"/>
+              <a:t>ch</a:t>
+            </a:r>
+            <a:r>
+              <a:rPr lang="en-US" altLang="zh-CN" sz="2400" dirty="0"/>
+              <a:t> </a:t>
+            </a:r>
+            <a:r>
+              <a:rPr lang="zh-CN" altLang="en-US" sz="2400" dirty="0"/>
+              <a:t>是字符的 </a:t>
+            </a:r>
+            <a:r>
+              <a:rPr lang="en-US" altLang="zh-CN" sz="2400" dirty="0"/>
+              <a:t>ASCII </a:t>
+            </a:r>
+            <a:r>
+              <a:rPr lang="zh-CN" altLang="en-US" sz="2400" dirty="0"/>
+              <a:t>值，</a:t>
+            </a:r>
+            <a:r>
+              <a:rPr lang="en-US" altLang="zh-CN" sz="2400" dirty="0"/>
+              <a:t>code </a:t>
+            </a:r>
+            <a:r>
+              <a:rPr lang="zh-CN" altLang="en-US" sz="2400" dirty="0"/>
+              <a:t>是该字符的哈夫曼编码。</a:t>
+            </a:r>
           </a:p>
         </p:txBody>
       </p:sp>
     </p:spTree>
     <p:extLst>
       <p:ext uri="{BB962C8B-B14F-4D97-AF65-F5344CB8AC3E}">
-        <p14:creationId xmlns:p14="http://schemas.microsoft.com/office/powerpoint/2010/main" val="1223593789"/>
+        <p14:creationId xmlns:p14="http://schemas.microsoft.com/office/powerpoint/2010/main" val="1192132015"/>
       </p:ext>
     </p:extLst>
   </p:cSld>
@@ -7095,7 +6992,7 @@
           <p:cNvPr id="2" name="标题 1">
             <a:extLst>
               <a:ext uri="{FF2B5EF4-FFF2-40B4-BE49-F238E27FC236}">
-                <a16:creationId xmlns:a16="http://schemas.microsoft.com/office/drawing/2014/main" id="{8960739A-D015-B7B2-CD8B-14B4A1343838}"/>
+                <a16:creationId xmlns:a16="http://schemas.microsoft.com/office/drawing/2014/main" id="{5C0FFCBB-06A8-B00D-8533-819CD9204BAB}"/>
               </a:ext>
             </a:extLst>
           </p:cNvPr>
@@ -7123,7 +7020,7 @@
           <p:cNvPr id="3" name="内容占位符 2">
             <a:extLst>
               <a:ext uri="{FF2B5EF4-FFF2-40B4-BE49-F238E27FC236}">
-                <a16:creationId xmlns:a16="http://schemas.microsoft.com/office/drawing/2014/main" id="{642808D3-51ED-003A-56AE-BDCCEA850964}"/>
+                <a16:creationId xmlns:a16="http://schemas.microsoft.com/office/drawing/2014/main" id="{E203F844-7C99-CA5B-1600-7D428D803317}"/>
               </a:ext>
             </a:extLst>
           </p:cNvPr>
@@ -7142,12 +7039,24 @@
           <a:lstStyle/>
           <a:p>
             <a:r>
-              <a:rPr lang="en-US" altLang="zh-CN" dirty="0" err="1"/>
-              <a:t>HuffmanNode</a:t>
-            </a:r>
-            <a:r>
-              <a:rPr lang="en-US" altLang="zh-CN" dirty="0"/>
-              <a:t> *nodes[256];</a:t>
+              <a:rPr lang="en-US" altLang="zh-CN" dirty="0"/>
+              <a:t>void </a:t>
+            </a:r>
+            <a:r>
+              <a:rPr lang="en-US" altLang="zh-CN" dirty="0" err="1"/>
+              <a:t>huffmanEncoding</a:t>
+            </a:r>
+            <a:r>
+              <a:rPr lang="en-US" altLang="zh-CN" dirty="0"/>
+              <a:t>(const char *input, char </a:t>
+            </a:r>
+            <a:r>
+              <a:rPr lang="en-US" altLang="zh-CN" dirty="0" err="1"/>
+              <a:t>huffmanCodes</a:t>
+            </a:r>
+            <a:r>
+              <a:rPr lang="en-US" altLang="zh-CN" dirty="0"/>
+              <a:t>[256][256])</a:t>
             </a:r>
           </a:p>
           <a:p>
@@ -7157,12 +7066,29 @@
             </a:r>
             <a:r>
               <a:rPr lang="en-US" altLang="zh-CN" dirty="0" err="1"/>
-              <a:t>nodeCount</a:t>
-            </a:r>
-            <a:r>
-              <a:rPr lang="en-US" altLang="zh-CN" dirty="0"/>
-              <a:t> = 0;</a:t>
-            </a:r>
+              <a:t>freq</a:t>
+            </a:r>
+            <a:r>
+              <a:rPr lang="en-US" altLang="zh-CN" dirty="0"/>
+              <a:t>[256] = {0};</a:t>
+            </a:r>
+          </a:p>
+          <a:p>
+            <a:r>
+              <a:rPr lang="en-US" altLang="zh-CN" dirty="0"/>
+              <a:t>int length = </a:t>
+            </a:r>
+            <a:r>
+              <a:rPr lang="en-US" altLang="zh-CN" dirty="0" err="1"/>
+              <a:t>strlen</a:t>
+            </a:r>
+            <a:r>
+              <a:rPr lang="en-US" altLang="zh-CN" dirty="0"/>
+              <a:t>(input);</a:t>
+            </a:r>
+          </a:p>
+          <a:p>
+            <a:endParaRPr lang="en-US" altLang="zh-CN" dirty="0"/>
           </a:p>
           <a:p>
             <a:r>
@@ -7183,7 +7109,7 @@
             </a:r>
             <a:r>
               <a:rPr lang="en-US" altLang="zh-CN" dirty="0"/>
-              <a:t> &lt; 256; </a:t>
+              <a:t> &lt; length; </a:t>
             </a:r>
             <a:r>
               <a:rPr lang="en-US" altLang="zh-CN" dirty="0" err="1"/>
@@ -7203,7 +7129,7 @@
           <a:p>
             <a:r>
               <a:rPr lang="en-US" altLang="zh-CN" dirty="0"/>
-              <a:t>    if (</a:t>
+              <a:t>    </a:t>
             </a:r>
             <a:r>
               <a:rPr lang="en-US" altLang="zh-CN" dirty="0" err="1"/>
@@ -7211,7 +7137,7 @@
             </a:r>
             <a:r>
               <a:rPr lang="en-US" altLang="zh-CN" dirty="0"/>
-              <a:t>[</a:t>
+              <a:t>[(unsigned char)input[</a:t>
             </a:r>
             <a:r>
               <a:rPr lang="en-US" altLang="zh-CN" dirty="0" err="1"/>
@@ -7219,65 +7145,7 @@
             </a:r>
             <a:r>
               <a:rPr lang="en-US" altLang="zh-CN" dirty="0"/>
-              <a:t>] &gt; 0)</a:t>
-            </a:r>
-          </a:p>
-          <a:p>
-            <a:r>
-              <a:rPr lang="en-US" altLang="zh-CN" dirty="0"/>
-              <a:t>    {</a:t>
-            </a:r>
-          </a:p>
-          <a:p>
-            <a:r>
-              <a:rPr lang="en-US" altLang="zh-CN" dirty="0"/>
-              <a:t>        nodes[</a:t>
-            </a:r>
-            <a:r>
-              <a:rPr lang="en-US" altLang="zh-CN" dirty="0" err="1"/>
-              <a:t>nodeCount</a:t>
-            </a:r>
-            <a:r>
-              <a:rPr lang="en-US" altLang="zh-CN" dirty="0"/>
-              <a:t>++] = new </a:t>
-            </a:r>
-            <a:r>
-              <a:rPr lang="en-US" altLang="zh-CN" dirty="0" err="1"/>
-              <a:t>HuffmanNode</a:t>
-            </a:r>
-            <a:r>
-              <a:rPr lang="en-US" altLang="zh-CN" dirty="0"/>
-              <a:t>((char)</a:t>
-            </a:r>
-            <a:r>
-              <a:rPr lang="en-US" altLang="zh-CN" dirty="0" err="1"/>
-              <a:t>i</a:t>
-            </a:r>
-            <a:r>
-              <a:rPr lang="en-US" altLang="zh-CN" dirty="0"/>
-              <a:t>, </a:t>
-            </a:r>
-            <a:r>
-              <a:rPr lang="en-US" altLang="zh-CN" dirty="0" err="1"/>
-              <a:t>freq</a:t>
-            </a:r>
-            <a:r>
-              <a:rPr lang="en-US" altLang="zh-CN" dirty="0"/>
-              <a:t>[</a:t>
-            </a:r>
-            <a:r>
-              <a:rPr lang="en-US" altLang="zh-CN" dirty="0" err="1"/>
-              <a:t>i</a:t>
-            </a:r>
-            <a:r>
-              <a:rPr lang="en-US" altLang="zh-CN" dirty="0"/>
-              <a:t>]);</a:t>
-            </a:r>
-          </a:p>
-          <a:p>
-            <a:r>
-              <a:rPr lang="en-US" altLang="zh-CN" dirty="0"/>
-              <a:t>    }</a:t>
+              <a:t>]]++;</a:t>
             </a:r>
           </a:p>
           <a:p>
@@ -7294,7 +7162,7 @@
     </p:spTree>
     <p:extLst>
       <p:ext uri="{BB962C8B-B14F-4D97-AF65-F5344CB8AC3E}">
-        <p14:creationId xmlns:p14="http://schemas.microsoft.com/office/powerpoint/2010/main" val="3729904834"/>
+        <p14:creationId xmlns:p14="http://schemas.microsoft.com/office/powerpoint/2010/main" val="1223593789"/>
       </p:ext>
     </p:extLst>
   </p:cSld>
@@ -7326,7 +7194,7 @@
           <p:cNvPr id="2" name="标题 1">
             <a:extLst>
               <a:ext uri="{FF2B5EF4-FFF2-40B4-BE49-F238E27FC236}">
-                <a16:creationId xmlns:a16="http://schemas.microsoft.com/office/drawing/2014/main" id="{410AAE6B-21F3-3F6E-9F2A-39F7CC846591}"/>
+                <a16:creationId xmlns:a16="http://schemas.microsoft.com/office/drawing/2014/main" id="{8960739A-D015-B7B2-CD8B-14B4A1343838}"/>
               </a:ext>
             </a:extLst>
           </p:cNvPr>
@@ -7344,7 +7212,7 @@
           <a:p>
             <a:r>
               <a:rPr lang="zh-CN" altLang="en-US" dirty="0"/>
-              <a:t>构建哈夫曼树</a:t>
+              <a:t>从子叶到根逆向求每个字符</a:t>
             </a:r>
           </a:p>
         </p:txBody>
@@ -7354,7 +7222,7 @@
           <p:cNvPr id="3" name="内容占位符 2">
             <a:extLst>
               <a:ext uri="{FF2B5EF4-FFF2-40B4-BE49-F238E27FC236}">
-                <a16:creationId xmlns:a16="http://schemas.microsoft.com/office/drawing/2014/main" id="{7B3CB555-06EA-3CCD-A089-96F6A7FD5ECC}"/>
+                <a16:creationId xmlns:a16="http://schemas.microsoft.com/office/drawing/2014/main" id="{642808D3-51ED-003A-56AE-BDCCEA850964}"/>
               </a:ext>
             </a:extLst>
           </p:cNvPr>
@@ -7367,86 +7235,165 @@
         </p:nvSpPr>
         <p:spPr/>
         <p:txBody>
-          <a:bodyPr/>
-          <a:lstStyle/>
-          <a:p>
-            <a:r>
-              <a:rPr lang="zh-CN" altLang="en-US" dirty="0"/>
-              <a:t>选择最小的两个节点（</a:t>
-            </a:r>
-            <a:r>
-              <a:rPr lang="en-US" altLang="zh-CN" dirty="0"/>
-              <a:t>if</a:t>
-            </a:r>
-            <a:r>
-              <a:rPr lang="zh-CN" altLang="en-US" dirty="0"/>
-              <a:t>、</a:t>
-            </a:r>
-            <a:r>
-              <a:rPr lang="en-US" altLang="zh-CN" dirty="0"/>
-              <a:t>for</a:t>
-            </a:r>
-            <a:r>
-              <a:rPr lang="zh-CN" altLang="en-US" dirty="0"/>
-              <a:t>）</a:t>
-            </a:r>
-            <a:endParaRPr lang="en-US" altLang="zh-CN" dirty="0"/>
-          </a:p>
-          <a:p>
-            <a:endParaRPr lang="en-US" altLang="zh-CN" dirty="0"/>
-          </a:p>
-          <a:p>
-            <a:endParaRPr lang="en-US" altLang="zh-CN" dirty="0"/>
-          </a:p>
-          <a:p>
-            <a:r>
-              <a:rPr lang="zh-CN" altLang="en-US" dirty="0"/>
-              <a:t>合并节点</a:t>
-            </a:r>
-            <a:endParaRPr lang="en-US" altLang="zh-CN" dirty="0"/>
-          </a:p>
-          <a:p>
-            <a:pPr marL="0" indent="0">
-              <a:buNone/>
-            </a:pPr>
-            <a:r>
-              <a:rPr lang="zh-CN" altLang="en-US" dirty="0"/>
-              <a:t>创建一个新的合并节点，频率为两个节点的频率之和，左右子节点分别指向选中的两个节点。</a:t>
-            </a:r>
-            <a:endParaRPr lang="en-US" altLang="zh-CN" dirty="0"/>
-          </a:p>
-          <a:p>
-            <a:pPr marL="0" indent="0">
-              <a:buNone/>
-            </a:pPr>
-            <a:r>
-              <a:rPr lang="zh-CN" altLang="en-US" dirty="0"/>
-              <a:t>将新合并的节点放到 </a:t>
-            </a:r>
-            <a:r>
-              <a:rPr lang="en-US" altLang="zh-CN" dirty="0"/>
-              <a:t>nodes[min1] </a:t>
-            </a:r>
-            <a:r>
-              <a:rPr lang="zh-CN" altLang="en-US" dirty="0"/>
-              <a:t>位置，并将原本位于 </a:t>
-            </a:r>
-            <a:r>
-              <a:rPr lang="en-US" altLang="zh-CN" dirty="0"/>
-              <a:t>min2 </a:t>
-            </a:r>
-            <a:r>
-              <a:rPr lang="zh-CN" altLang="en-US" dirty="0"/>
-              <a:t>的节点替换成最后一个节点。节点数量减一。</a:t>
-            </a:r>
-            <a:endParaRPr lang="en-US" altLang="zh-CN" dirty="0"/>
+          <a:bodyPr>
+            <a:normAutofit lnSpcReduction="10000"/>
+          </a:bodyPr>
+          <a:lstStyle/>
+          <a:p>
+            <a:r>
+              <a:rPr lang="en-US" altLang="zh-CN" dirty="0" err="1"/>
+              <a:t>HuffmanNode</a:t>
+            </a:r>
+            <a:r>
+              <a:rPr lang="en-US" altLang="zh-CN" dirty="0"/>
+              <a:t> *nodes[256];</a:t>
+            </a:r>
+          </a:p>
+          <a:p>
+            <a:r>
+              <a:rPr lang="en-US" altLang="zh-CN" dirty="0"/>
+              <a:t>int </a:t>
+            </a:r>
+            <a:r>
+              <a:rPr lang="en-US" altLang="zh-CN" dirty="0" err="1"/>
+              <a:t>nodeCount</a:t>
+            </a:r>
+            <a:r>
+              <a:rPr lang="en-US" altLang="zh-CN" dirty="0"/>
+              <a:t> = 0;</a:t>
+            </a:r>
+          </a:p>
+          <a:p>
+            <a:r>
+              <a:rPr lang="en-US" altLang="zh-CN" dirty="0"/>
+              <a:t>for (int </a:t>
+            </a:r>
+            <a:r>
+              <a:rPr lang="en-US" altLang="zh-CN" dirty="0" err="1"/>
+              <a:t>i</a:t>
+            </a:r>
+            <a:r>
+              <a:rPr lang="en-US" altLang="zh-CN" dirty="0"/>
+              <a:t> = 0; </a:t>
+            </a:r>
+            <a:r>
+              <a:rPr lang="en-US" altLang="zh-CN" dirty="0" err="1"/>
+              <a:t>i</a:t>
+            </a:r>
+            <a:r>
+              <a:rPr lang="en-US" altLang="zh-CN" dirty="0"/>
+              <a:t> &lt; 256; </a:t>
+            </a:r>
+            <a:r>
+              <a:rPr lang="en-US" altLang="zh-CN" dirty="0" err="1"/>
+              <a:t>i</a:t>
+            </a:r>
+            <a:r>
+              <a:rPr lang="en-US" altLang="zh-CN" dirty="0"/>
+              <a:t>++)</a:t>
+            </a:r>
+          </a:p>
+          <a:p>
+            <a:r>
+              <a:rPr lang="en-US" altLang="zh-CN" dirty="0"/>
+              <a:t>{</a:t>
+            </a:r>
+          </a:p>
+          <a:p>
+            <a:r>
+              <a:rPr lang="en-US" altLang="zh-CN" dirty="0"/>
+              <a:t>    if (</a:t>
+            </a:r>
+            <a:r>
+              <a:rPr lang="en-US" altLang="zh-CN" dirty="0" err="1"/>
+              <a:t>freq</a:t>
+            </a:r>
+            <a:r>
+              <a:rPr lang="en-US" altLang="zh-CN" dirty="0"/>
+              <a:t>[</a:t>
+            </a:r>
+            <a:r>
+              <a:rPr lang="en-US" altLang="zh-CN" dirty="0" err="1"/>
+              <a:t>i</a:t>
+            </a:r>
+            <a:r>
+              <a:rPr lang="en-US" altLang="zh-CN" dirty="0"/>
+              <a:t>] &gt; 0)</a:t>
+            </a:r>
+          </a:p>
+          <a:p>
+            <a:r>
+              <a:rPr lang="en-US" altLang="zh-CN" dirty="0"/>
+              <a:t>    {</a:t>
+            </a:r>
+          </a:p>
+          <a:p>
+            <a:r>
+              <a:rPr lang="en-US" altLang="zh-CN" dirty="0"/>
+              <a:t>        nodes[</a:t>
+            </a:r>
+            <a:r>
+              <a:rPr lang="en-US" altLang="zh-CN" dirty="0" err="1"/>
+              <a:t>nodeCount</a:t>
+            </a:r>
+            <a:r>
+              <a:rPr lang="en-US" altLang="zh-CN" dirty="0"/>
+              <a:t>++] = new </a:t>
+            </a:r>
+            <a:r>
+              <a:rPr lang="en-US" altLang="zh-CN" dirty="0" err="1"/>
+              <a:t>HuffmanNode</a:t>
+            </a:r>
+            <a:r>
+              <a:rPr lang="en-US" altLang="zh-CN" dirty="0"/>
+              <a:t>((char)</a:t>
+            </a:r>
+            <a:r>
+              <a:rPr lang="en-US" altLang="zh-CN" dirty="0" err="1"/>
+              <a:t>i</a:t>
+            </a:r>
+            <a:r>
+              <a:rPr lang="en-US" altLang="zh-CN" dirty="0"/>
+              <a:t>, </a:t>
+            </a:r>
+            <a:r>
+              <a:rPr lang="en-US" altLang="zh-CN" dirty="0" err="1"/>
+              <a:t>freq</a:t>
+            </a:r>
+            <a:r>
+              <a:rPr lang="en-US" altLang="zh-CN" dirty="0"/>
+              <a:t>[</a:t>
+            </a:r>
+            <a:r>
+              <a:rPr lang="en-US" altLang="zh-CN" dirty="0" err="1"/>
+              <a:t>i</a:t>
+            </a:r>
+            <a:r>
+              <a:rPr lang="en-US" altLang="zh-CN" dirty="0"/>
+              <a:t>]);</a:t>
+            </a:r>
+          </a:p>
+          <a:p>
+            <a:r>
+              <a:rPr lang="en-US" altLang="zh-CN" dirty="0"/>
+              <a:t>    }</a:t>
+            </a:r>
+          </a:p>
+          <a:p>
+            <a:r>
+              <a:rPr lang="en-US" altLang="zh-CN" dirty="0"/>
+              <a:t>}</a:t>
+            </a:r>
+          </a:p>
+          <a:p>
+            <a:endParaRPr lang="zh-CN" altLang="en-US" dirty="0"/>
           </a:p>
         </p:txBody>
       </p:sp>
     </p:spTree>
     <p:extLst>
       <p:ext uri="{BB962C8B-B14F-4D97-AF65-F5344CB8AC3E}">
-        <p14:creationId xmlns:p14="http://schemas.microsoft.com/office/powerpoint/2010/main" val="1180556199"/>
+        <p14:creationId xmlns:p14="http://schemas.microsoft.com/office/powerpoint/2010/main" val="3729904834"/>
       </p:ext>
     </p:extLst>
   </p:cSld>
@@ -7478,7 +7425,7 @@
           <p:cNvPr id="2" name="标题 1">
             <a:extLst>
               <a:ext uri="{FF2B5EF4-FFF2-40B4-BE49-F238E27FC236}">
-                <a16:creationId xmlns:a16="http://schemas.microsoft.com/office/drawing/2014/main" id="{7C9AA89C-B56A-5637-0EC3-EBBFE96BE53A}"/>
+                <a16:creationId xmlns:a16="http://schemas.microsoft.com/office/drawing/2014/main" id="{410AAE6B-21F3-3F6E-9F2A-39F7CC846591}"/>
               </a:ext>
             </a:extLst>
           </p:cNvPr>
@@ -7496,7 +7443,7 @@
           <a:p>
             <a:r>
               <a:rPr lang="zh-CN" altLang="en-US" dirty="0"/>
-              <a:t>生成哈夫曼编码</a:t>
+              <a:t>构建哈夫曼树</a:t>
             </a:r>
           </a:p>
         </p:txBody>
@@ -7506,7 +7453,7 @@
           <p:cNvPr id="3" name="内容占位符 2">
             <a:extLst>
               <a:ext uri="{FF2B5EF4-FFF2-40B4-BE49-F238E27FC236}">
-                <a16:creationId xmlns:a16="http://schemas.microsoft.com/office/drawing/2014/main" id="{7CE3B27D-6666-CB79-9969-C1AC90B4363D}"/>
+                <a16:creationId xmlns:a16="http://schemas.microsoft.com/office/drawing/2014/main" id="{7B3CB555-06EA-3CCD-A089-96F6A7FD5ECC}"/>
               </a:ext>
             </a:extLst>
           </p:cNvPr>
@@ -7523,38 +7470,82 @@
           <a:lstStyle/>
           <a:p>
             <a:r>
-              <a:rPr lang="en-US" altLang="zh-CN" dirty="0" err="1"/>
-              <a:t>HuffmanNode</a:t>
-            </a:r>
-            <a:r>
-              <a:rPr lang="en-US" altLang="zh-CN" dirty="0"/>
-              <a:t> *root = nodes[0];</a:t>
-            </a:r>
-          </a:p>
-          <a:p>
-            <a:r>
-              <a:rPr lang="en-US" altLang="zh-CN" dirty="0" err="1"/>
-              <a:t>generateCodes</a:t>
-            </a:r>
-            <a:r>
-              <a:rPr lang="en-US" altLang="zh-CN" dirty="0"/>
-              <a:t>(root, "", </a:t>
-            </a:r>
-            <a:r>
-              <a:rPr lang="en-US" altLang="zh-CN" dirty="0" err="1"/>
-              <a:t>huffmanCodes</a:t>
-            </a:r>
-            <a:r>
-              <a:rPr lang="en-US" altLang="zh-CN" dirty="0"/>
-              <a:t>);</a:t>
-            </a:r>
+              <a:rPr lang="zh-CN" altLang="en-US" dirty="0"/>
+              <a:t>选择最小的两个节点（</a:t>
+            </a:r>
+            <a:r>
+              <a:rPr lang="en-US" altLang="zh-CN" dirty="0"/>
+              <a:t>if</a:t>
+            </a:r>
+            <a:r>
+              <a:rPr lang="zh-CN" altLang="en-US" dirty="0"/>
+              <a:t>、</a:t>
+            </a:r>
+            <a:r>
+              <a:rPr lang="en-US" altLang="zh-CN" dirty="0"/>
+              <a:t>for</a:t>
+            </a:r>
+            <a:r>
+              <a:rPr lang="zh-CN" altLang="en-US" dirty="0"/>
+              <a:t>）</a:t>
+            </a:r>
+            <a:endParaRPr lang="en-US" altLang="zh-CN" dirty="0"/>
+          </a:p>
+          <a:p>
+            <a:endParaRPr lang="en-US" altLang="zh-CN" dirty="0"/>
+          </a:p>
+          <a:p>
+            <a:endParaRPr lang="en-US" altLang="zh-CN" dirty="0"/>
+          </a:p>
+          <a:p>
+            <a:r>
+              <a:rPr lang="zh-CN" altLang="en-US" dirty="0"/>
+              <a:t>合并节点</a:t>
+            </a:r>
+            <a:endParaRPr lang="en-US" altLang="zh-CN" dirty="0"/>
+          </a:p>
+          <a:p>
+            <a:pPr marL="0" indent="0">
+              <a:buNone/>
+            </a:pPr>
+            <a:r>
+              <a:rPr lang="zh-CN" altLang="en-US" dirty="0"/>
+              <a:t>创建一个新的合并节点，频率为两个节点的频率之和，左右子节点分别指向选中的两个节点。</a:t>
+            </a:r>
+            <a:endParaRPr lang="en-US" altLang="zh-CN" dirty="0"/>
+          </a:p>
+          <a:p>
+            <a:pPr marL="0" indent="0">
+              <a:buNone/>
+            </a:pPr>
+            <a:r>
+              <a:rPr lang="zh-CN" altLang="en-US" dirty="0"/>
+              <a:t>将新合并的节点放到 </a:t>
+            </a:r>
+            <a:r>
+              <a:rPr lang="en-US" altLang="zh-CN" dirty="0"/>
+              <a:t>nodes[min1] </a:t>
+            </a:r>
+            <a:r>
+              <a:rPr lang="zh-CN" altLang="en-US" dirty="0"/>
+              <a:t>位置，并将原本位于 </a:t>
+            </a:r>
+            <a:r>
+              <a:rPr lang="en-US" altLang="zh-CN" dirty="0"/>
+              <a:t>min2 </a:t>
+            </a:r>
+            <a:r>
+              <a:rPr lang="zh-CN" altLang="en-US" dirty="0"/>
+              <a:t>的节点替换成最后一个节点。节点数量减一。</a:t>
+            </a:r>
+            <a:endParaRPr lang="en-US" altLang="zh-CN" dirty="0"/>
           </a:p>
         </p:txBody>
       </p:sp>
     </p:spTree>
     <p:extLst>
       <p:ext uri="{BB962C8B-B14F-4D97-AF65-F5344CB8AC3E}">
-        <p14:creationId xmlns:p14="http://schemas.microsoft.com/office/powerpoint/2010/main" val="1539512835"/>
+        <p14:creationId xmlns:p14="http://schemas.microsoft.com/office/powerpoint/2010/main" val="1180556199"/>
       </p:ext>
     </p:extLst>
   </p:cSld>
@@ -7586,7 +7577,7 @@
           <p:cNvPr id="2" name="标题 1">
             <a:extLst>
               <a:ext uri="{FF2B5EF4-FFF2-40B4-BE49-F238E27FC236}">
-                <a16:creationId xmlns:a16="http://schemas.microsoft.com/office/drawing/2014/main" id="{B7688169-85E5-3734-BEDE-A61849CBCCC1}"/>
+                <a16:creationId xmlns:a16="http://schemas.microsoft.com/office/drawing/2014/main" id="{7C9AA89C-B56A-5637-0EC3-EBBFE96BE53A}"/>
               </a:ext>
             </a:extLst>
           </p:cNvPr>
@@ -7604,7 +7595,7 @@
           <a:p>
             <a:r>
               <a:rPr lang="zh-CN" altLang="en-US" dirty="0"/>
-              <a:t>解码</a:t>
+              <a:t>生成哈夫曼编码</a:t>
             </a:r>
           </a:p>
         </p:txBody>
@@ -7614,7 +7605,7 @@
           <p:cNvPr id="3" name="内容占位符 2">
             <a:extLst>
               <a:ext uri="{FF2B5EF4-FFF2-40B4-BE49-F238E27FC236}">
-                <a16:creationId xmlns:a16="http://schemas.microsoft.com/office/drawing/2014/main" id="{C5425F07-23AF-5BE6-2CF2-4094843B5008}"/>
+                <a16:creationId xmlns:a16="http://schemas.microsoft.com/office/drawing/2014/main" id="{7CE3B27D-6666-CB79-9969-C1AC90B4363D}"/>
               </a:ext>
             </a:extLst>
           </p:cNvPr>
@@ -7631,75 +7622,30 @@
           <a:lstStyle/>
           <a:p>
             <a:r>
-              <a:rPr lang="en-US" altLang="zh-CN" dirty="0"/>
-              <a:t>void </a:t>
-            </a:r>
-            <a:r>
-              <a:rPr lang="en-US" altLang="zh-CN" dirty="0" err="1"/>
-              <a:t>huffmanDecoding</a:t>
-            </a:r>
-            <a:r>
-              <a:rPr lang="en-US" altLang="zh-CN" dirty="0"/>
-              <a:t>(const char *</a:t>
-            </a:r>
-            <a:r>
-              <a:rPr lang="en-US" altLang="zh-CN" dirty="0" err="1"/>
-              <a:t>encodedStr</a:t>
-            </a:r>
-            <a:r>
-              <a:rPr lang="en-US" altLang="zh-CN" dirty="0"/>
-              <a:t>, char *</a:t>
-            </a:r>
-            <a:r>
-              <a:rPr lang="en-US" altLang="zh-CN" dirty="0" err="1"/>
-              <a:t>decodedStr</a:t>
-            </a:r>
-            <a:r>
-              <a:rPr lang="en-US" altLang="zh-CN" dirty="0"/>
-              <a:t>, </a:t>
-            </a:r>
-            <a:r>
               <a:rPr lang="en-US" altLang="zh-CN" dirty="0" err="1"/>
               <a:t>HuffmanNode</a:t>
             </a:r>
             <a:r>
               <a:rPr lang="en-US" altLang="zh-CN" dirty="0"/>
-              <a:t> *root)</a:t>
-            </a:r>
-          </a:p>
-          <a:p>
-            <a:endParaRPr lang="en-US" altLang="zh-CN" dirty="0"/>
-          </a:p>
-          <a:p>
-            <a:r>
-              <a:rPr lang="en-US" altLang="zh-CN" dirty="0" err="1"/>
-              <a:t>encodedStr</a:t>
-            </a:r>
-            <a:r>
-              <a:rPr lang="zh-CN" altLang="en-US" dirty="0"/>
-              <a:t>：输入的哈夫曼编码后的字符串</a:t>
-            </a:r>
-            <a:endParaRPr lang="en-US" altLang="zh-CN" dirty="0"/>
-          </a:p>
-          <a:p>
-            <a:r>
-              <a:rPr lang="en-US" altLang="zh-CN" dirty="0" err="1"/>
-              <a:t>decodedStr</a:t>
-            </a:r>
-            <a:r>
-              <a:rPr lang="zh-CN" altLang="en-US" dirty="0"/>
-              <a:t>：输出的解码结果（原始字符串）。</a:t>
-            </a:r>
-            <a:endParaRPr lang="en-US" altLang="zh-CN" dirty="0"/>
-          </a:p>
-          <a:p>
-            <a:r>
-              <a:rPr lang="en-US" altLang="zh-CN" dirty="0"/>
-              <a:t>root</a:t>
-            </a:r>
-            <a:r>
-              <a:rPr lang="zh-CN" altLang="en-US" dirty="0"/>
-              <a:t>：哈夫曼树的根节点，通过它可以找到所有字符的编码和对应的路径。</a:t>
+              <a:t> *root = nodes[0];</a:t>
+            </a:r>
+          </a:p>
+          <a:p>
+            <a:r>
+              <a:rPr lang="en-US" altLang="zh-CN" dirty="0" err="1"/>
+              <a:t>generateCodes</a:t>
+            </a:r>
+            <a:r>
+              <a:rPr lang="en-US" altLang="zh-CN" dirty="0"/>
+              <a:t>(root, "", </a:t>
+            </a:r>
+            <a:r>
+              <a:rPr lang="en-US" altLang="zh-CN" dirty="0" err="1"/>
+              <a:t>huffmanCodes</a:t>
+            </a:r>
+            <a:r>
+              <a:rPr lang="en-US" altLang="zh-CN" dirty="0"/>
+              <a:t>);</a:t>
             </a:r>
           </a:p>
         </p:txBody>
@@ -7707,7 +7653,7 @@
     </p:spTree>
     <p:extLst>
       <p:ext uri="{BB962C8B-B14F-4D97-AF65-F5344CB8AC3E}">
-        <p14:creationId xmlns:p14="http://schemas.microsoft.com/office/powerpoint/2010/main" val="180526000"/>
+        <p14:creationId xmlns:p14="http://schemas.microsoft.com/office/powerpoint/2010/main" val="1539512835"/>
       </p:ext>
     </p:extLst>
   </p:cSld>
@@ -7739,7 +7685,7 @@
           <p:cNvPr id="2" name="标题 1">
             <a:extLst>
               <a:ext uri="{FF2B5EF4-FFF2-40B4-BE49-F238E27FC236}">
-                <a16:creationId xmlns:a16="http://schemas.microsoft.com/office/drawing/2014/main" id="{08BE9515-BB79-9C4D-643E-262F8B97CAEF}"/>
+                <a16:creationId xmlns:a16="http://schemas.microsoft.com/office/drawing/2014/main" id="{B7688169-85E5-3734-BEDE-A61849CBCCC1}"/>
               </a:ext>
             </a:extLst>
           </p:cNvPr>
@@ -7757,7 +7703,7 @@
           <a:p>
             <a:r>
               <a:rPr lang="zh-CN" altLang="en-US" dirty="0"/>
-              <a:t>遍历字符串</a:t>
+              <a:t>解码</a:t>
             </a:r>
           </a:p>
         </p:txBody>
@@ -7767,7 +7713,7 @@
           <p:cNvPr id="3" name="内容占位符 2">
             <a:extLst>
               <a:ext uri="{FF2B5EF4-FFF2-40B4-BE49-F238E27FC236}">
-                <a16:creationId xmlns:a16="http://schemas.microsoft.com/office/drawing/2014/main" id="{E44119EB-1240-19CD-5190-07D5B6E09E15}"/>
+                <a16:creationId xmlns:a16="http://schemas.microsoft.com/office/drawing/2014/main" id="{C5425F07-23AF-5BE6-2CF2-4094843B5008}"/>
               </a:ext>
             </a:extLst>
           </p:cNvPr>
@@ -7780,14 +7726,20 @@
         </p:nvSpPr>
         <p:spPr/>
         <p:txBody>
-          <a:bodyPr>
-            <a:normAutofit fontScale="92500" lnSpcReduction="20000"/>
-          </a:bodyPr>
-          <a:lstStyle/>
-          <a:p>
-            <a:r>
-              <a:rPr lang="en-US" altLang="zh-CN" dirty="0"/>
-              <a:t>while (</a:t>
+          <a:bodyPr/>
+          <a:lstStyle/>
+          <a:p>
+            <a:r>
+              <a:rPr lang="en-US" altLang="zh-CN" dirty="0"/>
+              <a:t>void </a:t>
+            </a:r>
+            <a:r>
+              <a:rPr lang="en-US" altLang="zh-CN" dirty="0" err="1"/>
+              <a:t>huffmanDecoding</a:t>
+            </a:r>
+            <a:r>
+              <a:rPr lang="en-US" altLang="zh-CN" dirty="0"/>
+              <a:t>(const char *</a:t>
             </a:r>
             <a:r>
               <a:rPr lang="en-US" altLang="zh-CN" dirty="0" err="1"/>
@@ -7795,96 +7747,66 @@
             </a:r>
             <a:r>
               <a:rPr lang="en-US" altLang="zh-CN" dirty="0"/>
-              <a:t>[</a:t>
-            </a:r>
-            <a:r>
-              <a:rPr lang="en-US" altLang="zh-CN" dirty="0" err="1"/>
-              <a:t>i</a:t>
-            </a:r>
-            <a:r>
-              <a:rPr lang="en-US" altLang="zh-CN" dirty="0"/>
-              <a:t>] != '\0')</a:t>
-            </a:r>
-          </a:p>
-          <a:p>
-            <a:r>
-              <a:rPr lang="en-US" altLang="zh-CN" dirty="0"/>
-              <a:t>{</a:t>
-            </a:r>
-          </a:p>
-          <a:p>
-            <a:r>
-              <a:rPr lang="en-US" altLang="zh-CN" dirty="0"/>
-              <a:t>    if (</a:t>
-            </a:r>
+              <a:t>, char *</a:t>
+            </a:r>
+            <a:r>
+              <a:rPr lang="en-US" altLang="zh-CN" dirty="0" err="1"/>
+              <a:t>decodedStr</a:t>
+            </a:r>
+            <a:r>
+              <a:rPr lang="en-US" altLang="zh-CN" dirty="0"/>
+              <a:t>, </a:t>
+            </a:r>
+            <a:r>
+              <a:rPr lang="en-US" altLang="zh-CN" dirty="0" err="1"/>
+              <a:t>HuffmanNode</a:t>
+            </a:r>
+            <a:r>
+              <a:rPr lang="en-US" altLang="zh-CN" dirty="0"/>
+              <a:t> *root)</a:t>
+            </a:r>
+          </a:p>
+          <a:p>
+            <a:endParaRPr lang="en-US" altLang="zh-CN" dirty="0"/>
+          </a:p>
+          <a:p>
             <a:r>
               <a:rPr lang="en-US" altLang="zh-CN" dirty="0" err="1"/>
               <a:t>encodedStr</a:t>
             </a:r>
             <a:r>
-              <a:rPr lang="en-US" altLang="zh-CN" dirty="0"/>
-              <a:t>[</a:t>
-            </a:r>
-            <a:r>
-              <a:rPr lang="en-US" altLang="zh-CN" dirty="0" err="1"/>
-              <a:t>i</a:t>
-            </a:r>
-            <a:r>
-              <a:rPr lang="en-US" altLang="zh-CN" dirty="0"/>
-              <a:t>] == '0')</a:t>
-            </a:r>
-          </a:p>
-          <a:p>
-            <a:r>
-              <a:rPr lang="en-US" altLang="zh-CN" dirty="0"/>
-              <a:t>    {</a:t>
-            </a:r>
-          </a:p>
-          <a:p>
-            <a:r>
-              <a:rPr lang="en-US" altLang="zh-CN" dirty="0"/>
-              <a:t>        current = current-&gt;left;</a:t>
-            </a:r>
-          </a:p>
-          <a:p>
-            <a:r>
-              <a:rPr lang="en-US" altLang="zh-CN" dirty="0"/>
-              <a:t>    }</a:t>
-            </a:r>
-          </a:p>
-          <a:p>
-            <a:r>
-              <a:rPr lang="en-US" altLang="zh-CN" dirty="0"/>
-              <a:t>    else</a:t>
-            </a:r>
-          </a:p>
-          <a:p>
-            <a:r>
-              <a:rPr lang="en-US" altLang="zh-CN" dirty="0"/>
-              <a:t>    {</a:t>
-            </a:r>
-          </a:p>
-          <a:p>
-            <a:r>
-              <a:rPr lang="en-US" altLang="zh-CN" dirty="0"/>
-              <a:t>        current = current-&gt;right;</a:t>
-            </a:r>
-          </a:p>
-          <a:p>
-            <a:r>
-              <a:rPr lang="en-US" altLang="zh-CN" dirty="0"/>
-              <a:t>    }</a:t>
-            </a:r>
-          </a:p>
-          <a:p>
-            <a:endParaRPr lang="zh-CN" altLang="en-US" dirty="0"/>
+              <a:rPr lang="zh-CN" altLang="en-US" dirty="0"/>
+              <a:t>：输入的哈夫曼编码后的字符串</a:t>
+            </a:r>
+            <a:endParaRPr lang="en-US" altLang="zh-CN" dirty="0"/>
+          </a:p>
+          <a:p>
+            <a:r>
+              <a:rPr lang="en-US" altLang="zh-CN" dirty="0" err="1"/>
+              <a:t>decodedStr</a:t>
+            </a:r>
+            <a:r>
+              <a:rPr lang="zh-CN" altLang="en-US" dirty="0"/>
+              <a:t>：输出的解码结果（原始字符串）。</a:t>
+            </a:r>
+            <a:endParaRPr lang="en-US" altLang="zh-CN" dirty="0"/>
+          </a:p>
+          <a:p>
+            <a:r>
+              <a:rPr lang="en-US" altLang="zh-CN" dirty="0"/>
+              <a:t>root</a:t>
+            </a:r>
+            <a:r>
+              <a:rPr lang="zh-CN" altLang="en-US" dirty="0"/>
+              <a:t>：哈夫曼树的根节点，通过它可以找到所有字符的编码和对应的路径。</a:t>
+            </a:r>
           </a:p>
         </p:txBody>
       </p:sp>
     </p:spTree>
     <p:extLst>
       <p:ext uri="{BB962C8B-B14F-4D97-AF65-F5344CB8AC3E}">
-        <p14:creationId xmlns:p14="http://schemas.microsoft.com/office/powerpoint/2010/main" val="2100026463"/>
+        <p14:creationId xmlns:p14="http://schemas.microsoft.com/office/powerpoint/2010/main" val="180526000"/>
       </p:ext>
     </p:extLst>
   </p:cSld>
@@ -8009,6 +7931,183 @@
           <p:cNvPr id="2" name="标题 1">
             <a:extLst>
               <a:ext uri="{FF2B5EF4-FFF2-40B4-BE49-F238E27FC236}">
+                <a16:creationId xmlns:a16="http://schemas.microsoft.com/office/drawing/2014/main" id="{08BE9515-BB79-9C4D-643E-262F8B97CAEF}"/>
+              </a:ext>
+            </a:extLst>
+          </p:cNvPr>
+          <p:cNvSpPr>
+            <a:spLocks noGrp="1"/>
+          </p:cNvSpPr>
+          <p:nvPr>
+            <p:ph type="title"/>
+          </p:nvPr>
+        </p:nvSpPr>
+        <p:spPr/>
+        <p:txBody>
+          <a:bodyPr/>
+          <a:lstStyle/>
+          <a:p>
+            <a:r>
+              <a:rPr lang="zh-CN" altLang="en-US" dirty="0"/>
+              <a:t>遍历字符串</a:t>
+            </a:r>
+          </a:p>
+        </p:txBody>
+      </p:sp>
+      <p:sp>
+        <p:nvSpPr>
+          <p:cNvPr id="3" name="内容占位符 2">
+            <a:extLst>
+              <a:ext uri="{FF2B5EF4-FFF2-40B4-BE49-F238E27FC236}">
+                <a16:creationId xmlns:a16="http://schemas.microsoft.com/office/drawing/2014/main" id="{E44119EB-1240-19CD-5190-07D5B6E09E15}"/>
+              </a:ext>
+            </a:extLst>
+          </p:cNvPr>
+          <p:cNvSpPr>
+            <a:spLocks noGrp="1"/>
+          </p:cNvSpPr>
+          <p:nvPr>
+            <p:ph idx="1"/>
+          </p:nvPr>
+        </p:nvSpPr>
+        <p:spPr/>
+        <p:txBody>
+          <a:bodyPr>
+            <a:normAutofit fontScale="92500" lnSpcReduction="20000"/>
+          </a:bodyPr>
+          <a:lstStyle/>
+          <a:p>
+            <a:r>
+              <a:rPr lang="en-US" altLang="zh-CN" dirty="0"/>
+              <a:t>while (</a:t>
+            </a:r>
+            <a:r>
+              <a:rPr lang="en-US" altLang="zh-CN" dirty="0" err="1"/>
+              <a:t>encodedStr</a:t>
+            </a:r>
+            <a:r>
+              <a:rPr lang="en-US" altLang="zh-CN" dirty="0"/>
+              <a:t>[</a:t>
+            </a:r>
+            <a:r>
+              <a:rPr lang="en-US" altLang="zh-CN" dirty="0" err="1"/>
+              <a:t>i</a:t>
+            </a:r>
+            <a:r>
+              <a:rPr lang="en-US" altLang="zh-CN" dirty="0"/>
+              <a:t>] != '\0')</a:t>
+            </a:r>
+          </a:p>
+          <a:p>
+            <a:r>
+              <a:rPr lang="en-US" altLang="zh-CN" dirty="0"/>
+              <a:t>{</a:t>
+            </a:r>
+          </a:p>
+          <a:p>
+            <a:r>
+              <a:rPr lang="en-US" altLang="zh-CN" dirty="0"/>
+              <a:t>    if (</a:t>
+            </a:r>
+            <a:r>
+              <a:rPr lang="en-US" altLang="zh-CN" dirty="0" err="1"/>
+              <a:t>encodedStr</a:t>
+            </a:r>
+            <a:r>
+              <a:rPr lang="en-US" altLang="zh-CN" dirty="0"/>
+              <a:t>[</a:t>
+            </a:r>
+            <a:r>
+              <a:rPr lang="en-US" altLang="zh-CN" dirty="0" err="1"/>
+              <a:t>i</a:t>
+            </a:r>
+            <a:r>
+              <a:rPr lang="en-US" altLang="zh-CN" dirty="0"/>
+              <a:t>] == '0')</a:t>
+            </a:r>
+          </a:p>
+          <a:p>
+            <a:r>
+              <a:rPr lang="en-US" altLang="zh-CN" dirty="0"/>
+              <a:t>    {</a:t>
+            </a:r>
+          </a:p>
+          <a:p>
+            <a:r>
+              <a:rPr lang="en-US" altLang="zh-CN" dirty="0"/>
+              <a:t>        current = current-&gt;left;</a:t>
+            </a:r>
+          </a:p>
+          <a:p>
+            <a:r>
+              <a:rPr lang="en-US" altLang="zh-CN" dirty="0"/>
+              <a:t>    }</a:t>
+            </a:r>
+          </a:p>
+          <a:p>
+            <a:r>
+              <a:rPr lang="en-US" altLang="zh-CN" dirty="0"/>
+              <a:t>    else</a:t>
+            </a:r>
+          </a:p>
+          <a:p>
+            <a:r>
+              <a:rPr lang="en-US" altLang="zh-CN" dirty="0"/>
+              <a:t>    {</a:t>
+            </a:r>
+          </a:p>
+          <a:p>
+            <a:r>
+              <a:rPr lang="en-US" altLang="zh-CN" dirty="0"/>
+              <a:t>        current = current-&gt;right;</a:t>
+            </a:r>
+          </a:p>
+          <a:p>
+            <a:r>
+              <a:rPr lang="en-US" altLang="zh-CN" dirty="0"/>
+              <a:t>    }</a:t>
+            </a:r>
+          </a:p>
+          <a:p>
+            <a:endParaRPr lang="zh-CN" altLang="en-US" dirty="0"/>
+          </a:p>
+        </p:txBody>
+      </p:sp>
+    </p:spTree>
+    <p:extLst>
+      <p:ext uri="{BB962C8B-B14F-4D97-AF65-F5344CB8AC3E}">
+        <p14:creationId xmlns:p14="http://schemas.microsoft.com/office/powerpoint/2010/main" val="2100026463"/>
+      </p:ext>
+    </p:extLst>
+  </p:cSld>
+  <p:clrMapOvr>
+    <a:masterClrMapping/>
+  </p:clrMapOvr>
+</p:sld>
+</file>
+
+<file path=ppt/slides/slide31.xml><?xml version="1.0" encoding="utf-8"?>
+<p:sld xmlns:a="http://schemas.openxmlformats.org/drawingml/2006/main" xmlns:r="http://schemas.openxmlformats.org/officeDocument/2006/relationships" xmlns:p="http://schemas.openxmlformats.org/presentationml/2006/main">
+  <p:cSld>
+    <p:spTree>
+      <p:nvGrpSpPr>
+        <p:cNvPr id="1" name=""/>
+        <p:cNvGrpSpPr/>
+        <p:nvPr/>
+      </p:nvGrpSpPr>
+      <p:grpSpPr>
+        <a:xfrm>
+          <a:off x="0" y="0"/>
+          <a:ext cx="0" cy="0"/>
+          <a:chOff x="0" y="0"/>
+          <a:chExt cx="0" cy="0"/>
+        </a:xfrm>
+      </p:grpSpPr>
+      <p:sp>
+        <p:nvSpPr>
+          <p:cNvPr id="2" name="标题 1">
+            <a:extLst>
+              <a:ext uri="{FF2B5EF4-FFF2-40B4-BE49-F238E27FC236}">
                 <a16:creationId xmlns:a16="http://schemas.microsoft.com/office/drawing/2014/main" id="{E2FEA124-06F3-BDEB-AA29-D727039AF415}"/>
               </a:ext>
             </a:extLst>
@@ -8978,7 +9077,7 @@
           <p:cNvPr id="2" name="标题 1">
             <a:extLst>
               <a:ext uri="{FF2B5EF4-FFF2-40B4-BE49-F238E27FC236}">
-                <a16:creationId xmlns:a16="http://schemas.microsoft.com/office/drawing/2014/main" id="{E92586EE-4F71-60A7-0E29-045F6B6D800C}"/>
+                <a16:creationId xmlns:a16="http://schemas.microsoft.com/office/drawing/2014/main" id="{1D6BB0E3-A99A-EFF6-F7D1-27E98D9748DF}"/>
               </a:ext>
             </a:extLst>
           </p:cNvPr>
@@ -8995,9 +9094,10 @@
           <a:lstStyle/>
           <a:p>
             <a:r>
-              <a:rPr lang="zh-CN" altLang="en-US" dirty="0"/>
-              <a:t>上一步、下一步</a:t>
-            </a:r>
+              <a:rPr lang="en-US" altLang="zh-CN" dirty="0"/>
+              <a:t>Read-1</a:t>
+            </a:r>
+            <a:endParaRPr lang="zh-CN" altLang="en-US" dirty="0"/>
           </a:p>
         </p:txBody>
       </p:sp>
@@ -9006,7 +9106,7 @@
           <p:cNvPr id="3" name="内容占位符 2">
             <a:extLst>
               <a:ext uri="{FF2B5EF4-FFF2-40B4-BE49-F238E27FC236}">
-                <a16:creationId xmlns:a16="http://schemas.microsoft.com/office/drawing/2014/main" id="{602E418F-1B90-035C-8CD4-D1679F3AFE15}"/>
+                <a16:creationId xmlns:a16="http://schemas.microsoft.com/office/drawing/2014/main" id="{F497AC26-1CC3-8F65-A72D-05649EA50B98}"/>
               </a:ext>
             </a:extLst>
           </p:cNvPr>
@@ -9019,111 +9119,95 @@
         </p:nvSpPr>
         <p:spPr/>
         <p:txBody>
-          <a:bodyPr>
-            <a:normAutofit lnSpcReduction="10000"/>
-          </a:bodyPr>
-          <a:lstStyle/>
-          <a:p>
-            <a:r>
-              <a:rPr lang="en-US" altLang="zh-CN" dirty="0"/>
-              <a:t>def </a:t>
-            </a:r>
-            <a:r>
-              <a:rPr lang="en-US" altLang="zh-CN" dirty="0" err="1"/>
-              <a:t>previous_step</a:t>
-            </a:r>
-            <a:r>
-              <a:rPr lang="en-US" altLang="zh-CN" dirty="0"/>
-              <a:t>():</a:t>
-            </a:r>
-          </a:p>
-          <a:p>
-            <a:r>
-              <a:rPr lang="en-US" altLang="zh-CN" dirty="0"/>
-              <a:t>    global step</a:t>
-            </a:r>
-          </a:p>
-          <a:p>
-            <a:r>
-              <a:rPr lang="en-US" altLang="zh-CN" dirty="0"/>
-              <a:t>    step = max(0, step - 1)</a:t>
-            </a:r>
-          </a:p>
-          <a:p>
-            <a:r>
-              <a:rPr lang="en-US" altLang="zh-CN" dirty="0"/>
-              <a:t>    </a:t>
-            </a:r>
-            <a:r>
-              <a:rPr lang="en-US" altLang="zh-CN" dirty="0" err="1"/>
-              <a:t>print_screen</a:t>
-            </a:r>
-            <a:r>
-              <a:rPr lang="en-US" altLang="zh-CN" dirty="0"/>
-              <a:t>()</a:t>
+          <a:bodyPr/>
+          <a:lstStyle/>
+          <a:p>
+            <a:r>
+              <a:rPr lang="en-US" altLang="zh-CN" dirty="0"/>
+              <a:t>global nodes, lines, step, numbers</a:t>
+            </a:r>
+          </a:p>
+          <a:p>
+            <a:r>
+              <a:rPr lang="en-US" altLang="zh-CN" dirty="0"/>
+              <a:t>nodes = []</a:t>
+            </a:r>
+          </a:p>
+          <a:p>
+            <a:r>
+              <a:rPr lang="en-US" altLang="zh-CN" dirty="0"/>
+              <a:t>lines = []</a:t>
+            </a:r>
+          </a:p>
+          <a:p>
+            <a:r>
+              <a:rPr lang="en-US" altLang="zh-CN" dirty="0"/>
+              <a:t>step = 0</a:t>
+            </a:r>
+          </a:p>
+          <a:p>
+            <a:r>
+              <a:rPr lang="en-US" altLang="zh-CN" dirty="0"/>
+              <a:t>numbers = []</a:t>
             </a:r>
           </a:p>
           <a:p>
             <a:pPr marL="0" indent="0">
               <a:buNone/>
             </a:pPr>
+            <a:r>
+              <a:rPr lang="en-US" altLang="zh-CN" dirty="0"/>
+              <a:t>nodes</a:t>
+            </a:r>
+            <a:r>
+              <a:rPr lang="zh-CN" altLang="en-US" dirty="0"/>
+              <a:t>、</a:t>
+            </a:r>
+            <a:r>
+              <a:rPr lang="en-US" altLang="zh-CN" dirty="0"/>
+              <a:t>lines</a:t>
+            </a:r>
+            <a:r>
+              <a:rPr lang="zh-CN" altLang="en-US" dirty="0"/>
+              <a:t>、</a:t>
+            </a:r>
+            <a:r>
+              <a:rPr lang="en-US" altLang="zh-CN" dirty="0"/>
+              <a:t>numbers</a:t>
+            </a:r>
+            <a:r>
+              <a:rPr lang="zh-CN" altLang="en-US" dirty="0"/>
+              <a:t>：三个变量分别用于存储哈夫曼树的节点信息、线条信息和节点的详细信息（如坐标、权重等）。</a:t>
+            </a:r>
             <a:endParaRPr lang="en-US" altLang="zh-CN" dirty="0"/>
           </a:p>
           <a:p>
-            <a:r>
-              <a:rPr lang="en-US" altLang="zh-CN" dirty="0"/>
-              <a:t>def </a:t>
-            </a:r>
-            <a:r>
-              <a:rPr lang="en-US" altLang="zh-CN" dirty="0" err="1"/>
-              <a:t>next_step</a:t>
-            </a:r>
-            <a:r>
-              <a:rPr lang="en-US" altLang="zh-CN" dirty="0"/>
-              <a:t>():</a:t>
-            </a:r>
-          </a:p>
-          <a:p>
-            <a:r>
-              <a:rPr lang="en-US" altLang="zh-CN" dirty="0"/>
-              <a:t>    global step, nodes</a:t>
-            </a:r>
-          </a:p>
-          <a:p>
-            <a:r>
-              <a:rPr lang="en-US" altLang="zh-CN" dirty="0"/>
-              <a:t>    step = min(</a:t>
-            </a:r>
-            <a:r>
-              <a:rPr lang="en-US" altLang="zh-CN" dirty="0" err="1"/>
-              <a:t>len</a:t>
-            </a:r>
-            <a:r>
-              <a:rPr lang="en-US" altLang="zh-CN" dirty="0"/>
-              <a:t>(nodes) - 1, step + 1)</a:t>
-            </a:r>
-          </a:p>
-          <a:p>
-            <a:r>
-              <a:rPr lang="en-US" altLang="zh-CN" dirty="0"/>
-              <a:t>    </a:t>
-            </a:r>
-            <a:r>
-              <a:rPr lang="en-US" altLang="zh-CN" dirty="0" err="1"/>
-              <a:t>print_screen</a:t>
-            </a:r>
-            <a:r>
-              <a:rPr lang="en-US" altLang="zh-CN" dirty="0"/>
-              <a:t>()</a:t>
-            </a:r>
-            <a:endParaRPr lang="zh-CN" altLang="en-US" dirty="0"/>
+            <a:pPr marL="0" indent="0">
+              <a:buNone/>
+            </a:pPr>
+            <a:r>
+              <a:rPr lang="en-US" altLang="zh-CN" dirty="0"/>
+              <a:t>step</a:t>
+            </a:r>
+            <a:r>
+              <a:rPr lang="zh-CN" altLang="en-US" dirty="0"/>
+              <a:t>：当前步骤，初始值为</a:t>
+            </a:r>
+            <a:r>
+              <a:rPr lang="en-US" altLang="zh-CN" dirty="0"/>
+              <a:t>0</a:t>
+            </a:r>
+            <a:r>
+              <a:rPr lang="zh-CN" altLang="en-US" dirty="0"/>
+              <a:t>，表示从第一步开始显示哈夫曼树的构建过程。</a:t>
+            </a:r>
           </a:p>
         </p:txBody>
       </p:sp>
     </p:spTree>
     <p:extLst>
       <p:ext uri="{BB962C8B-B14F-4D97-AF65-F5344CB8AC3E}">
-        <p14:creationId xmlns:p14="http://schemas.microsoft.com/office/powerpoint/2010/main" val="2334390500"/>
+        <p14:creationId xmlns:p14="http://schemas.microsoft.com/office/powerpoint/2010/main" val="3441455781"/>
       </p:ext>
     </p:extLst>
   </p:cSld>
@@ -9155,7 +9239,7 @@
           <p:cNvPr id="2" name="标题 1">
             <a:extLst>
               <a:ext uri="{FF2B5EF4-FFF2-40B4-BE49-F238E27FC236}">
-                <a16:creationId xmlns:a16="http://schemas.microsoft.com/office/drawing/2014/main" id="{1D6BB0E3-A99A-EFF6-F7D1-27E98D9748DF}"/>
+                <a16:creationId xmlns:a16="http://schemas.microsoft.com/office/drawing/2014/main" id="{92BDAB13-A660-88D4-3D78-F44E334477D6}"/>
               </a:ext>
             </a:extLst>
           </p:cNvPr>
@@ -9173,7 +9257,7 @@
           <a:p>
             <a:r>
               <a:rPr lang="en-US" altLang="zh-CN" dirty="0"/>
-              <a:t>Read-1</a:t>
+              <a:t>Read-2</a:t>
             </a:r>
             <a:endParaRPr lang="zh-CN" altLang="en-US" dirty="0"/>
           </a:p>
@@ -9184,7 +9268,7 @@
           <p:cNvPr id="3" name="内容占位符 2">
             <a:extLst>
               <a:ext uri="{FF2B5EF4-FFF2-40B4-BE49-F238E27FC236}">
-                <a16:creationId xmlns:a16="http://schemas.microsoft.com/office/drawing/2014/main" id="{F497AC26-1CC3-8F65-A72D-05649EA50B98}"/>
+                <a16:creationId xmlns:a16="http://schemas.microsoft.com/office/drawing/2014/main" id="{EEB51096-CF5D-A5C8-44C4-7E17E5860120}"/>
               </a:ext>
             </a:extLst>
           </p:cNvPr>
@@ -9202,31 +9286,43 @@
           <a:p>
             <a:r>
               <a:rPr lang="en-US" altLang="zh-CN" dirty="0"/>
-              <a:t>global nodes, lines, step, numbers</a:t>
-            </a:r>
-          </a:p>
-          <a:p>
-            <a:r>
-              <a:rPr lang="en-US" altLang="zh-CN" dirty="0"/>
-              <a:t>nodes = []</a:t>
-            </a:r>
-          </a:p>
-          <a:p>
-            <a:r>
-              <a:rPr lang="en-US" altLang="zh-CN" dirty="0"/>
-              <a:t>lines = []</a:t>
-            </a:r>
-          </a:p>
-          <a:p>
-            <a:r>
-              <a:rPr lang="en-US" altLang="zh-CN" dirty="0"/>
-              <a:t>step = 0</a:t>
-            </a:r>
-          </a:p>
-          <a:p>
-            <a:r>
-              <a:rPr lang="en-US" altLang="zh-CN" dirty="0"/>
-              <a:t>numbers = []</a:t>
+              <a:t>content = </a:t>
+            </a:r>
+            <a:r>
+              <a:rPr lang="en-US" altLang="zh-CN" dirty="0" err="1"/>
+              <a:t>input_entry.get</a:t>
+            </a:r>
+            <a:r>
+              <a:rPr lang="en-US" altLang="zh-CN" dirty="0"/>
+              <a:t>()</a:t>
+            </a:r>
+          </a:p>
+          <a:p>
+            <a:r>
+              <a:rPr lang="en-US" altLang="zh-CN" dirty="0"/>
+              <a:t>out = list(map(int, </a:t>
+            </a:r>
+            <a:r>
+              <a:rPr lang="en-US" altLang="zh-CN" dirty="0" err="1"/>
+              <a:t>content.split</a:t>
+            </a:r>
+            <a:r>
+              <a:rPr lang="en-US" altLang="zh-CN" dirty="0"/>
+              <a:t>()))</a:t>
+            </a:r>
+          </a:p>
+          <a:p>
+            <a:r>
+              <a:rPr lang="en-US" altLang="zh-CN" dirty="0"/>
+              <a:t>assert </a:t>
+            </a:r>
+            <a:r>
+              <a:rPr lang="en-US" altLang="zh-CN" dirty="0" err="1"/>
+              <a:t>len</a:t>
+            </a:r>
+            <a:r>
+              <a:rPr lang="en-US" altLang="zh-CN" dirty="0"/>
+              <a:t>(out) != 0, "empty input"</a:t>
             </a:r>
           </a:p>
           <a:p>
@@ -9234,50 +9330,16 @@
               <a:buNone/>
             </a:pPr>
             <a:r>
-              <a:rPr lang="en-US" altLang="zh-CN" dirty="0"/>
-              <a:t>nodes</a:t>
-            </a:r>
-            <a:r>
               <a:rPr lang="zh-CN" altLang="en-US" dirty="0"/>
-              <a:t>、</a:t>
-            </a:r>
-            <a:r>
-              <a:rPr lang="en-US" altLang="zh-CN" dirty="0"/>
-              <a:t>lines</a:t>
+              <a:t>用户输入</a:t>
+            </a:r>
+            <a:r>
+              <a:rPr lang="en-US" altLang="zh-CN" dirty="0"/>
+              <a:t> &amp;&amp; </a:t>
             </a:r>
             <a:r>
               <a:rPr lang="zh-CN" altLang="en-US" dirty="0"/>
-              <a:t>、</a:t>
-            </a:r>
-            <a:r>
-              <a:rPr lang="en-US" altLang="zh-CN" dirty="0"/>
-              <a:t>numbers</a:t>
-            </a:r>
-            <a:r>
-              <a:rPr lang="zh-CN" altLang="en-US" dirty="0"/>
-              <a:t>：三个变量分别用于存储哈夫曼树的节点信息、线条信息和节点的详细信息（如坐标、权重等）。</a:t>
-            </a:r>
-            <a:endParaRPr lang="en-US" altLang="zh-CN" dirty="0"/>
-          </a:p>
-          <a:p>
-            <a:pPr marL="0" indent="0">
-              <a:buNone/>
-            </a:pPr>
-            <a:r>
-              <a:rPr lang="en-US" altLang="zh-CN" dirty="0"/>
-              <a:t>step</a:t>
-            </a:r>
-            <a:r>
-              <a:rPr lang="zh-CN" altLang="en-US" dirty="0"/>
-              <a:t>：当前步骤，初始值为</a:t>
-            </a:r>
-            <a:r>
-              <a:rPr lang="en-US" altLang="zh-CN" dirty="0"/>
-              <a:t>0</a:t>
-            </a:r>
-            <a:r>
-              <a:rPr lang="zh-CN" altLang="en-US" dirty="0"/>
-              <a:t>，表示从第一步开始显示哈夫曼树的构建过程。</a:t>
+              <a:t>数据处理和验证</a:t>
             </a:r>
           </a:p>
         </p:txBody>
@@ -9285,7 +9347,7 @@
     </p:spTree>
     <p:extLst>
       <p:ext uri="{BB962C8B-B14F-4D97-AF65-F5344CB8AC3E}">
-        <p14:creationId xmlns:p14="http://schemas.microsoft.com/office/powerpoint/2010/main" val="3441455781"/>
+        <p14:creationId xmlns:p14="http://schemas.microsoft.com/office/powerpoint/2010/main" val="576465012"/>
       </p:ext>
     </p:extLst>
   </p:cSld>
